--- a/论文资料/GANs/Chapter+Seven-1-GAN.pptx
+++ b/论文资料/GANs/Chapter+Seven-1-GAN.pptx
@@ -3,32 +3,32 @@
 <p:presentation xmlns:a="http://schemas.openxmlformats.org/drawingml/2006/main" xmlns:r="http://schemas.openxmlformats.org/officeDocument/2006/relationships" xmlns:p="http://schemas.openxmlformats.org/presentationml/2006/main">
   <p:sldMasterIdLst>
     <p:sldMasterId id="2147483648" r:id="rId1"/>
-    <p:sldMasterId id="2147483656" r:id="rId2"/>
-    <p:sldMasterId id="2147483672" r:id="rId3"/>
+    <p:sldMasterId id="2147483656" r:id="rId3"/>
+    <p:sldMasterId id="2147483672" r:id="rId4"/>
   </p:sldMasterIdLst>
   <p:notesMasterIdLst>
-    <p:notesMasterId r:id="rId23"/>
+    <p:notesMasterId r:id="rId6"/>
   </p:notesMasterIdLst>
   <p:sldIdLst>
-    <p:sldId id="256" r:id="rId4"/>
-    <p:sldId id="263" r:id="rId5"/>
-    <p:sldId id="269" r:id="rId6"/>
-    <p:sldId id="527" r:id="rId7"/>
-    <p:sldId id="577" r:id="rId8"/>
-    <p:sldId id="547" r:id="rId9"/>
-    <p:sldId id="551" r:id="rId10"/>
-    <p:sldId id="586" r:id="rId11"/>
-    <p:sldId id="674" r:id="rId12"/>
-    <p:sldId id="455" r:id="rId13"/>
-    <p:sldId id="600" r:id="rId14"/>
-    <p:sldId id="506" r:id="rId15"/>
-    <p:sldId id="507" r:id="rId16"/>
-    <p:sldId id="461" r:id="rId17"/>
-    <p:sldId id="510" r:id="rId18"/>
-    <p:sldId id="512" r:id="rId19"/>
-    <p:sldId id="480" r:id="rId20"/>
-    <p:sldId id="572" r:id="rId21"/>
-    <p:sldId id="266" r:id="rId22"/>
+    <p:sldId id="256" r:id="rId5"/>
+    <p:sldId id="263" r:id="rId7"/>
+    <p:sldId id="269" r:id="rId8"/>
+    <p:sldId id="527" r:id="rId9"/>
+    <p:sldId id="577" r:id="rId10"/>
+    <p:sldId id="547" r:id="rId11"/>
+    <p:sldId id="551" r:id="rId12"/>
+    <p:sldId id="586" r:id="rId13"/>
+    <p:sldId id="674" r:id="rId14"/>
+    <p:sldId id="455" r:id="rId15"/>
+    <p:sldId id="600" r:id="rId16"/>
+    <p:sldId id="506" r:id="rId17"/>
+    <p:sldId id="507" r:id="rId18"/>
+    <p:sldId id="461" r:id="rId19"/>
+    <p:sldId id="510" r:id="rId20"/>
+    <p:sldId id="512" r:id="rId21"/>
+    <p:sldId id="480" r:id="rId22"/>
+    <p:sldId id="572" r:id="rId23"/>
+    <p:sldId id="266" r:id="rId24"/>
   </p:sldIdLst>
   <p:sldSz cx="12192000" cy="6858000"/>
   <p:notesSz cx="6858000" cy="9144000"/>
@@ -127,22 +127,6 @@
       </a:defRPr>
     </a:lvl9pPr>
   </p:defaultTextStyle>
-  <p:extLst>
-    <p:ext uri="{EFAFB233-063F-42B5-8137-9DF3F51BA10A}">
-      <p15:sldGuideLst xmlns:p15="http://schemas.microsoft.com/office/powerpoint/2012/main">
-        <p15:guide id="1" orient="horz" pos="2164">
-          <p15:clr>
-            <a:srgbClr val="A4A3A4"/>
-          </p15:clr>
-        </p15:guide>
-        <p15:guide id="2" pos="3870">
-          <p15:clr>
-            <a:srgbClr val="A4A3A4"/>
-          </p15:clr>
-        </p15:guide>
-      </p15:sldGuideLst>
-    </p:ext>
-  </p:extLst>
 </p:presentation>
 </file>
 
@@ -228,7 +212,6 @@
           <a:p>
             <a:fld id="{1E5BCEC9-DDE4-4B30-87D6-0017517D5E27}" type="datetimeFigureOut">
               <a:rPr lang="zh-CN" altLang="en-US" smtClean="0"/>
-              <a:t>2019/4/4</a:t>
             </a:fld>
             <a:endParaRPr lang="zh-CN" altLang="en-US"/>
           </a:p>
@@ -295,6 +278,7 @@
               <a:rPr lang="zh-CN" altLang="en-US"/>
               <a:t>编辑母版文本样式</a:t>
             </a:r>
+            <a:endParaRPr lang="zh-CN" altLang="en-US"/>
           </a:p>
           <a:p>
             <a:pPr lvl="1"/>
@@ -302,6 +286,7 @@
               <a:rPr lang="zh-CN" altLang="en-US"/>
               <a:t>第二级</a:t>
             </a:r>
+            <a:endParaRPr lang="zh-CN" altLang="en-US"/>
           </a:p>
           <a:p>
             <a:pPr lvl="2"/>
@@ -309,6 +294,7 @@
               <a:rPr lang="zh-CN" altLang="en-US"/>
               <a:t>第三级</a:t>
             </a:r>
+            <a:endParaRPr lang="zh-CN" altLang="en-US"/>
           </a:p>
           <a:p>
             <a:pPr lvl="3"/>
@@ -316,6 +302,7 @@
               <a:rPr lang="zh-CN" altLang="en-US"/>
               <a:t>第四级</a:t>
             </a:r>
+            <a:endParaRPr lang="zh-CN" altLang="en-US"/>
           </a:p>
           <a:p>
             <a:pPr lvl="4"/>
@@ -323,6 +310,7 @@
               <a:rPr lang="zh-CN" altLang="en-US"/>
               <a:t>第五级</a:t>
             </a:r>
+            <a:endParaRPr lang="zh-CN" altLang="en-US"/>
           </a:p>
         </p:txBody>
       </p:sp>
@@ -386,7 +374,6 @@
           <a:p>
             <a:fld id="{5FD4487E-253C-4F2A-AD3B-D7DF4058A670}" type="slidenum">
               <a:rPr lang="zh-CN" altLang="en-US" smtClean="0"/>
-              <a:t>‹#›</a:t>
             </a:fld>
             <a:endParaRPr lang="zh-CN" altLang="en-US"/>
           </a:p>
@@ -599,7 +586,6 @@
                 <a:ea typeface="宋体" pitchFamily="2" charset="-122"/>
                 <a:cs typeface="+mn-cs"/>
               </a:rPr>
-              <a:t>1</a:t>
             </a:fld>
             <a:endParaRPr kumimoji="0" lang="en-US" altLang="zh-CN" sz="1200" b="0" i="0" u="none" strike="noStrike" kern="1200" cap="none" spc="0" normalizeH="0" baseline="0" noProof="0">
               <a:ln>
@@ -720,7 +706,6 @@
                 <a:ea typeface="等线" panose="02010600030101010101" pitchFamily="2" charset="-122"/>
                 <a:cs typeface="+mn-cs"/>
               </a:rPr>
-              <a:t>10</a:t>
             </a:fld>
             <a:endParaRPr kumimoji="0" lang="zh-CN" altLang="en-US" sz="1200" b="0" i="0" u="none" strike="noStrike" kern="1200" cap="none" spc="0" normalizeH="0" baseline="0" noProof="0">
               <a:ln>
@@ -841,7 +826,6 @@
                 <a:ea typeface="等线" panose="02010600030101010101" pitchFamily="2" charset="-122"/>
                 <a:cs typeface="+mn-cs"/>
               </a:rPr>
-              <a:t>11</a:t>
             </a:fld>
             <a:endParaRPr kumimoji="0" lang="zh-CN" altLang="en-US" sz="1200" b="0" i="0" u="none" strike="noStrike" kern="1200" cap="none" spc="0" normalizeH="0" baseline="0" noProof="0">
               <a:ln>
@@ -962,7 +946,6 @@
                 <a:ea typeface="等线" panose="02010600030101010101" pitchFamily="2" charset="-122"/>
                 <a:cs typeface="+mn-cs"/>
               </a:rPr>
-              <a:t>12</a:t>
             </a:fld>
             <a:endParaRPr kumimoji="0" lang="zh-CN" altLang="en-US" sz="1200" b="0" i="0" u="none" strike="noStrike" kern="1200" cap="none" spc="0" normalizeH="0" baseline="0" noProof="0">
               <a:ln>
@@ -1083,7 +1066,6 @@
                 <a:ea typeface="等线" panose="02010600030101010101" pitchFamily="2" charset="-122"/>
                 <a:cs typeface="+mn-cs"/>
               </a:rPr>
-              <a:t>14</a:t>
             </a:fld>
             <a:endParaRPr kumimoji="0" lang="zh-CN" altLang="en-US" sz="1200" b="0" i="0" u="none" strike="noStrike" kern="1200" cap="none" spc="0" normalizeH="0" baseline="0" noProof="0">
               <a:ln>
@@ -1175,7 +1157,6 @@
           <a:p>
             <a:fld id="{5FD4487E-253C-4F2A-AD3B-D7DF4058A670}" type="slidenum">
               <a:rPr lang="zh-CN" altLang="en-US" smtClean="0"/>
-              <a:t>15</a:t>
             </a:fld>
             <a:endParaRPr lang="zh-CN" altLang="en-US"/>
           </a:p>
@@ -1283,7 +1264,6 @@
                 <a:ea typeface="等线" panose="02010600030101010101" pitchFamily="2" charset="-122"/>
                 <a:cs typeface="+mn-cs"/>
               </a:rPr>
-              <a:t>17</a:t>
             </a:fld>
             <a:endParaRPr kumimoji="0" lang="zh-CN" altLang="en-US" sz="1200" b="0" i="0" u="none" strike="noStrike" kern="1200" cap="none" spc="0" normalizeH="0" baseline="0" noProof="0">
               <a:ln>
@@ -1375,7 +1355,6 @@
           <a:p>
             <a:fld id="{5FD4487E-253C-4F2A-AD3B-D7DF4058A670}" type="slidenum">
               <a:rPr lang="zh-CN" altLang="en-US" smtClean="0"/>
-              <a:t>19</a:t>
             </a:fld>
             <a:endParaRPr lang="zh-CN" altLang="en-US"/>
           </a:p>
@@ -1437,6 +1416,7 @@
               <a:rPr lang="zh-CN" altLang="en-US" dirty="0"/>
               <a:t>图片可以替换</a:t>
             </a:r>
+            <a:endParaRPr lang="zh-CN" altLang="en-US" dirty="0"/>
           </a:p>
         </p:txBody>
       </p:sp>
@@ -1457,7 +1437,6 @@
           <a:p>
             <a:fld id="{5FD4487E-253C-4F2A-AD3B-D7DF4058A670}" type="slidenum">
               <a:rPr lang="zh-CN" altLang="en-US" smtClean="0"/>
-              <a:t>2</a:t>
             </a:fld>
             <a:endParaRPr lang="zh-CN" altLang="en-US"/>
           </a:p>
@@ -1565,7 +1544,6 @@
                 <a:ea typeface="等线" panose="02010600030101010101" pitchFamily="2" charset="-122"/>
                 <a:cs typeface="+mn-cs"/>
               </a:rPr>
-              <a:t>3</a:t>
             </a:fld>
             <a:endParaRPr kumimoji="0" lang="zh-CN" altLang="en-US" sz="1200" b="0" i="0" u="none" strike="noStrike" kern="1200" cap="none" spc="0" normalizeH="0" baseline="0" noProof="0">
               <a:ln>
@@ -1660,7 +1638,6 @@
             </a:pPr>
             <a:fld id="{4C65793F-5438-41B3-A91D-F614E83A24DC}" type="slidenum">
               <a:rPr lang="zh-CN" altLang="en-US" smtClean="0"/>
-              <a:t>4</a:t>
             </a:fld>
             <a:endParaRPr lang="zh-CN" altLang="en-US"/>
           </a:p>
@@ -1742,7 +1719,6 @@
             </a:pPr>
             <a:fld id="{4C65793F-5438-41B3-A91D-F614E83A24DC}" type="slidenum">
               <a:rPr lang="zh-CN" altLang="en-US" smtClean="0"/>
-              <a:t>5</a:t>
             </a:fld>
             <a:endParaRPr lang="zh-CN" altLang="en-US"/>
           </a:p>
@@ -1850,7 +1826,6 @@
                 <a:ea typeface="等线" panose="02010600030101010101" pitchFamily="2" charset="-122"/>
                 <a:cs typeface="+mn-cs"/>
               </a:rPr>
-              <a:t>6</a:t>
             </a:fld>
             <a:endParaRPr kumimoji="0" lang="zh-CN" altLang="en-US" sz="1200" b="0" i="0" u="none" strike="noStrike" kern="1200" cap="none" spc="0" normalizeH="0" baseline="0" noProof="0">
               <a:ln>
@@ -1971,7 +1946,6 @@
                 <a:ea typeface="等线" panose="02010600030101010101" pitchFamily="2" charset="-122"/>
                 <a:cs typeface="+mn-cs"/>
               </a:rPr>
-              <a:t>7</a:t>
             </a:fld>
             <a:endParaRPr kumimoji="0" lang="zh-CN" altLang="en-US" sz="1200" b="0" i="0" u="none" strike="noStrike" kern="1200" cap="none" spc="0" normalizeH="0" baseline="0" noProof="0">
               <a:ln>
@@ -2092,7 +2066,6 @@
                 <a:ea typeface="等线" panose="02010600030101010101" pitchFamily="2" charset="-122"/>
                 <a:cs typeface="+mn-cs"/>
               </a:rPr>
-              <a:t>8</a:t>
             </a:fld>
             <a:endParaRPr kumimoji="0" lang="zh-CN" altLang="en-US" sz="1200" b="0" i="0" u="none" strike="noStrike" kern="1200" cap="none" spc="0" normalizeH="0" baseline="0" noProof="0">
               <a:ln>
@@ -2213,7 +2186,6 @@
                 <a:ea typeface="等线" panose="02010600030101010101" pitchFamily="2" charset="-122"/>
                 <a:cs typeface="+mn-cs"/>
               </a:rPr>
-              <a:t>9</a:t>
             </a:fld>
             <a:endParaRPr kumimoji="0" lang="zh-CN" altLang="en-US" sz="1200" b="0" i="0" u="none" strike="noStrike" kern="1200" cap="none" spc="0" normalizeH="0" baseline="0" noProof="0">
               <a:ln>
@@ -2233,11 +2205,6 @@
         </p:txBody>
       </p:sp>
     </p:spTree>
-    <p:extLst>
-      <p:ext uri="{BB962C8B-B14F-4D97-AF65-F5344CB8AC3E}">
-        <p14:creationId xmlns:p14="http://schemas.microsoft.com/office/powerpoint/2010/main" val="2294563667"/>
-      </p:ext>
-    </p:extLst>
   </p:cSld>
   <p:clrMapOvr>
     <a:masterClrMapping/>
@@ -2407,7 +2374,6 @@
                 <a:ea typeface="华文中宋" charset="0"/>
                 <a:cs typeface="+mn-cs"/>
               </a:rPr>
-              <a:t>2019/4/4</a:t>
             </a:fld>
             <a:endParaRPr kumimoji="0" lang="zh-CN" altLang="en-US" sz="1200" b="1" i="0" u="none" strike="noStrike" kern="1200" cap="none" spc="0" normalizeH="0" baseline="0" noProof="0">
               <a:ln>
@@ -2526,7 +2492,6 @@
                 <a:ea typeface="华文中宋" charset="0"/>
                 <a:cs typeface="+mn-cs"/>
               </a:rPr>
-              <a:t>‹#›</a:t>
             </a:fld>
             <a:endParaRPr kumimoji="0" lang="en-US" altLang="zh-CN" sz="1200" b="1" i="0" u="none" strike="noStrike" kern="1200" cap="none" spc="0" normalizeH="0" baseline="0" noProof="0">
               <a:ln>
@@ -2556,7 +2521,7 @@
 </file>
 
 <file path=ppt/slideLayouts/slideLayout10.xml><?xml version="1.0" encoding="utf-8"?>
-<p:sldLayout xmlns:a="http://schemas.openxmlformats.org/drawingml/2006/main" xmlns:r="http://schemas.openxmlformats.org/officeDocument/2006/relationships" xmlns:p="http://schemas.openxmlformats.org/presentationml/2006/main" showMasterSp="0" type="secHead" preserve="1">
+<p:sldLayout xmlns:a="http://schemas.openxmlformats.org/drawingml/2006/main" xmlns:r="http://schemas.openxmlformats.org/officeDocument/2006/relationships" xmlns:p="http://schemas.openxmlformats.org/presentationml/2006/main" type="secHead" preserve="1" showMasterSp="0">
   <p:cSld name="节标题">
     <p:bg>
       <p:bgRef idx="1001">
@@ -2686,6 +2651,7 @@
               <a:rPr kumimoji="0" lang="zh-CN" altLang="en-US"/>
               <a:t>单击此处编辑母版文本样式</a:t>
             </a:r>
+            <a:endParaRPr kumimoji="0" lang="zh-CN" altLang="en-US"/>
           </a:p>
         </p:txBody>
       </p:sp>
@@ -2714,7 +2680,6 @@
             </a:pPr>
             <a:fld id="{1F22CAA9-D555-4637-A0E7-ADAFB05985CC}" type="datetime1">
               <a:rPr lang="zh-CN" altLang="en-US" smtClean="0"/>
-              <a:t>2019/4/4</a:t>
             </a:fld>
             <a:endParaRPr lang="zh-CN" altLang="en-US"/>
           </a:p>
@@ -2772,7 +2737,6 @@
             </a:pPr>
             <a:fld id="{D20C60E5-BE9C-42B3-BC00-1ED17C22C58A}" type="slidenum">
               <a:rPr lang="zh-CN" altLang="en-US" smtClean="0"/>
-              <a:t>‹#›</a:t>
             </a:fld>
             <a:endParaRPr lang="zh-CN" altLang="en-US" dirty="0"/>
           </a:p>
@@ -2943,7 +2907,6 @@
             </a:pPr>
             <a:fld id="{B83EF66C-D4D1-4E69-8E5B-FC5D00FC4587}" type="datetime1">
               <a:rPr lang="zh-CN" altLang="en-US" smtClean="0"/>
-              <a:t>2019/4/4</a:t>
             </a:fld>
             <a:endParaRPr lang="zh-CN" altLang="en-US"/>
           </a:p>
@@ -2991,7 +2954,6 @@
             </a:pPr>
             <a:fld id="{51FD954E-C6E5-46D9-8AB1-C4D485CE53C4}" type="slidenum">
               <a:rPr lang="zh-CN" altLang="en-US" smtClean="0"/>
-              <a:t>‹#›</a:t>
             </a:fld>
             <a:endParaRPr lang="zh-CN" altLang="en-US"/>
           </a:p>
@@ -3022,6 +2984,7 @@
               <a:rPr lang="zh-CN" altLang="en-US"/>
               <a:t>单击此处编辑母版文本样式</a:t>
             </a:r>
+            <a:endParaRPr lang="zh-CN" altLang="en-US"/>
           </a:p>
           <a:p>
             <a:pPr lvl="1" eaLnBrk="1" latinLnBrk="0" hangingPunct="1"/>
@@ -3029,6 +2992,7 @@
               <a:rPr lang="zh-CN" altLang="en-US"/>
               <a:t>第二级</a:t>
             </a:r>
+            <a:endParaRPr lang="zh-CN" altLang="en-US"/>
           </a:p>
           <a:p>
             <a:pPr lvl="2" eaLnBrk="1" latinLnBrk="0" hangingPunct="1"/>
@@ -3036,6 +3000,7 @@
               <a:rPr lang="zh-CN" altLang="en-US"/>
               <a:t>第三级</a:t>
             </a:r>
+            <a:endParaRPr lang="zh-CN" altLang="en-US"/>
           </a:p>
           <a:p>
             <a:pPr lvl="3" eaLnBrk="1" latinLnBrk="0" hangingPunct="1"/>
@@ -3043,6 +3008,7 @@
               <a:rPr lang="zh-CN" altLang="en-US"/>
               <a:t>第四级</a:t>
             </a:r>
+            <a:endParaRPr lang="zh-CN" altLang="en-US"/>
           </a:p>
           <a:p>
             <a:pPr lvl="4" eaLnBrk="1" latinLnBrk="0" hangingPunct="1"/>
@@ -3079,6 +3045,7 @@
               <a:rPr lang="zh-CN" altLang="en-US"/>
               <a:t>单击此处编辑母版文本样式</a:t>
             </a:r>
+            <a:endParaRPr lang="zh-CN" altLang="en-US"/>
           </a:p>
           <a:p>
             <a:pPr lvl="1" eaLnBrk="1" latinLnBrk="0" hangingPunct="1"/>
@@ -3086,6 +3053,7 @@
               <a:rPr lang="zh-CN" altLang="en-US"/>
               <a:t>第二级</a:t>
             </a:r>
+            <a:endParaRPr lang="zh-CN" altLang="en-US"/>
           </a:p>
           <a:p>
             <a:pPr lvl="2" eaLnBrk="1" latinLnBrk="0" hangingPunct="1"/>
@@ -3093,6 +3061,7 @@
               <a:rPr lang="zh-CN" altLang="en-US"/>
               <a:t>第三级</a:t>
             </a:r>
+            <a:endParaRPr lang="zh-CN" altLang="en-US"/>
           </a:p>
           <a:p>
             <a:pPr lvl="3" eaLnBrk="1" latinLnBrk="0" hangingPunct="1"/>
@@ -3100,6 +3069,7 @@
               <a:rPr lang="zh-CN" altLang="en-US"/>
               <a:t>第四级</a:t>
             </a:r>
+            <a:endParaRPr lang="zh-CN" altLang="en-US"/>
           </a:p>
           <a:p>
             <a:pPr lvl="4" eaLnBrk="1" latinLnBrk="0" hangingPunct="1"/>
@@ -3224,6 +3194,7 @@
               <a:rPr kumimoji="0" lang="zh-CN" altLang="en-US"/>
               <a:t>单击此处编辑母版文本样式</a:t>
             </a:r>
+            <a:endParaRPr kumimoji="0" lang="zh-CN" altLang="en-US"/>
           </a:p>
         </p:txBody>
       </p:sp>
@@ -3281,6 +3252,7 @@
               <a:rPr kumimoji="0" lang="zh-CN" altLang="en-US"/>
               <a:t>单击此处编辑母版文本样式</a:t>
             </a:r>
+            <a:endParaRPr kumimoji="0" lang="zh-CN" altLang="en-US"/>
           </a:p>
         </p:txBody>
       </p:sp>
@@ -3304,7 +3276,6 @@
             </a:pPr>
             <a:fld id="{5ED6EC4F-EB8E-43DA-A43D-D0261FB000D6}" type="datetime1">
               <a:rPr lang="zh-CN" altLang="en-US" smtClean="0"/>
-              <a:t>2019/4/4</a:t>
             </a:fld>
             <a:endParaRPr lang="zh-CN" altLang="en-US"/>
           </a:p>
@@ -3352,7 +3323,6 @@
             </a:pPr>
             <a:fld id="{38CE3FC7-9726-4829-87E3-21C7DC38C2A3}" type="slidenum">
               <a:rPr lang="zh-CN" altLang="en-US" smtClean="0"/>
-              <a:t>‹#›</a:t>
             </a:fld>
             <a:endParaRPr lang="zh-CN" altLang="en-US"/>
           </a:p>
@@ -3383,6 +3353,7 @@
               <a:rPr lang="zh-CN" altLang="en-US"/>
               <a:t>单击此处编辑母版文本样式</a:t>
             </a:r>
+            <a:endParaRPr lang="zh-CN" altLang="en-US"/>
           </a:p>
           <a:p>
             <a:pPr lvl="1" eaLnBrk="1" latinLnBrk="0" hangingPunct="1"/>
@@ -3390,6 +3361,7 @@
               <a:rPr lang="zh-CN" altLang="en-US"/>
               <a:t>第二级</a:t>
             </a:r>
+            <a:endParaRPr lang="zh-CN" altLang="en-US"/>
           </a:p>
           <a:p>
             <a:pPr lvl="2" eaLnBrk="1" latinLnBrk="0" hangingPunct="1"/>
@@ -3397,6 +3369,7 @@
               <a:rPr lang="zh-CN" altLang="en-US"/>
               <a:t>第三级</a:t>
             </a:r>
+            <a:endParaRPr lang="zh-CN" altLang="en-US"/>
           </a:p>
           <a:p>
             <a:pPr lvl="3" eaLnBrk="1" latinLnBrk="0" hangingPunct="1"/>
@@ -3404,6 +3377,7 @@
               <a:rPr lang="zh-CN" altLang="en-US"/>
               <a:t>第四级</a:t>
             </a:r>
+            <a:endParaRPr lang="zh-CN" altLang="en-US"/>
           </a:p>
           <a:p>
             <a:pPr lvl="4" eaLnBrk="1" latinLnBrk="0" hangingPunct="1"/>
@@ -3440,6 +3414,7 @@
               <a:rPr lang="zh-CN" altLang="en-US"/>
               <a:t>单击此处编辑母版文本样式</a:t>
             </a:r>
+            <a:endParaRPr lang="zh-CN" altLang="en-US"/>
           </a:p>
           <a:p>
             <a:pPr lvl="1" eaLnBrk="1" latinLnBrk="0" hangingPunct="1"/>
@@ -3447,6 +3422,7 @@
               <a:rPr lang="zh-CN" altLang="en-US"/>
               <a:t>第二级</a:t>
             </a:r>
+            <a:endParaRPr lang="zh-CN" altLang="en-US"/>
           </a:p>
           <a:p>
             <a:pPr lvl="2" eaLnBrk="1" latinLnBrk="0" hangingPunct="1"/>
@@ -3454,6 +3430,7 @@
               <a:rPr lang="zh-CN" altLang="en-US"/>
               <a:t>第三级</a:t>
             </a:r>
+            <a:endParaRPr lang="zh-CN" altLang="en-US"/>
           </a:p>
           <a:p>
             <a:pPr lvl="3" eaLnBrk="1" latinLnBrk="0" hangingPunct="1"/>
@@ -3461,6 +3438,7 @@
               <a:rPr lang="zh-CN" altLang="en-US"/>
               <a:t>第四级</a:t>
             </a:r>
+            <a:endParaRPr lang="zh-CN" altLang="en-US"/>
           </a:p>
           <a:p>
             <a:pPr lvl="4" eaLnBrk="1" latinLnBrk="0" hangingPunct="1"/>
@@ -3545,7 +3523,6 @@
             </a:pPr>
             <a:fld id="{2052ACB3-7DF8-4866-9208-9F9A6FF0CF35}" type="datetime1">
               <a:rPr lang="zh-CN" altLang="en-US" smtClean="0"/>
-              <a:t>2019/4/4</a:t>
             </a:fld>
             <a:endParaRPr lang="zh-CN" altLang="en-US"/>
           </a:p>
@@ -3593,7 +3570,6 @@
             </a:pPr>
             <a:fld id="{2E1C9E08-771B-4CDC-8556-B403080DAA29}" type="slidenum">
               <a:rPr lang="zh-CN" altLang="en-US" smtClean="0"/>
-              <a:t>‹#›</a:t>
             </a:fld>
             <a:endParaRPr lang="zh-CN" altLang="en-US"/>
           </a:p>
@@ -3658,7 +3634,7 @@
 </file>
 
 <file path=ppt/slideLayouts/slideLayout14.xml><?xml version="1.0" encoding="utf-8"?>
-<p:sldLayout xmlns:a="http://schemas.openxmlformats.org/drawingml/2006/main" xmlns:r="http://schemas.openxmlformats.org/officeDocument/2006/relationships" xmlns:p="http://schemas.openxmlformats.org/presentationml/2006/main" showMasterSp="0" type="blank" preserve="1">
+<p:sldLayout xmlns:a="http://schemas.openxmlformats.org/drawingml/2006/main" xmlns:r="http://schemas.openxmlformats.org/officeDocument/2006/relationships" xmlns:p="http://schemas.openxmlformats.org/presentationml/2006/main" type="blank" preserve="1" showMasterSp="0">
   <p:cSld name="空白">
     <p:spTree>
       <p:nvGrpSpPr>
@@ -3694,7 +3670,6 @@
             </a:pPr>
             <a:fld id="{8D458865-DB3A-481E-AE81-0386FA386B26}" type="datetime1">
               <a:rPr lang="zh-CN" altLang="en-US" smtClean="0"/>
-              <a:t>2019/4/4</a:t>
             </a:fld>
             <a:endParaRPr lang="zh-CN" altLang="en-US"/>
           </a:p>
@@ -3742,7 +3717,6 @@
             </a:pPr>
             <a:fld id="{7BAC49FF-4EEC-4523-9378-ACF461C6F8A4}" type="slidenum">
               <a:rPr lang="zh-CN" altLang="en-US" smtClean="0"/>
-              <a:t>‹#›</a:t>
             </a:fld>
             <a:endParaRPr lang="zh-CN" altLang="en-US"/>
           </a:p>
@@ -3843,7 +3817,7 @@
 </file>
 
 <file path=ppt/slideLayouts/slideLayout15.xml><?xml version="1.0" encoding="utf-8"?>
-<p:sldLayout xmlns:a="http://schemas.openxmlformats.org/drawingml/2006/main" xmlns:r="http://schemas.openxmlformats.org/officeDocument/2006/relationships" xmlns:p="http://schemas.openxmlformats.org/presentationml/2006/main" showMasterSp="0" type="objTx" preserve="1">
+<p:sldLayout xmlns:a="http://schemas.openxmlformats.org/drawingml/2006/main" xmlns:r="http://schemas.openxmlformats.org/officeDocument/2006/relationships" xmlns:p="http://schemas.openxmlformats.org/presentationml/2006/main" type="objTx" preserve="1" showMasterSp="0">
   <p:cSld name="内容与标题">
     <p:spTree>
       <p:nvGrpSpPr>
@@ -3957,6 +3931,7 @@
               <a:rPr kumimoji="0" lang="zh-CN" altLang="en-US"/>
               <a:t>单击此处编辑母版文本样式</a:t>
             </a:r>
+            <a:endParaRPr kumimoji="0" lang="zh-CN" altLang="en-US"/>
           </a:p>
         </p:txBody>
       </p:sp>
@@ -3980,7 +3955,6 @@
             </a:pPr>
             <a:fld id="{DBCC10B0-18F2-4AA5-933C-38A98B374D99}" type="datetime1">
               <a:rPr lang="zh-CN" altLang="en-US" smtClean="0"/>
-              <a:t>2019/4/4</a:t>
             </a:fld>
             <a:endParaRPr lang="zh-CN" altLang="en-US"/>
           </a:p>
@@ -4028,7 +4002,6 @@
             </a:pPr>
             <a:fld id="{43496739-93CB-456A-B7DA-C2464F621719}" type="slidenum">
               <a:rPr lang="zh-CN" altLang="en-US" smtClean="0"/>
-              <a:t>‹#›</a:t>
             </a:fld>
             <a:endParaRPr lang="zh-CN" altLang="en-US"/>
           </a:p>
@@ -4181,6 +4154,7 @@
               <a:rPr lang="zh-CN" altLang="en-US"/>
               <a:t>单击此处编辑母版文本样式</a:t>
             </a:r>
+            <a:endParaRPr lang="zh-CN" altLang="en-US"/>
           </a:p>
           <a:p>
             <a:pPr lvl="1" eaLnBrk="1" latinLnBrk="0" hangingPunct="1"/>
@@ -4188,6 +4162,7 @@
               <a:rPr lang="zh-CN" altLang="en-US"/>
               <a:t>第二级</a:t>
             </a:r>
+            <a:endParaRPr lang="zh-CN" altLang="en-US"/>
           </a:p>
           <a:p>
             <a:pPr lvl="2" eaLnBrk="1" latinLnBrk="0" hangingPunct="1"/>
@@ -4195,6 +4170,7 @@
               <a:rPr lang="zh-CN" altLang="en-US"/>
               <a:t>第三级</a:t>
             </a:r>
+            <a:endParaRPr lang="zh-CN" altLang="en-US"/>
           </a:p>
           <a:p>
             <a:pPr lvl="3" eaLnBrk="1" latinLnBrk="0" hangingPunct="1"/>
@@ -4202,6 +4178,7 @@
               <a:rPr lang="zh-CN" altLang="en-US"/>
               <a:t>第四级</a:t>
             </a:r>
+            <a:endParaRPr lang="zh-CN" altLang="en-US"/>
           </a:p>
           <a:p>
             <a:pPr lvl="4" eaLnBrk="1" latinLnBrk="0" hangingPunct="1"/>
@@ -4222,7 +4199,7 @@
 </file>
 
 <file path=ppt/slideLayouts/slideLayout16.xml><?xml version="1.0" encoding="utf-8"?>
-<p:sldLayout xmlns:a="http://schemas.openxmlformats.org/drawingml/2006/main" xmlns:r="http://schemas.openxmlformats.org/officeDocument/2006/relationships" xmlns:p="http://schemas.openxmlformats.org/presentationml/2006/main" showMasterSp="0" type="picTx" preserve="1">
+<p:sldLayout xmlns:a="http://schemas.openxmlformats.org/drawingml/2006/main" xmlns:r="http://schemas.openxmlformats.org/officeDocument/2006/relationships" xmlns:p="http://schemas.openxmlformats.org/presentationml/2006/main" type="picTx" preserve="1" showMasterSp="0">
   <p:cSld name="图片与标题">
     <p:bg>
       <p:bgRef idx="1001">
@@ -4373,6 +4350,7 @@
               <a:rPr kumimoji="0" lang="zh-CN" altLang="en-US"/>
               <a:t>单击此处编辑母版文本样式</a:t>
             </a:r>
+            <a:endParaRPr kumimoji="0" lang="zh-CN" altLang="en-US"/>
           </a:p>
         </p:txBody>
       </p:sp>
@@ -4396,7 +4374,6 @@
             </a:pPr>
             <a:fld id="{0B419A06-8BB7-4E1A-A4BD-2FC899356B84}" type="datetime1">
               <a:rPr lang="zh-CN" altLang="en-US" smtClean="0"/>
-              <a:t>2019/4/4</a:t>
             </a:fld>
             <a:endParaRPr lang="zh-CN" altLang="en-US"/>
           </a:p>
@@ -4444,7 +4421,6 @@
             </a:pPr>
             <a:fld id="{33C70C05-4E6D-48B5-9665-17C5D3B192BA}" type="slidenum">
               <a:rPr lang="zh-CN" altLang="en-US" smtClean="0"/>
-              <a:t>‹#›</a:t>
             </a:fld>
             <a:endParaRPr lang="zh-CN" altLang="en-US"/>
           </a:p>
@@ -4650,6 +4626,7 @@
               <a:rPr lang="zh-CN" altLang="en-US"/>
               <a:t>单击此处编辑母版文本样式</a:t>
             </a:r>
+            <a:endParaRPr lang="zh-CN" altLang="en-US"/>
           </a:p>
           <a:p>
             <a:pPr lvl="1" eaLnBrk="1" latinLnBrk="0" hangingPunct="1"/>
@@ -4657,6 +4634,7 @@
               <a:rPr lang="zh-CN" altLang="en-US"/>
               <a:t>第二级</a:t>
             </a:r>
+            <a:endParaRPr lang="zh-CN" altLang="en-US"/>
           </a:p>
           <a:p>
             <a:pPr lvl="2" eaLnBrk="1" latinLnBrk="0" hangingPunct="1"/>
@@ -4664,6 +4642,7 @@
               <a:rPr lang="zh-CN" altLang="en-US"/>
               <a:t>第三级</a:t>
             </a:r>
+            <a:endParaRPr lang="zh-CN" altLang="en-US"/>
           </a:p>
           <a:p>
             <a:pPr lvl="3" eaLnBrk="1" latinLnBrk="0" hangingPunct="1"/>
@@ -4671,6 +4650,7 @@
               <a:rPr lang="zh-CN" altLang="en-US"/>
               <a:t>第四级</a:t>
             </a:r>
+            <a:endParaRPr lang="zh-CN" altLang="en-US"/>
           </a:p>
           <a:p>
             <a:pPr lvl="4" eaLnBrk="1" latinLnBrk="0" hangingPunct="1"/>
@@ -4702,7 +4682,6 @@
             </a:pPr>
             <a:fld id="{3547862F-5EFE-4599-BEF0-A8722DE31606}" type="datetime1">
               <a:rPr lang="zh-CN" altLang="en-US" smtClean="0"/>
-              <a:t>2019/4/4</a:t>
             </a:fld>
             <a:endParaRPr lang="zh-CN" altLang="en-US"/>
           </a:p>
@@ -4750,7 +4729,6 @@
             </a:pPr>
             <a:fld id="{BE0E3920-98DC-499E-96E1-7EE22798F009}" type="slidenum">
               <a:rPr lang="zh-CN" altLang="en-US" smtClean="0"/>
-              <a:t>‹#›</a:t>
             </a:fld>
             <a:endParaRPr lang="zh-CN" altLang="en-US"/>
           </a:p>
@@ -4765,7 +4743,7 @@
 </file>
 
 <file path=ppt/slideLayouts/slideLayout18.xml><?xml version="1.0" encoding="utf-8"?>
-<p:sldLayout xmlns:a="http://schemas.openxmlformats.org/drawingml/2006/main" xmlns:r="http://schemas.openxmlformats.org/officeDocument/2006/relationships" xmlns:p="http://schemas.openxmlformats.org/presentationml/2006/main" showMasterSp="0" type="vertTitleAndTx" preserve="1">
+<p:sldLayout xmlns:a="http://schemas.openxmlformats.org/drawingml/2006/main" xmlns:r="http://schemas.openxmlformats.org/officeDocument/2006/relationships" xmlns:p="http://schemas.openxmlformats.org/presentationml/2006/main" type="vertTitleAndTx" preserve="1" showMasterSp="0">
   <p:cSld name="垂直排列标题与文本">
     <p:spTree>
       <p:nvGrpSpPr>
@@ -4834,6 +4812,7 @@
               <a:rPr lang="zh-CN" altLang="en-US"/>
               <a:t>单击此处编辑母版文本样式</a:t>
             </a:r>
+            <a:endParaRPr lang="zh-CN" altLang="en-US"/>
           </a:p>
           <a:p>
             <a:pPr lvl="1" eaLnBrk="1" latinLnBrk="0" hangingPunct="1"/>
@@ -4841,6 +4820,7 @@
               <a:rPr lang="zh-CN" altLang="en-US"/>
               <a:t>第二级</a:t>
             </a:r>
+            <a:endParaRPr lang="zh-CN" altLang="en-US"/>
           </a:p>
           <a:p>
             <a:pPr lvl="2" eaLnBrk="1" latinLnBrk="0" hangingPunct="1"/>
@@ -4848,6 +4828,7 @@
               <a:rPr lang="zh-CN" altLang="en-US"/>
               <a:t>第三级</a:t>
             </a:r>
+            <a:endParaRPr lang="zh-CN" altLang="en-US"/>
           </a:p>
           <a:p>
             <a:pPr lvl="3" eaLnBrk="1" latinLnBrk="0" hangingPunct="1"/>
@@ -4855,6 +4836,7 @@
               <a:rPr lang="zh-CN" altLang="en-US"/>
               <a:t>第四级</a:t>
             </a:r>
+            <a:endParaRPr lang="zh-CN" altLang="en-US"/>
           </a:p>
           <a:p>
             <a:pPr lvl="4" eaLnBrk="1" latinLnBrk="0" hangingPunct="1"/>
@@ -4886,7 +4868,6 @@
             </a:pPr>
             <a:fld id="{F4084CF6-B991-4FD6-A69C-199D1697FBF3}" type="datetime1">
               <a:rPr lang="zh-CN" altLang="en-US" smtClean="0"/>
-              <a:t>2019/4/4</a:t>
             </a:fld>
             <a:endParaRPr lang="zh-CN" altLang="en-US"/>
           </a:p>
@@ -4934,7 +4915,6 @@
             </a:pPr>
             <a:fld id="{7534C270-0DEA-46DE-B159-4E1BAAE55820}" type="slidenum">
               <a:rPr lang="zh-CN" altLang="en-US" smtClean="0"/>
-              <a:t>‹#›</a:t>
             </a:fld>
             <a:endParaRPr lang="zh-CN" altLang="en-US"/>
           </a:p>
@@ -5544,6 +5524,7 @@
               <a:rPr lang="zh-CN" altLang="en-US" dirty="0"/>
               <a:t>编辑母版文本样式</a:t>
             </a:r>
+            <a:endParaRPr lang="zh-CN" altLang="en-US" dirty="0"/>
           </a:p>
           <a:p>
             <a:pPr lvl="1"/>
@@ -5551,6 +5532,7 @@
               <a:rPr lang="zh-CN" altLang="en-US" dirty="0"/>
               <a:t>第二级</a:t>
             </a:r>
+            <a:endParaRPr lang="zh-CN" altLang="en-US" dirty="0"/>
           </a:p>
           <a:p>
             <a:pPr lvl="2"/>
@@ -5558,6 +5540,7 @@
               <a:rPr lang="zh-CN" altLang="en-US" dirty="0"/>
               <a:t>第三级</a:t>
             </a:r>
+            <a:endParaRPr lang="zh-CN" altLang="en-US" dirty="0"/>
           </a:p>
           <a:p>
             <a:pPr lvl="3"/>
@@ -5565,6 +5548,7 @@
               <a:rPr lang="zh-CN" altLang="en-US" dirty="0"/>
               <a:t>第四级</a:t>
             </a:r>
+            <a:endParaRPr lang="zh-CN" altLang="en-US" dirty="0"/>
           </a:p>
           <a:p>
             <a:pPr lvl="4"/>
@@ -5628,7 +5612,6 @@
                 <a:ea typeface="华文中宋" charset="0"/>
                 <a:cs typeface="+mn-cs"/>
               </a:rPr>
-              <a:t>2019/4/4</a:t>
             </a:fld>
             <a:endParaRPr kumimoji="0" lang="zh-CN" altLang="en-US" sz="1200" b="1" i="0" u="none" strike="noStrike" kern="1200" cap="none" spc="0" normalizeH="0" baseline="0" noProof="0">
               <a:ln>
@@ -5747,7 +5730,6 @@
                 <a:ea typeface="华文中宋" charset="0"/>
                 <a:cs typeface="+mn-cs"/>
               </a:rPr>
-              <a:t>‹#›</a:t>
             </a:fld>
             <a:endParaRPr kumimoji="0" lang="en-US" altLang="zh-CN" sz="1200" b="1" i="0" u="none" strike="noStrike" kern="1200" cap="none" spc="0" normalizeH="0" baseline="0" noProof="0">
               <a:ln>
@@ -6021,6 +6003,7 @@
               <a:rPr lang="zh-TW" altLang="en-US"/>
               <a:t>按一下以編輯母片標題樣式</a:t>
             </a:r>
+            <a:endParaRPr lang="zh-TW" altLang="en-US"/>
           </a:p>
         </p:txBody>
       </p:sp>
@@ -6049,6 +6032,7 @@
               <a:rPr lang="zh-TW" altLang="en-US"/>
               <a:t>按一下以編輯母片文字樣式</a:t>
             </a:r>
+            <a:endParaRPr lang="zh-TW" altLang="en-US"/>
           </a:p>
           <a:p>
             <a:pPr lvl="1"/>
@@ -6056,6 +6040,7 @@
               <a:rPr lang="zh-TW" altLang="en-US"/>
               <a:t>第二層</a:t>
             </a:r>
+            <a:endParaRPr lang="zh-TW" altLang="en-US"/>
           </a:p>
           <a:p>
             <a:pPr lvl="2"/>
@@ -6063,6 +6048,7 @@
               <a:rPr lang="zh-TW" altLang="en-US"/>
               <a:t>第三層</a:t>
             </a:r>
+            <a:endParaRPr lang="zh-TW" altLang="en-US"/>
           </a:p>
           <a:p>
             <a:pPr lvl="3"/>
@@ -6070,6 +6056,7 @@
               <a:rPr lang="zh-TW" altLang="en-US"/>
               <a:t>第四層</a:t>
             </a:r>
+            <a:endParaRPr lang="zh-TW" altLang="en-US"/>
           </a:p>
           <a:p>
             <a:pPr lvl="4"/>
@@ -6077,6 +6064,7 @@
               <a:rPr lang="zh-TW" altLang="en-US"/>
               <a:t>第五層</a:t>
             </a:r>
+            <a:endParaRPr lang="zh-TW" altLang="en-US"/>
           </a:p>
         </p:txBody>
       </p:sp>
@@ -6105,6 +6093,7 @@
               <a:rPr lang="zh-TW" altLang="en-US"/>
               <a:t>按一下以編輯母片文字樣式</a:t>
             </a:r>
+            <a:endParaRPr lang="zh-TW" altLang="en-US"/>
           </a:p>
           <a:p>
             <a:pPr lvl="1"/>
@@ -6112,6 +6101,7 @@
               <a:rPr lang="zh-TW" altLang="en-US"/>
               <a:t>第二層</a:t>
             </a:r>
+            <a:endParaRPr lang="zh-TW" altLang="en-US"/>
           </a:p>
           <a:p>
             <a:pPr lvl="2"/>
@@ -6119,6 +6109,7 @@
               <a:rPr lang="zh-TW" altLang="en-US"/>
               <a:t>第三層</a:t>
             </a:r>
+            <a:endParaRPr lang="zh-TW" altLang="en-US"/>
           </a:p>
           <a:p>
             <a:pPr lvl="3"/>
@@ -6126,6 +6117,7 @@
               <a:rPr lang="zh-TW" altLang="en-US"/>
               <a:t>第四層</a:t>
             </a:r>
+            <a:endParaRPr lang="zh-TW" altLang="en-US"/>
           </a:p>
           <a:p>
             <a:pPr lvl="4"/>
@@ -6133,6 +6125,7 @@
               <a:rPr lang="zh-TW" altLang="en-US"/>
               <a:t>第五層</a:t>
             </a:r>
+            <a:endParaRPr lang="zh-TW" altLang="en-US"/>
           </a:p>
         </p:txBody>
       </p:sp>
@@ -6161,6 +6154,7 @@
               <a:rPr lang="zh-TW" altLang="en-US"/>
               <a:t>按一下以編輯母片文字樣式</a:t>
             </a:r>
+            <a:endParaRPr lang="zh-TW" altLang="en-US"/>
           </a:p>
           <a:p>
             <a:pPr lvl="1"/>
@@ -6168,6 +6162,7 @@
               <a:rPr lang="zh-TW" altLang="en-US"/>
               <a:t>第二層</a:t>
             </a:r>
+            <a:endParaRPr lang="zh-TW" altLang="en-US"/>
           </a:p>
           <a:p>
             <a:pPr lvl="2"/>
@@ -6175,6 +6170,7 @@
               <a:rPr lang="zh-TW" altLang="en-US"/>
               <a:t>第三層</a:t>
             </a:r>
+            <a:endParaRPr lang="zh-TW" altLang="en-US"/>
           </a:p>
           <a:p>
             <a:pPr lvl="3"/>
@@ -6182,6 +6178,7 @@
               <a:rPr lang="zh-TW" altLang="en-US"/>
               <a:t>第四層</a:t>
             </a:r>
+            <a:endParaRPr lang="zh-TW" altLang="en-US"/>
           </a:p>
           <a:p>
             <a:pPr lvl="4"/>
@@ -6189,6 +6186,7 @@
               <a:rPr lang="zh-TW" altLang="en-US"/>
               <a:t>第五層</a:t>
             </a:r>
+            <a:endParaRPr lang="zh-TW" altLang="en-US"/>
           </a:p>
         </p:txBody>
       </p:sp>
@@ -6220,7 +6218,6 @@
                   <a:srgbClr val="000000"/>
                 </a:solidFill>
               </a:rPr>
-              <a:t>‹#›</a:t>
             </a:fld>
             <a:endParaRPr lang="en-US" altLang="zh-TW" dirty="0">
               <a:solidFill>
@@ -6278,6 +6275,7 @@
               <a:rPr lang="zh-CN" altLang="en-US"/>
               <a:t>单击此处编辑母版标题样式</a:t>
             </a:r>
+            <a:endParaRPr lang="zh-CN" altLang="en-US"/>
           </a:p>
         </p:txBody>
       </p:sp>
@@ -6325,6 +6323,7 @@
               <a:rPr lang="zh-CN" altLang="en-US"/>
               <a:t>单击此处编辑母版标题样式</a:t>
             </a:r>
+            <a:endParaRPr lang="zh-CN" altLang="en-US"/>
           </a:p>
         </p:txBody>
       </p:sp>
@@ -6498,7 +6497,6 @@
                 <a:ea typeface="华文中宋" charset="0"/>
                 <a:cs typeface="+mn-cs"/>
               </a:rPr>
-              <a:t>2019/4/4</a:t>
             </a:fld>
             <a:endParaRPr kumimoji="0" lang="zh-CN" altLang="en-US" sz="1200" b="1" i="0" u="none" strike="noStrike" kern="1200" cap="none" spc="0" normalizeH="0" baseline="0" noProof="0">
               <a:ln>
@@ -6617,7 +6615,6 @@
                 <a:ea typeface="华文中宋" charset="0"/>
                 <a:cs typeface="+mn-cs"/>
               </a:rPr>
-              <a:t>‹#›</a:t>
             </a:fld>
             <a:endParaRPr kumimoji="0" lang="en-US" altLang="zh-CN" sz="1200" b="1" i="0" u="none" strike="noStrike" kern="1200" cap="none" spc="0" normalizeH="0" baseline="0" noProof="0">
               <a:ln>
@@ -6688,6 +6685,7 @@
               <a:rPr lang="zh-CN" altLang="en-US" dirty="0"/>
               <a:t>编辑母版文本样式</a:t>
             </a:r>
+            <a:endParaRPr lang="zh-CN" altLang="en-US" dirty="0"/>
           </a:p>
           <a:p>
             <a:pPr lvl="1"/>
@@ -6695,6 +6693,7 @@
               <a:rPr lang="zh-CN" altLang="en-US" dirty="0"/>
               <a:t>第二级</a:t>
             </a:r>
+            <a:endParaRPr lang="zh-CN" altLang="en-US" dirty="0"/>
           </a:p>
           <a:p>
             <a:pPr lvl="2"/>
@@ -6702,6 +6701,7 @@
               <a:rPr lang="zh-CN" altLang="en-US" dirty="0"/>
               <a:t>第三级</a:t>
             </a:r>
+            <a:endParaRPr lang="zh-CN" altLang="en-US" dirty="0"/>
           </a:p>
           <a:p>
             <a:pPr lvl="3"/>
@@ -6709,6 +6709,7 @@
               <a:rPr lang="zh-CN" altLang="en-US" dirty="0"/>
               <a:t>第四级</a:t>
             </a:r>
+            <a:endParaRPr lang="zh-CN" altLang="en-US" dirty="0"/>
           </a:p>
           <a:p>
             <a:pPr lvl="4"/>
@@ -6772,7 +6773,6 @@
                 <a:ea typeface="华文中宋" charset="0"/>
                 <a:cs typeface="+mn-cs"/>
               </a:rPr>
-              <a:t>2019/4/4</a:t>
             </a:fld>
             <a:endParaRPr kumimoji="0" lang="zh-CN" altLang="en-US" sz="1200" b="1" i="0" u="none" strike="noStrike" kern="1200" cap="none" spc="0" normalizeH="0" baseline="0" noProof="0">
               <a:ln>
@@ -6891,7 +6891,6 @@
                 <a:ea typeface="华文中宋" charset="0"/>
                 <a:cs typeface="+mn-cs"/>
               </a:rPr>
-              <a:t>‹#›</a:t>
             </a:fld>
             <a:endParaRPr kumimoji="0" lang="en-US" altLang="zh-CN" sz="1200" b="1" i="0" u="none" strike="noStrike" kern="1200" cap="none" spc="0" normalizeH="0" baseline="0" noProof="0">
               <a:ln>
@@ -7189,7 +7188,6 @@
                 <a:ea typeface="华文中宋" charset="0"/>
                 <a:cs typeface="+mn-cs"/>
               </a:rPr>
-              <a:t>2019/4/4</a:t>
             </a:fld>
             <a:endParaRPr kumimoji="0" lang="zh-CN" altLang="en-US" sz="1200" b="1" i="0" u="none" strike="noStrike" kern="1200" cap="none" spc="0" normalizeH="0" baseline="0" noProof="0">
               <a:ln>
@@ -7308,7 +7306,6 @@
                 <a:ea typeface="华文中宋" charset="0"/>
                 <a:cs typeface="+mn-cs"/>
               </a:rPr>
-              <a:t>‹#›</a:t>
             </a:fld>
             <a:endParaRPr kumimoji="0" lang="en-US" altLang="zh-CN" sz="1200" b="1" i="0" u="none" strike="noStrike" kern="1200" cap="none" spc="0" normalizeH="0" baseline="0" noProof="0">
               <a:ln>
@@ -7655,7 +7652,6 @@
                 <a:ea typeface="华文中宋" charset="0"/>
                 <a:cs typeface="+mn-cs"/>
               </a:rPr>
-              <a:t>2019/4/4</a:t>
             </a:fld>
             <a:endParaRPr kumimoji="0" lang="zh-CN" altLang="en-US" sz="1200" b="1" i="0" u="none" strike="noStrike" kern="1200" cap="none" spc="0" normalizeH="0" baseline="0" noProof="0">
               <a:ln>
@@ -7774,7 +7770,6 @@
                 <a:ea typeface="华文中宋" charset="0"/>
                 <a:cs typeface="+mn-cs"/>
               </a:rPr>
-              <a:t>‹#›</a:t>
             </a:fld>
             <a:endParaRPr kumimoji="0" lang="en-US" altLang="zh-CN" sz="1200" b="1" i="0" u="none" strike="noStrike" kern="1200" cap="none" spc="0" normalizeH="0" baseline="0" noProof="0">
               <a:ln>
@@ -7913,7 +7908,6 @@
                 <a:ea typeface="华文中宋" charset="0"/>
                 <a:cs typeface="+mn-cs"/>
               </a:rPr>
-              <a:t>2019/4/4</a:t>
             </a:fld>
             <a:endParaRPr kumimoji="0" lang="zh-CN" altLang="en-US" sz="1200" b="1" i="0" u="none" strike="noStrike" kern="1200" cap="none" spc="0" normalizeH="0" baseline="0" noProof="0">
               <a:ln>
@@ -8040,7 +8034,6 @@
                 <a:ea typeface="华文中宋" charset="0"/>
                 <a:cs typeface="+mn-cs"/>
               </a:rPr>
-              <a:t>‹#›</a:t>
             </a:fld>
             <a:endParaRPr kumimoji="0" lang="en-US" altLang="zh-CN" sz="1200" b="1" i="0" u="none" strike="noStrike" kern="1200" cap="none" spc="0" normalizeH="0" baseline="0" noProof="0">
               <a:ln>
@@ -8105,6 +8098,7 @@
               <a:rPr lang="zh-CN" altLang="en-US"/>
               <a:t>单击此处编辑母版标题样式</a:t>
             </a:r>
+            <a:endParaRPr lang="zh-CN" altLang="en-US"/>
           </a:p>
         </p:txBody>
       </p:sp>
@@ -8128,6 +8122,7 @@
               <a:rPr lang="zh-CN" altLang="en-US"/>
               <a:t>编辑母版文本样式</a:t>
             </a:r>
+            <a:endParaRPr lang="zh-CN" altLang="en-US"/>
           </a:p>
           <a:p>
             <a:pPr lvl="1"/>
@@ -8135,6 +8130,7 @@
               <a:rPr lang="zh-CN" altLang="en-US"/>
               <a:t>第二级</a:t>
             </a:r>
+            <a:endParaRPr lang="zh-CN" altLang="en-US"/>
           </a:p>
           <a:p>
             <a:pPr lvl="2"/>
@@ -8142,6 +8138,7 @@
               <a:rPr lang="zh-CN" altLang="en-US"/>
               <a:t>第三级</a:t>
             </a:r>
+            <a:endParaRPr lang="zh-CN" altLang="en-US"/>
           </a:p>
           <a:p>
             <a:pPr lvl="3"/>
@@ -8149,6 +8146,7 @@
               <a:rPr lang="zh-CN" altLang="en-US"/>
               <a:t>第四级</a:t>
             </a:r>
+            <a:endParaRPr lang="zh-CN" altLang="en-US"/>
           </a:p>
           <a:p>
             <a:pPr lvl="4"/>
@@ -8156,6 +8154,7 @@
               <a:rPr lang="zh-CN" altLang="en-US"/>
               <a:t>第五级</a:t>
             </a:r>
+            <a:endParaRPr lang="zh-CN" altLang="en-US"/>
           </a:p>
         </p:txBody>
       </p:sp>
@@ -8176,7 +8175,6 @@
           <a:p>
             <a:fld id="{7FA7C40F-0D87-4C47-A7B0-B93EF7B2BEDD}" type="datetimeFigureOut">
               <a:rPr lang="zh-CN" altLang="en-US" smtClean="0"/>
-              <a:t>2019/4/4</a:t>
             </a:fld>
             <a:endParaRPr lang="zh-CN" altLang="en-US"/>
           </a:p>
@@ -8218,7 +8216,6 @@
           <a:p>
             <a:fld id="{069942B8-D311-4E7D-8579-3E51C69EB101}" type="slidenum">
               <a:rPr lang="zh-CN" altLang="en-US" smtClean="0"/>
-              <a:t>‹#›</a:t>
             </a:fld>
             <a:endParaRPr lang="zh-CN" altLang="en-US"/>
           </a:p>
@@ -8268,6 +8265,7 @@
               <a:rPr lang="zh-CN" altLang="en-US"/>
               <a:t>单击此处编辑母版标题样式</a:t>
             </a:r>
+            <a:endParaRPr lang="zh-CN" altLang="en-US"/>
           </a:p>
         </p:txBody>
       </p:sp>
@@ -8296,6 +8294,7 @@
               <a:rPr lang="zh-CN" altLang="en-US"/>
               <a:t>编辑母版文本样式</a:t>
             </a:r>
+            <a:endParaRPr lang="zh-CN" altLang="en-US"/>
           </a:p>
           <a:p>
             <a:pPr lvl="1"/>
@@ -8303,6 +8302,7 @@
               <a:rPr lang="zh-CN" altLang="en-US"/>
               <a:t>第二级</a:t>
             </a:r>
+            <a:endParaRPr lang="zh-CN" altLang="en-US"/>
           </a:p>
           <a:p>
             <a:pPr lvl="2"/>
@@ -8310,6 +8310,7 @@
               <a:rPr lang="zh-CN" altLang="en-US"/>
               <a:t>第三级</a:t>
             </a:r>
+            <a:endParaRPr lang="zh-CN" altLang="en-US"/>
           </a:p>
           <a:p>
             <a:pPr lvl="3"/>
@@ -8317,6 +8318,7 @@
               <a:rPr lang="zh-CN" altLang="en-US"/>
               <a:t>第四级</a:t>
             </a:r>
+            <a:endParaRPr lang="zh-CN" altLang="en-US"/>
           </a:p>
           <a:p>
             <a:pPr lvl="4"/>
@@ -8324,6 +8326,7 @@
               <a:rPr lang="zh-CN" altLang="en-US"/>
               <a:t>第五级</a:t>
             </a:r>
+            <a:endParaRPr lang="zh-CN" altLang="en-US"/>
           </a:p>
         </p:txBody>
       </p:sp>
@@ -8352,6 +8355,7 @@
               <a:rPr lang="zh-CN" altLang="en-US"/>
               <a:t>编辑母版文本样式</a:t>
             </a:r>
+            <a:endParaRPr lang="zh-CN" altLang="en-US"/>
           </a:p>
           <a:p>
             <a:pPr lvl="1"/>
@@ -8359,6 +8363,7 @@
               <a:rPr lang="zh-CN" altLang="en-US"/>
               <a:t>第二级</a:t>
             </a:r>
+            <a:endParaRPr lang="zh-CN" altLang="en-US"/>
           </a:p>
           <a:p>
             <a:pPr lvl="2"/>
@@ -8366,6 +8371,7 @@
               <a:rPr lang="zh-CN" altLang="en-US"/>
               <a:t>第三级</a:t>
             </a:r>
+            <a:endParaRPr lang="zh-CN" altLang="en-US"/>
           </a:p>
           <a:p>
             <a:pPr lvl="3"/>
@@ -8373,6 +8379,7 @@
               <a:rPr lang="zh-CN" altLang="en-US"/>
               <a:t>第四级</a:t>
             </a:r>
+            <a:endParaRPr lang="zh-CN" altLang="en-US"/>
           </a:p>
           <a:p>
             <a:pPr lvl="4"/>
@@ -8380,6 +8387,7 @@
               <a:rPr lang="zh-CN" altLang="en-US"/>
               <a:t>第五级</a:t>
             </a:r>
+            <a:endParaRPr lang="zh-CN" altLang="en-US"/>
           </a:p>
         </p:txBody>
       </p:sp>
@@ -8400,7 +8408,6 @@
           <a:p>
             <a:fld id="{7FA7C40F-0D87-4C47-A7B0-B93EF7B2BEDD}" type="datetimeFigureOut">
               <a:rPr lang="zh-CN" altLang="en-US" smtClean="0"/>
-              <a:t>2019/4/4</a:t>
             </a:fld>
             <a:endParaRPr lang="zh-CN" altLang="en-US"/>
           </a:p>
@@ -8442,7 +8449,6 @@
           <a:p>
             <a:fld id="{069942B8-D311-4E7D-8579-3E51C69EB101}" type="slidenum">
               <a:rPr lang="zh-CN" altLang="en-US" smtClean="0"/>
-              <a:t>‹#›</a:t>
             </a:fld>
             <a:endParaRPr lang="zh-CN" altLang="en-US"/>
           </a:p>
@@ -8521,7 +8527,6 @@
                 <a:ea typeface="华文中宋" charset="0"/>
                 <a:cs typeface="+mn-cs"/>
               </a:rPr>
-              <a:t>2019/4/4</a:t>
             </a:fld>
             <a:endParaRPr kumimoji="0" lang="zh-CN" altLang="en-US" sz="1200" b="1" i="0" u="none" strike="noStrike" kern="1200" cap="none" spc="0" normalizeH="0" baseline="0" noProof="0">
               <a:ln>
@@ -8640,7 +8645,6 @@
                 <a:ea typeface="华文中宋" charset="0"/>
                 <a:cs typeface="+mn-cs"/>
               </a:rPr>
-              <a:t>‹#›</a:t>
             </a:fld>
             <a:endParaRPr kumimoji="0" lang="en-US" altLang="zh-CN" sz="1200" b="1" i="0" u="none" strike="noStrike" kern="1200" cap="none" spc="0" normalizeH="0" baseline="0" noProof="0">
               <a:ln>
@@ -8987,7 +8991,6 @@
                 <a:ea typeface="华文中宋" charset="0"/>
                 <a:cs typeface="+mn-cs"/>
               </a:rPr>
-              <a:t>2019/4/4</a:t>
             </a:fld>
             <a:endParaRPr kumimoji="0" lang="zh-CN" altLang="en-US" sz="1200" b="1" i="0" u="none" strike="noStrike" kern="1200" cap="none" spc="0" normalizeH="0" baseline="0" noProof="0">
               <a:ln>
@@ -9106,7 +9109,6 @@
                 <a:ea typeface="华文中宋" charset="0"/>
                 <a:cs typeface="+mn-cs"/>
               </a:rPr>
-              <a:t>‹#›</a:t>
             </a:fld>
             <a:endParaRPr kumimoji="0" lang="en-US" altLang="zh-CN" sz="1200" b="1" i="0" u="none" strike="noStrike" kern="1200" cap="none" spc="0" normalizeH="0" baseline="0" noProof="0">
               <a:ln>
@@ -9245,7 +9247,6 @@
                 <a:ea typeface="华文中宋" charset="0"/>
                 <a:cs typeface="+mn-cs"/>
               </a:rPr>
-              <a:t>2019/4/4</a:t>
             </a:fld>
             <a:endParaRPr kumimoji="0" lang="zh-CN" altLang="en-US" sz="1200" b="1" i="0" u="none" strike="noStrike" kern="1200" cap="none" spc="0" normalizeH="0" baseline="0" noProof="0">
               <a:ln>
@@ -9372,7 +9373,6 @@
                 <a:ea typeface="华文中宋" charset="0"/>
                 <a:cs typeface="+mn-cs"/>
               </a:rPr>
-              <a:t>‹#›</a:t>
             </a:fld>
             <a:endParaRPr kumimoji="0" lang="en-US" altLang="zh-CN" sz="1200" b="1" i="0" u="none" strike="noStrike" kern="1200" cap="none" spc="0" normalizeH="0" baseline="0" noProof="0">
               <a:ln>
@@ -9437,6 +9437,7 @@
               <a:rPr lang="zh-CN" altLang="en-US"/>
               <a:t>单击此处编辑母版标题样式</a:t>
             </a:r>
+            <a:endParaRPr lang="zh-CN" altLang="en-US"/>
           </a:p>
         </p:txBody>
       </p:sp>
@@ -9460,6 +9461,7 @@
               <a:rPr lang="zh-CN" altLang="en-US"/>
               <a:t>编辑母版文本样式</a:t>
             </a:r>
+            <a:endParaRPr lang="zh-CN" altLang="en-US"/>
           </a:p>
           <a:p>
             <a:pPr lvl="1"/>
@@ -9467,6 +9469,7 @@
               <a:rPr lang="zh-CN" altLang="en-US"/>
               <a:t>第二级</a:t>
             </a:r>
+            <a:endParaRPr lang="zh-CN" altLang="en-US"/>
           </a:p>
           <a:p>
             <a:pPr lvl="2"/>
@@ -9474,6 +9477,7 @@
               <a:rPr lang="zh-CN" altLang="en-US"/>
               <a:t>第三级</a:t>
             </a:r>
+            <a:endParaRPr lang="zh-CN" altLang="en-US"/>
           </a:p>
           <a:p>
             <a:pPr lvl="3"/>
@@ -9481,6 +9485,7 @@
               <a:rPr lang="zh-CN" altLang="en-US"/>
               <a:t>第四级</a:t>
             </a:r>
+            <a:endParaRPr lang="zh-CN" altLang="en-US"/>
           </a:p>
           <a:p>
             <a:pPr lvl="4"/>
@@ -9488,6 +9493,7 @@
               <a:rPr lang="zh-CN" altLang="en-US"/>
               <a:t>第五级</a:t>
             </a:r>
+            <a:endParaRPr lang="zh-CN" altLang="en-US"/>
           </a:p>
         </p:txBody>
       </p:sp>
@@ -9508,7 +9514,6 @@
           <a:p>
             <a:fld id="{888C7295-6EDE-4B97-9E78-24FF95E9EBBF}" type="datetime1">
               <a:rPr lang="zh-CN" altLang="en-US" smtClean="0"/>
-              <a:t>2019/4/4</a:t>
             </a:fld>
             <a:endParaRPr lang="zh-CN" altLang="en-US"/>
           </a:p>
@@ -9550,7 +9555,6 @@
           <a:p>
             <a:fld id="{069942B8-D311-4E7D-8579-3E51C69EB101}" type="slidenum">
               <a:rPr lang="zh-CN" altLang="en-US" smtClean="0"/>
-              <a:t>‹#›</a:t>
             </a:fld>
             <a:endParaRPr lang="zh-CN" altLang="en-US"/>
           </a:p>
@@ -9600,6 +9604,7 @@
               <a:rPr lang="zh-CN" altLang="en-US"/>
               <a:t>单击此处编辑母版标题样式</a:t>
             </a:r>
+            <a:endParaRPr lang="zh-CN" altLang="en-US"/>
           </a:p>
         </p:txBody>
       </p:sp>
@@ -9628,6 +9633,7 @@
               <a:rPr lang="zh-CN" altLang="en-US"/>
               <a:t>编辑母版文本样式</a:t>
             </a:r>
+            <a:endParaRPr lang="zh-CN" altLang="en-US"/>
           </a:p>
           <a:p>
             <a:pPr lvl="1"/>
@@ -9635,6 +9641,7 @@
               <a:rPr lang="zh-CN" altLang="en-US"/>
               <a:t>第二级</a:t>
             </a:r>
+            <a:endParaRPr lang="zh-CN" altLang="en-US"/>
           </a:p>
           <a:p>
             <a:pPr lvl="2"/>
@@ -9642,6 +9649,7 @@
               <a:rPr lang="zh-CN" altLang="en-US"/>
               <a:t>第三级</a:t>
             </a:r>
+            <a:endParaRPr lang="zh-CN" altLang="en-US"/>
           </a:p>
           <a:p>
             <a:pPr lvl="3"/>
@@ -9649,6 +9657,7 @@
               <a:rPr lang="zh-CN" altLang="en-US"/>
               <a:t>第四级</a:t>
             </a:r>
+            <a:endParaRPr lang="zh-CN" altLang="en-US"/>
           </a:p>
           <a:p>
             <a:pPr lvl="4"/>
@@ -9656,6 +9665,7 @@
               <a:rPr lang="zh-CN" altLang="en-US"/>
               <a:t>第五级</a:t>
             </a:r>
+            <a:endParaRPr lang="zh-CN" altLang="en-US"/>
           </a:p>
         </p:txBody>
       </p:sp>
@@ -9684,6 +9694,7 @@
               <a:rPr lang="zh-CN" altLang="en-US"/>
               <a:t>编辑母版文本样式</a:t>
             </a:r>
+            <a:endParaRPr lang="zh-CN" altLang="en-US"/>
           </a:p>
           <a:p>
             <a:pPr lvl="1"/>
@@ -9691,6 +9702,7 @@
               <a:rPr lang="zh-CN" altLang="en-US"/>
               <a:t>第二级</a:t>
             </a:r>
+            <a:endParaRPr lang="zh-CN" altLang="en-US"/>
           </a:p>
           <a:p>
             <a:pPr lvl="2"/>
@@ -9698,6 +9710,7 @@
               <a:rPr lang="zh-CN" altLang="en-US"/>
               <a:t>第三级</a:t>
             </a:r>
+            <a:endParaRPr lang="zh-CN" altLang="en-US"/>
           </a:p>
           <a:p>
             <a:pPr lvl="3"/>
@@ -9705,6 +9718,7 @@
               <a:rPr lang="zh-CN" altLang="en-US"/>
               <a:t>第四级</a:t>
             </a:r>
+            <a:endParaRPr lang="zh-CN" altLang="en-US"/>
           </a:p>
           <a:p>
             <a:pPr lvl="4"/>
@@ -9712,6 +9726,7 @@
               <a:rPr lang="zh-CN" altLang="en-US"/>
               <a:t>第五级</a:t>
             </a:r>
+            <a:endParaRPr lang="zh-CN" altLang="en-US"/>
           </a:p>
         </p:txBody>
       </p:sp>
@@ -9732,7 +9747,6 @@
           <a:p>
             <a:fld id="{16C9B06D-B69C-41B7-B3B1-FAFF4484418F}" type="datetime1">
               <a:rPr lang="zh-CN" altLang="en-US" smtClean="0"/>
-              <a:t>2019/4/4</a:t>
             </a:fld>
             <a:endParaRPr lang="zh-CN" altLang="en-US"/>
           </a:p>
@@ -9774,7 +9788,6 @@
           <a:p>
             <a:fld id="{069942B8-D311-4E7D-8579-3E51C69EB101}" type="slidenum">
               <a:rPr lang="zh-CN" altLang="en-US" smtClean="0"/>
-              <a:t>‹#›</a:t>
             </a:fld>
             <a:endParaRPr lang="zh-CN" altLang="en-US"/>
           </a:p>
@@ -9789,7 +9802,7 @@
 </file>
 
 <file path=ppt/slideLayouts/slideLayout8.xml><?xml version="1.0" encoding="utf-8"?>
-<p:sldLayout xmlns:a="http://schemas.openxmlformats.org/drawingml/2006/main" xmlns:r="http://schemas.openxmlformats.org/officeDocument/2006/relationships" xmlns:p="http://schemas.openxmlformats.org/presentationml/2006/main" showMasterSp="0" type="title" preserve="1">
+<p:sldLayout xmlns:a="http://schemas.openxmlformats.org/drawingml/2006/main" xmlns:r="http://schemas.openxmlformats.org/officeDocument/2006/relationships" xmlns:p="http://schemas.openxmlformats.org/presentationml/2006/main" type="title" preserve="1" showMasterSp="0">
   <p:cSld name="标题幻灯片">
     <p:spTree>
       <p:nvGrpSpPr>
@@ -9934,7 +9947,6 @@
             </a:pPr>
             <a:fld id="{CE606C58-E264-43AC-976F-86492C46AE4A}" type="datetime1">
               <a:rPr lang="zh-CN" altLang="en-US" smtClean="0"/>
-              <a:t>2019/4/4</a:t>
             </a:fld>
             <a:endParaRPr lang="zh-CN" altLang="en-US"/>
           </a:p>
@@ -9992,7 +10004,6 @@
             </a:pPr>
             <a:fld id="{1EEFA0CC-5EC4-434D-81B4-71F8B15E9103}" type="slidenum">
               <a:rPr lang="zh-CN" altLang="en-US" smtClean="0"/>
-              <a:t>‹#›</a:t>
             </a:fld>
             <a:endParaRPr lang="zh-CN" altLang="en-US" dirty="0"/>
           </a:p>
@@ -10250,7 +10261,6 @@
             </a:pPr>
             <a:fld id="{186CD752-E97E-448D-B748-32DD1A79B5F2}" type="slidenum">
               <a:rPr lang="zh-CN" altLang="en-US" smtClean="0"/>
-              <a:t>‹#›</a:t>
             </a:fld>
             <a:endParaRPr lang="zh-CN" altLang="en-US" dirty="0"/>
           </a:p>
@@ -10281,6 +10291,7 @@
               <a:rPr lang="zh-CN" altLang="en-US"/>
               <a:t>单击此处编辑母版文本样式</a:t>
             </a:r>
+            <a:endParaRPr lang="zh-CN" altLang="en-US"/>
           </a:p>
           <a:p>
             <a:pPr lvl="1" eaLnBrk="1" latinLnBrk="0" hangingPunct="1"/>
@@ -10288,6 +10299,7 @@
               <a:rPr lang="zh-CN" altLang="en-US"/>
               <a:t>第二级</a:t>
             </a:r>
+            <a:endParaRPr lang="zh-CN" altLang="en-US"/>
           </a:p>
           <a:p>
             <a:pPr lvl="2" eaLnBrk="1" latinLnBrk="0" hangingPunct="1"/>
@@ -10295,6 +10307,7 @@
               <a:rPr lang="zh-CN" altLang="en-US"/>
               <a:t>第三级</a:t>
             </a:r>
+            <a:endParaRPr lang="zh-CN" altLang="en-US"/>
           </a:p>
           <a:p>
             <a:pPr lvl="3" eaLnBrk="1" latinLnBrk="0" hangingPunct="1"/>
@@ -10302,6 +10315,7 @@
               <a:rPr lang="zh-CN" altLang="en-US"/>
               <a:t>第四级</a:t>
             </a:r>
+            <a:endParaRPr lang="zh-CN" altLang="en-US"/>
           </a:p>
           <a:p>
             <a:pPr lvl="4" eaLnBrk="1" latinLnBrk="0" hangingPunct="1"/>
@@ -10406,6 +10420,7 @@
               <a:rPr lang="zh-CN" altLang="en-US"/>
               <a:t>编辑母版文本样式</a:t>
             </a:r>
+            <a:endParaRPr lang="zh-CN" altLang="en-US"/>
           </a:p>
           <a:p>
             <a:pPr lvl="1"/>
@@ -10413,6 +10428,7 @@
               <a:rPr lang="zh-CN" altLang="en-US"/>
               <a:t>第二级</a:t>
             </a:r>
+            <a:endParaRPr lang="zh-CN" altLang="en-US"/>
           </a:p>
           <a:p>
             <a:pPr lvl="2"/>
@@ -10420,6 +10436,7 @@
               <a:rPr lang="zh-CN" altLang="en-US"/>
               <a:t>第三级</a:t>
             </a:r>
+            <a:endParaRPr lang="zh-CN" altLang="en-US"/>
           </a:p>
           <a:p>
             <a:pPr lvl="3"/>
@@ -10427,6 +10444,7 @@
               <a:rPr lang="zh-CN" altLang="en-US"/>
               <a:t>第四级</a:t>
             </a:r>
+            <a:endParaRPr lang="zh-CN" altLang="en-US"/>
           </a:p>
           <a:p>
             <a:pPr lvl="4"/>
@@ -10504,7 +10522,6 @@
                 <a:ea typeface="华文中宋" charset="0"/>
                 <a:cs typeface="+mn-cs"/>
               </a:rPr>
-              <a:t>2019/4/4</a:t>
             </a:fld>
             <a:endParaRPr kumimoji="0" lang="zh-CN" altLang="en-US" sz="1200" b="1" i="0" u="none" strike="noStrike" kern="1200" cap="none" spc="0" normalizeH="0" baseline="0" noProof="0">
               <a:ln>
@@ -10659,7 +10676,6 @@
                 <a:ea typeface="华文中宋" charset="0"/>
                 <a:cs typeface="+mn-cs"/>
               </a:rPr>
-              <a:t>‹#›</a:t>
             </a:fld>
             <a:endParaRPr kumimoji="0" lang="en-US" altLang="zh-CN" sz="1200" b="1" i="0" u="none" strike="noStrike" kern="1200" cap="none" spc="0" normalizeH="0" baseline="0" noProof="0">
               <a:ln>
@@ -11061,6 +11077,7 @@
               <a:rPr kumimoji="0" lang="zh-CN" altLang="en-US"/>
               <a:t>单击此处编辑母版文本样式</a:t>
             </a:r>
+            <a:endParaRPr kumimoji="0" lang="zh-CN" altLang="en-US"/>
           </a:p>
           <a:p>
             <a:pPr lvl="1" eaLnBrk="1" latinLnBrk="0" hangingPunct="1"/>
@@ -11068,6 +11085,7 @@
               <a:rPr kumimoji="0" lang="zh-CN" altLang="en-US"/>
               <a:t>第二级</a:t>
             </a:r>
+            <a:endParaRPr kumimoji="0" lang="zh-CN" altLang="en-US"/>
           </a:p>
           <a:p>
             <a:pPr lvl="2" eaLnBrk="1" latinLnBrk="0" hangingPunct="1"/>
@@ -11075,6 +11093,7 @@
               <a:rPr kumimoji="0" lang="zh-CN" altLang="en-US"/>
               <a:t>第三级</a:t>
             </a:r>
+            <a:endParaRPr kumimoji="0" lang="zh-CN" altLang="en-US"/>
           </a:p>
           <a:p>
             <a:pPr lvl="3" eaLnBrk="1" latinLnBrk="0" hangingPunct="1"/>
@@ -11082,6 +11101,7 @@
               <a:rPr kumimoji="0" lang="zh-CN" altLang="en-US"/>
               <a:t>第四级</a:t>
             </a:r>
+            <a:endParaRPr kumimoji="0" lang="zh-CN" altLang="en-US"/>
           </a:p>
           <a:p>
             <a:pPr lvl="4" eaLnBrk="1" latinLnBrk="0" hangingPunct="1"/>
@@ -11129,7 +11149,6 @@
             </a:pPr>
             <a:fld id="{3CD20000-20E1-4E21-B031-E4CB5160CC5B}" type="datetime1">
               <a:rPr lang="zh-CN" altLang="en-US" smtClean="0"/>
-              <a:t>2019/4/4</a:t>
             </a:fld>
             <a:endParaRPr lang="zh-CN" altLang="en-US"/>
           </a:p>
@@ -11209,7 +11228,6 @@
             </a:pPr>
             <a:fld id="{51FD954E-C6E5-46D9-8AB1-C4D485CE53C4}" type="slidenum">
               <a:rPr lang="zh-CN" altLang="en-US" smtClean="0"/>
-              <a:t>‹#›</a:t>
             </a:fld>
             <a:endParaRPr lang="zh-CN" altLang="en-US"/>
           </a:p>
@@ -11739,6 +11757,7 @@
               <a:rPr lang="zh-CN" altLang="en-US"/>
               <a:t>编辑母版文本样式</a:t>
             </a:r>
+            <a:endParaRPr lang="zh-CN" altLang="en-US"/>
           </a:p>
           <a:p>
             <a:pPr lvl="1"/>
@@ -11746,6 +11765,7 @@
               <a:rPr lang="zh-CN" altLang="en-US"/>
               <a:t>第二级</a:t>
             </a:r>
+            <a:endParaRPr lang="zh-CN" altLang="en-US"/>
           </a:p>
           <a:p>
             <a:pPr lvl="2"/>
@@ -11753,6 +11773,7 @@
               <a:rPr lang="zh-CN" altLang="en-US"/>
               <a:t>第三级</a:t>
             </a:r>
+            <a:endParaRPr lang="zh-CN" altLang="en-US"/>
           </a:p>
           <a:p>
             <a:pPr lvl="3"/>
@@ -11760,6 +11781,7 @@
               <a:rPr lang="zh-CN" altLang="en-US"/>
               <a:t>第四级</a:t>
             </a:r>
+            <a:endParaRPr lang="zh-CN" altLang="en-US"/>
           </a:p>
           <a:p>
             <a:pPr lvl="4"/>
@@ -11837,7 +11859,6 @@
                 <a:ea typeface="华文中宋" charset="0"/>
                 <a:cs typeface="+mn-cs"/>
               </a:rPr>
-              <a:t>2019/4/4</a:t>
             </a:fld>
             <a:endParaRPr kumimoji="0" lang="zh-CN" altLang="en-US" sz="1200" b="1" i="0" u="none" strike="noStrike" kern="1200" cap="none" spc="0" normalizeH="0" baseline="0" noProof="0">
               <a:ln>
@@ -11992,7 +12013,6 @@
                 <a:ea typeface="华文中宋" charset="0"/>
                 <a:cs typeface="+mn-cs"/>
               </a:rPr>
-              <a:t>‹#›</a:t>
             </a:fld>
             <a:endParaRPr kumimoji="0" lang="en-US" altLang="zh-CN" sz="1200" b="1" i="0" u="none" strike="noStrike" kern="1200" cap="none" spc="0" normalizeH="0" baseline="0" noProof="0">
               <a:ln>
@@ -12358,6 +12378,13 @@
               </a:rPr>
               <a:t>生成式对抗网络</a:t>
             </a:r>
+            <a:endParaRPr lang="zh-CN" altLang="en-US" sz="5400" dirty="0">
+              <a:solidFill>
+                <a:srgbClr val="0070C0"/>
+              </a:solidFill>
+              <a:latin typeface="+mn-ea"/>
+              <a:ea typeface="+mn-ea"/>
+            </a:endParaRPr>
           </a:p>
         </p:txBody>
       </p:sp>
@@ -12385,21 +12412,21 @@
           <a:p>
             <a:pPr algn="ctr"/>
             <a:r>
-              <a:rPr lang="zh-CN" altLang="en-US" sz="3600" dirty="0">
+              <a:rPr lang="zh-CN" sz="3600" dirty="0">
                 <a:solidFill>
                   <a:srgbClr val="0070C0"/>
                 </a:solidFill>
                 <a:latin typeface="+mn-ea"/>
-                <a:ea typeface="+mn-ea"/>
+                <a:ea typeface="宋体" charset="0"/>
               </a:rPr>
-              <a:t>徐俊刚  </a:t>
+              <a:t>李航航</a:t>
             </a:r>
-            <a:endParaRPr lang="en-US" altLang="zh-CN" sz="3600" dirty="0">
+            <a:endParaRPr lang="zh-CN" sz="3600" dirty="0">
               <a:solidFill>
                 <a:srgbClr val="0070C0"/>
               </a:solidFill>
               <a:latin typeface="+mn-ea"/>
-              <a:ea typeface="+mn-ea"/>
+              <a:ea typeface="宋体" charset="0"/>
             </a:endParaRPr>
           </a:p>
         </p:txBody>
@@ -12413,7 +12440,7 @@
           <p:nvPr/>
         </p:nvPicPr>
         <p:blipFill>
-          <a:blip r:embed="rId3" cstate="print"/>
+          <a:blip r:embed="rId1" cstate="print"/>
           <a:srcRect/>
           <a:stretch>
             <a:fillRect/>
@@ -12445,7 +12472,7 @@
           <p:nvPr/>
         </p:nvPicPr>
         <p:blipFill>
-          <a:blip r:embed="rId4"/>
+          <a:blip r:embed="rId2"/>
           <a:stretch>
             <a:fillRect/>
           </a:stretch>
@@ -13421,13 +13448,13 @@
   <p:clrMapOvr>
     <a:masterClrMapping/>
   </p:clrMapOvr>
-  <mc:AlternateContent xmlns:mc="http://schemas.openxmlformats.org/markup-compatibility/2006" xmlns:p14="http://schemas.microsoft.com/office/powerpoint/2010/main">
-    <mc:Choice Requires="p14">
+  <mc:AlternateContent xmlns:mc="http://schemas.openxmlformats.org/markup-compatibility/2006">
+    <mc:Choice xmlns:p14="http://schemas.microsoft.com/office/powerpoint/2010/main" Requires="p14">
       <p:transition p14:dur="100">
         <p:cut/>
       </p:transition>
     </mc:Choice>
-    <mc:Fallback xmlns="">
+    <mc:Fallback>
       <p:transition>
         <p:cut/>
       </p:transition>
@@ -13477,6 +13504,7 @@
               <a:rPr lang="zh-CN" altLang="en-US" dirty="0"/>
               <a:t>应用</a:t>
             </a:r>
+            <a:endParaRPr lang="zh-CN" altLang="en-US" dirty="0"/>
           </a:p>
         </p:txBody>
       </p:sp>
@@ -13528,7 +13556,6 @@
                 <a:ea typeface="华文中宋" charset="0"/>
                 <a:cs typeface="+mn-cs"/>
               </a:rPr>
-              <a:t>11</a:t>
             </a:fld>
             <a:endParaRPr kumimoji="0" lang="en-US" altLang="zh-CN" sz="1200" b="1" i="0" u="none" strike="noStrike" kern="1200" cap="none" spc="0" normalizeH="0" baseline="0" noProof="0">
               <a:ln>
@@ -13611,13 +13638,7 @@
       </p:sp>
       <p:sp>
         <p:nvSpPr>
-          <p:cNvPr id="7" name="Oval 53">
-            <a:extLst>
-              <a:ext uri="{FF2B5EF4-FFF2-40B4-BE49-F238E27FC236}">
-                <a16:creationId xmlns:a16="http://schemas.microsoft.com/office/drawing/2014/main" id="{F9D2B242-8FE4-4509-8305-F6152410F6C7}"/>
-              </a:ext>
-            </a:extLst>
-          </p:cNvPr>
+          <p:cNvPr id="7" name="Oval 53"/>
           <p:cNvSpPr>
             <a:spLocks noChangeArrowheads="1"/>
           </p:cNvSpPr>
@@ -13700,21 +13721,15 @@
               <a:solidFill>
                 <a:schemeClr val="bg1"/>
               </a:solidFill>
-              <a:latin typeface="微软雅黑" panose="020B0503020204020204" charset="-122"/>
-              <a:ea typeface="微软雅黑" panose="020B0503020204020204" charset="-122"/>
+              <a:latin typeface="微软雅黑" pitchFamily="34" charset="-122"/>
+              <a:ea typeface="微软雅黑" pitchFamily="34" charset="-122"/>
             </a:endParaRPr>
           </a:p>
         </p:txBody>
       </p:sp>
       <p:sp>
         <p:nvSpPr>
-          <p:cNvPr id="8" name="Oval 53">
-            <a:extLst>
-              <a:ext uri="{FF2B5EF4-FFF2-40B4-BE49-F238E27FC236}">
-                <a16:creationId xmlns:a16="http://schemas.microsoft.com/office/drawing/2014/main" id="{84ACF07B-B6B2-4C08-8E79-6B1094B79DE8}"/>
-              </a:ext>
-            </a:extLst>
-          </p:cNvPr>
+          <p:cNvPr id="8" name="Oval 53"/>
           <p:cNvSpPr>
             <a:spLocks noChangeArrowheads="1"/>
           </p:cNvSpPr>
@@ -13777,21 +13792,15 @@
               <a:solidFill>
                 <a:schemeClr val="bg1"/>
               </a:solidFill>
-              <a:latin typeface="微软雅黑" panose="020B0503020204020204" charset="-122"/>
-              <a:ea typeface="微软雅黑" panose="020B0503020204020204" charset="-122"/>
+              <a:latin typeface="微软雅黑" pitchFamily="34" charset="-122"/>
+              <a:ea typeface="微软雅黑" pitchFamily="34" charset="-122"/>
             </a:endParaRPr>
           </a:p>
         </p:txBody>
       </p:sp>
       <p:sp>
         <p:nvSpPr>
-          <p:cNvPr id="9" name="Oval 53">
-            <a:extLst>
-              <a:ext uri="{FF2B5EF4-FFF2-40B4-BE49-F238E27FC236}">
-                <a16:creationId xmlns:a16="http://schemas.microsoft.com/office/drawing/2014/main" id="{7C3D22EF-11F2-4402-BE94-2769546CE02D}"/>
-              </a:ext>
-            </a:extLst>
-          </p:cNvPr>
+          <p:cNvPr id="9" name="Oval 53"/>
           <p:cNvSpPr>
             <a:spLocks noChangeArrowheads="1"/>
           </p:cNvSpPr>
@@ -13874,21 +13883,15 @@
               <a:solidFill>
                 <a:schemeClr val="bg1"/>
               </a:solidFill>
-              <a:latin typeface="微软雅黑" panose="020B0503020204020204" charset="-122"/>
-              <a:ea typeface="微软雅黑" panose="020B0503020204020204" charset="-122"/>
+              <a:latin typeface="微软雅黑" pitchFamily="34" charset="-122"/>
+              <a:ea typeface="微软雅黑" pitchFamily="34" charset="-122"/>
             </a:endParaRPr>
           </a:p>
         </p:txBody>
       </p:sp>
       <p:sp>
         <p:nvSpPr>
-          <p:cNvPr id="10" name="Oval 53">
-            <a:extLst>
-              <a:ext uri="{FF2B5EF4-FFF2-40B4-BE49-F238E27FC236}">
-                <a16:creationId xmlns:a16="http://schemas.microsoft.com/office/drawing/2014/main" id="{B9A5B374-4A1C-45D5-97EF-23C8360E2C0A}"/>
-              </a:ext>
-            </a:extLst>
-          </p:cNvPr>
+          <p:cNvPr id="10" name="Oval 53"/>
           <p:cNvSpPr>
             <a:spLocks noChangeArrowheads="1"/>
           </p:cNvSpPr>
@@ -13971,21 +13974,15 @@
               <a:solidFill>
                 <a:schemeClr val="bg1"/>
               </a:solidFill>
-              <a:latin typeface="微软雅黑" panose="020B0503020204020204" charset="-122"/>
-              <a:ea typeface="微软雅黑" panose="020B0503020204020204" charset="-122"/>
+              <a:latin typeface="微软雅黑" pitchFamily="34" charset="-122"/>
+              <a:ea typeface="微软雅黑" pitchFamily="34" charset="-122"/>
             </a:endParaRPr>
           </a:p>
         </p:txBody>
       </p:sp>
       <p:sp>
         <p:nvSpPr>
-          <p:cNvPr id="11" name="Rectangle 26">
-            <a:extLst>
-              <a:ext uri="{FF2B5EF4-FFF2-40B4-BE49-F238E27FC236}">
-                <a16:creationId xmlns:a16="http://schemas.microsoft.com/office/drawing/2014/main" id="{59089374-21DB-47FE-B9A8-9DA8F0A257D7}"/>
-              </a:ext>
-            </a:extLst>
-          </p:cNvPr>
+          <p:cNvPr id="11" name="Rectangle 26"/>
           <p:cNvSpPr>
             <a:spLocks noChangeArrowheads="1"/>
           </p:cNvSpPr>
@@ -14044,23 +14041,24 @@
                 <a:solidFill>
                   <a:srgbClr val="FFFF00"/>
                 </a:solidFill>
-                <a:latin typeface="微软雅黑" panose="020B0503020204020204" charset="-122"/>
-                <a:ea typeface="微软雅黑" panose="020B0503020204020204" charset="-122"/>
+                <a:latin typeface="微软雅黑" pitchFamily="34" charset="-122"/>
+                <a:ea typeface="微软雅黑" pitchFamily="34" charset="-122"/>
               </a:rPr>
               <a:t>图像与视觉计算</a:t>
             </a:r>
+            <a:endParaRPr lang="zh-CN" altLang="en-US" sz="1600" b="1" dirty="0">
+              <a:solidFill>
+                <a:srgbClr val="FFFF00"/>
+              </a:solidFill>
+              <a:latin typeface="微软雅黑" pitchFamily="34" charset="-122"/>
+              <a:ea typeface="微软雅黑" pitchFamily="34" charset="-122"/>
+            </a:endParaRPr>
           </a:p>
         </p:txBody>
       </p:sp>
       <p:sp>
         <p:nvSpPr>
-          <p:cNvPr id="12" name="Rectangle 27">
-            <a:extLst>
-              <a:ext uri="{FF2B5EF4-FFF2-40B4-BE49-F238E27FC236}">
-                <a16:creationId xmlns:a16="http://schemas.microsoft.com/office/drawing/2014/main" id="{485707B4-4C46-4041-8E8B-D2DF72764D1D}"/>
-              </a:ext>
-            </a:extLst>
-          </p:cNvPr>
+          <p:cNvPr id="12" name="Rectangle 27"/>
           <p:cNvSpPr>
             <a:spLocks noChangeArrowheads="1"/>
           </p:cNvSpPr>
@@ -14119,23 +14117,24 @@
                 <a:solidFill>
                   <a:schemeClr val="bg1"/>
                 </a:solidFill>
-                <a:latin typeface="微软雅黑" panose="020B0503020204020204" charset="-122"/>
-                <a:ea typeface="微软雅黑" panose="020B0503020204020204" charset="-122"/>
+                <a:latin typeface="微软雅黑" pitchFamily="34" charset="-122"/>
+                <a:ea typeface="微软雅黑" pitchFamily="34" charset="-122"/>
               </a:rPr>
               <a:t>语音和语言处理</a:t>
             </a:r>
+            <a:endParaRPr lang="zh-CN" altLang="en-US" sz="1800" dirty="0">
+              <a:solidFill>
+                <a:schemeClr val="bg1"/>
+              </a:solidFill>
+              <a:latin typeface="微软雅黑" pitchFamily="34" charset="-122"/>
+              <a:ea typeface="微软雅黑" pitchFamily="34" charset="-122"/>
+            </a:endParaRPr>
           </a:p>
         </p:txBody>
       </p:sp>
       <p:sp>
         <p:nvSpPr>
-          <p:cNvPr id="13" name="Rectangle 28">
-            <a:extLst>
-              <a:ext uri="{FF2B5EF4-FFF2-40B4-BE49-F238E27FC236}">
-                <a16:creationId xmlns:a16="http://schemas.microsoft.com/office/drawing/2014/main" id="{B24B551C-88E1-4D24-87CF-A5E1FC0F5F4C}"/>
-              </a:ext>
-            </a:extLst>
-          </p:cNvPr>
+          <p:cNvPr id="13" name="Rectangle 28"/>
           <p:cNvSpPr>
             <a:spLocks noChangeArrowheads="1"/>
           </p:cNvSpPr>
@@ -14194,23 +14193,24 @@
                 <a:solidFill>
                   <a:schemeClr val="bg1"/>
                 </a:solidFill>
-                <a:latin typeface="微软雅黑" panose="020B0503020204020204" charset="-122"/>
-                <a:ea typeface="微软雅黑" panose="020B0503020204020204" charset="-122"/>
+                <a:latin typeface="微软雅黑" pitchFamily="34" charset="-122"/>
+                <a:ea typeface="微软雅黑" pitchFamily="34" charset="-122"/>
               </a:rPr>
               <a:t>信息安全</a:t>
             </a:r>
+            <a:endParaRPr lang="zh-CN" altLang="en-US" sz="1800" dirty="0">
+              <a:solidFill>
+                <a:schemeClr val="bg1"/>
+              </a:solidFill>
+              <a:latin typeface="微软雅黑" pitchFamily="34" charset="-122"/>
+              <a:ea typeface="微软雅黑" pitchFamily="34" charset="-122"/>
+            </a:endParaRPr>
           </a:p>
         </p:txBody>
       </p:sp>
       <p:sp>
         <p:nvSpPr>
-          <p:cNvPr id="14" name="Rectangle 27">
-            <a:extLst>
-              <a:ext uri="{FF2B5EF4-FFF2-40B4-BE49-F238E27FC236}">
-                <a16:creationId xmlns:a16="http://schemas.microsoft.com/office/drawing/2014/main" id="{905E54D8-A503-4D71-A3CE-B80F800280A5}"/>
-              </a:ext>
-            </a:extLst>
-          </p:cNvPr>
+          <p:cNvPr id="14" name="Rectangle 27"/>
           <p:cNvSpPr>
             <a:spLocks noChangeArrowheads="1"/>
           </p:cNvSpPr>
@@ -14269,11 +14269,18 @@
                 <a:solidFill>
                   <a:schemeClr val="bg1"/>
                 </a:solidFill>
-                <a:latin typeface="微软雅黑" panose="020B0503020204020204" charset="-122"/>
-                <a:ea typeface="微软雅黑" panose="020B0503020204020204" charset="-122"/>
+                <a:latin typeface="微软雅黑" pitchFamily="34" charset="-122"/>
+                <a:ea typeface="微软雅黑" pitchFamily="34" charset="-122"/>
               </a:rPr>
               <a:t>棋类比赛</a:t>
             </a:r>
+            <a:endParaRPr lang="zh-CN" altLang="en-US" sz="1800" dirty="0">
+              <a:solidFill>
+                <a:schemeClr val="bg1"/>
+              </a:solidFill>
+              <a:latin typeface="微软雅黑" pitchFamily="34" charset="-122"/>
+              <a:ea typeface="微软雅黑" pitchFamily="34" charset="-122"/>
+            </a:endParaRPr>
           </a:p>
         </p:txBody>
       </p:sp>
@@ -15143,6 +15150,7 @@
               <a:rPr lang="zh-CN" altLang="en-US" dirty="0"/>
               <a:t>应用</a:t>
             </a:r>
+            <a:endParaRPr lang="zh-CN" altLang="en-US" dirty="0"/>
           </a:p>
         </p:txBody>
       </p:sp>
@@ -15194,7 +15202,6 @@
                 <a:ea typeface="华文中宋" charset="0"/>
                 <a:cs typeface="+mn-cs"/>
               </a:rPr>
-              <a:t>12</a:t>
             </a:fld>
             <a:endParaRPr kumimoji="0" lang="en-US" altLang="zh-CN" sz="1200" b="1" i="0" u="none" strike="noStrike" kern="1200" cap="none" spc="0" normalizeH="0" baseline="0" noProof="0">
               <a:ln>
@@ -15277,13 +15284,7 @@
       </p:sp>
       <p:sp>
         <p:nvSpPr>
-          <p:cNvPr id="11" name="矩形 10">
-            <a:extLst>
-              <a:ext uri="{FF2B5EF4-FFF2-40B4-BE49-F238E27FC236}">
-                <a16:creationId xmlns:a16="http://schemas.microsoft.com/office/drawing/2014/main" id="{FA5E7D18-B9B6-40BB-91E2-D6C17B370EB4}"/>
-              </a:ext>
-            </a:extLst>
-          </p:cNvPr>
+          <p:cNvPr id="11" name="矩形 10"/>
           <p:cNvSpPr/>
           <p:nvPr/>
         </p:nvSpPr>
@@ -15319,7 +15320,7 @@
           <a:lstStyle/>
           <a:p>
             <a:pPr>
-              <a:buFont typeface="Arial" pitchFamily="34" charset="0"/>
+              <a:buFont typeface="Arial" panose="020B0604020202020204" pitchFamily="34" charset="0"/>
               <a:buChar char="•"/>
             </a:pPr>
             <a:r>
@@ -15332,13 +15333,7 @@
       </p:sp>
       <p:sp>
         <p:nvSpPr>
-          <p:cNvPr id="12" name="矩形 11">
-            <a:extLst>
-              <a:ext uri="{FF2B5EF4-FFF2-40B4-BE49-F238E27FC236}">
-                <a16:creationId xmlns:a16="http://schemas.microsoft.com/office/drawing/2014/main" id="{D5974A29-7B03-4CFD-9F39-68E4F96552FF}"/>
-              </a:ext>
-            </a:extLst>
-          </p:cNvPr>
+          <p:cNvPr id="12" name="矩形 11"/>
           <p:cNvSpPr/>
           <p:nvPr/>
         </p:nvSpPr>
@@ -15374,7 +15369,7 @@
           <a:lstStyle/>
           <a:p>
             <a:pPr>
-              <a:buFont typeface="Arial" pitchFamily="34" charset="0"/>
+              <a:buFont typeface="Arial" panose="020B0604020202020204" pitchFamily="34" charset="0"/>
               <a:buChar char="•"/>
             </a:pPr>
             <a:r>
@@ -15387,20 +15382,14 @@
       </p:sp>
       <p:pic>
         <p:nvPicPr>
-          <p:cNvPr id="13" name="Picture 3">
-            <a:extLst>
-              <a:ext uri="{FF2B5EF4-FFF2-40B4-BE49-F238E27FC236}">
-                <a16:creationId xmlns:a16="http://schemas.microsoft.com/office/drawing/2014/main" id="{AD7D563B-8128-42CC-B249-5AA548AC37D1}"/>
-              </a:ext>
-            </a:extLst>
-          </p:cNvPr>
+          <p:cNvPr id="13" name="Picture 3"/>
           <p:cNvPicPr>
             <a:picLocks noChangeAspect="1" noChangeArrowheads="1"/>
           </p:cNvPicPr>
           <p:nvPr/>
         </p:nvPicPr>
         <p:blipFill>
-          <a:blip r:embed="rId3" cstate="print"/>
+          <a:blip r:embed="rId1" cstate="print"/>
           <a:srcRect/>
           <a:stretch>
             <a:fillRect/>
@@ -15447,20 +15436,14 @@
       </p:pic>
       <p:pic>
         <p:nvPicPr>
-          <p:cNvPr id="14" name="Picture 4">
-            <a:extLst>
-              <a:ext uri="{FF2B5EF4-FFF2-40B4-BE49-F238E27FC236}">
-                <a16:creationId xmlns:a16="http://schemas.microsoft.com/office/drawing/2014/main" id="{61A65BC8-8309-45BB-A702-D3714898B8A8}"/>
-              </a:ext>
-            </a:extLst>
-          </p:cNvPr>
+          <p:cNvPr id="14" name="Picture 4"/>
           <p:cNvPicPr>
             <a:picLocks noChangeAspect="1" noChangeArrowheads="1"/>
           </p:cNvPicPr>
           <p:nvPr/>
         </p:nvPicPr>
         <p:blipFill>
-          <a:blip r:embed="rId4" cstate="print"/>
+          <a:blip r:embed="rId2" cstate="print"/>
           <a:srcRect/>
           <a:stretch>
             <a:fillRect/>
@@ -15507,20 +15490,14 @@
       </p:pic>
       <p:pic>
         <p:nvPicPr>
-          <p:cNvPr id="15" name="Picture 5">
-            <a:extLst>
-              <a:ext uri="{FF2B5EF4-FFF2-40B4-BE49-F238E27FC236}">
-                <a16:creationId xmlns:a16="http://schemas.microsoft.com/office/drawing/2014/main" id="{6CE4FC73-A9C7-4AF3-9B0E-20F6A4B1AE42}"/>
-              </a:ext>
-            </a:extLst>
-          </p:cNvPr>
+          <p:cNvPr id="15" name="Picture 5"/>
           <p:cNvPicPr>
             <a:picLocks noChangeAspect="1" noChangeArrowheads="1"/>
           </p:cNvPicPr>
           <p:nvPr/>
         </p:nvPicPr>
         <p:blipFill>
-          <a:blip r:embed="rId5" cstate="print"/>
+          <a:blip r:embed="rId3" cstate="print"/>
           <a:srcRect/>
           <a:stretch>
             <a:fillRect/>
@@ -15544,13 +15521,7 @@
       </p:pic>
       <p:sp>
         <p:nvSpPr>
-          <p:cNvPr id="16" name="TextBox 10">
-            <a:extLst>
-              <a:ext uri="{FF2B5EF4-FFF2-40B4-BE49-F238E27FC236}">
-                <a16:creationId xmlns:a16="http://schemas.microsoft.com/office/drawing/2014/main" id="{65BCB1E6-68D5-4208-B306-E6D4965609D2}"/>
-              </a:ext>
-            </a:extLst>
-          </p:cNvPr>
+          <p:cNvPr id="16" name="TextBox 10"/>
           <p:cNvSpPr txBox="1"/>
           <p:nvPr/>
         </p:nvSpPr>
@@ -15586,6 +15557,7 @@
               <a:rPr lang="zh-CN" altLang="en-US" sz="1600" dirty="0"/>
               <a:t>。</a:t>
             </a:r>
+            <a:endParaRPr lang="zh-CN" altLang="en-US" sz="1600" dirty="0"/>
           </a:p>
         </p:txBody>
       </p:sp>
@@ -15997,7 +15969,6 @@
                 <a:ea typeface="华文中宋" charset="0"/>
                 <a:cs typeface="+mn-cs"/>
               </a:rPr>
-              <a:t>13</a:t>
             </a:fld>
             <a:endParaRPr kumimoji="0" lang="en-US" altLang="zh-CN" sz="1200" b="1" i="0" u="none" strike="noStrike" kern="1200" cap="none" spc="0" normalizeH="0" baseline="0" noProof="0">
               <a:ln>
@@ -16041,6 +16012,7 @@
               <a:rPr lang="zh-CN" altLang="en-US" dirty="0"/>
               <a:t>应用</a:t>
             </a:r>
+            <a:endParaRPr lang="zh-CN" altLang="en-US" dirty="0"/>
           </a:p>
         </p:txBody>
       </p:sp>
@@ -16106,13 +16078,7 @@
       </p:sp>
       <p:sp>
         <p:nvSpPr>
-          <p:cNvPr id="7" name="矩形 6">
-            <a:extLst>
-              <a:ext uri="{FF2B5EF4-FFF2-40B4-BE49-F238E27FC236}">
-                <a16:creationId xmlns:a16="http://schemas.microsoft.com/office/drawing/2014/main" id="{05F2826D-F68C-418F-8E6B-895A5DCC6DCC}"/>
-              </a:ext>
-            </a:extLst>
-          </p:cNvPr>
+          <p:cNvPr id="7" name="矩形 6"/>
           <p:cNvSpPr/>
           <p:nvPr/>
         </p:nvSpPr>
@@ -16148,7 +16114,7 @@
           <a:lstStyle/>
           <a:p>
             <a:pPr>
-              <a:buFont typeface="Arial" pitchFamily="34" charset="0"/>
+              <a:buFont typeface="Arial" panose="020B0604020202020204" pitchFamily="34" charset="0"/>
               <a:buChar char="•"/>
             </a:pPr>
             <a:r>
@@ -16169,20 +16135,14 @@
       </p:sp>
       <p:pic>
         <p:nvPicPr>
-          <p:cNvPr id="8" name="Picture 2">
-            <a:extLst>
-              <a:ext uri="{FF2B5EF4-FFF2-40B4-BE49-F238E27FC236}">
-                <a16:creationId xmlns:a16="http://schemas.microsoft.com/office/drawing/2014/main" id="{7A001280-8DB2-4346-895B-A3C03B372592}"/>
-              </a:ext>
-            </a:extLst>
-          </p:cNvPr>
+          <p:cNvPr id="8" name="Picture 2"/>
           <p:cNvPicPr>
             <a:picLocks noChangeAspect="1" noChangeArrowheads="1"/>
           </p:cNvPicPr>
           <p:nvPr/>
         </p:nvPicPr>
         <p:blipFill>
-          <a:blip r:embed="rId2" cstate="print"/>
+          <a:blip r:embed="rId1" cstate="print"/>
           <a:srcRect/>
           <a:stretch>
             <a:fillRect/>
@@ -16213,13 +16173,7 @@
       </p:pic>
       <p:sp>
         <p:nvSpPr>
-          <p:cNvPr id="9" name="矩形 8">
-            <a:extLst>
-              <a:ext uri="{FF2B5EF4-FFF2-40B4-BE49-F238E27FC236}">
-                <a16:creationId xmlns:a16="http://schemas.microsoft.com/office/drawing/2014/main" id="{AD120268-5BCD-42F4-98FA-A36690E7E914}"/>
-              </a:ext>
-            </a:extLst>
-          </p:cNvPr>
+          <p:cNvPr id="9" name="矩形 8"/>
           <p:cNvSpPr/>
           <p:nvPr/>
         </p:nvSpPr>
@@ -16252,13 +16206,7 @@
       </p:sp>
       <p:sp>
         <p:nvSpPr>
-          <p:cNvPr id="10" name="矩形 9">
-            <a:extLst>
-              <a:ext uri="{FF2B5EF4-FFF2-40B4-BE49-F238E27FC236}">
-                <a16:creationId xmlns:a16="http://schemas.microsoft.com/office/drawing/2014/main" id="{28FDEA00-B9E3-4103-B154-98FC14B5B2E9}"/>
-              </a:ext>
-            </a:extLst>
-          </p:cNvPr>
+          <p:cNvPr id="10" name="矩形 9"/>
           <p:cNvSpPr/>
           <p:nvPr/>
         </p:nvSpPr>
@@ -16291,13 +16239,7 @@
       </p:sp>
       <p:sp>
         <p:nvSpPr>
-          <p:cNvPr id="11" name="矩形 10">
-            <a:extLst>
-              <a:ext uri="{FF2B5EF4-FFF2-40B4-BE49-F238E27FC236}">
-                <a16:creationId xmlns:a16="http://schemas.microsoft.com/office/drawing/2014/main" id="{C5132173-BC5B-4A07-83D6-4144DC4E4BEE}"/>
-              </a:ext>
-            </a:extLst>
-          </p:cNvPr>
+          <p:cNvPr id="11" name="矩形 10"/>
           <p:cNvSpPr/>
           <p:nvPr/>
         </p:nvSpPr>
@@ -16324,6 +16266,7 @@
               <a:rPr lang="zh-CN" altLang="en-US" b="1" dirty="0"/>
               <a:t>去遮挡物后的图片</a:t>
             </a:r>
+            <a:endParaRPr lang="zh-CN" altLang="en-US" b="1" dirty="0"/>
           </a:p>
         </p:txBody>
       </p:sp>
@@ -17370,6 +17313,20 @@
               </a:rPr>
               <a:t>的优势和不足</a:t>
             </a:r>
+            <a:endParaRPr kumimoji="0" lang="zh-CN" altLang="en-US" sz="4400" b="1" i="0" u="none" strike="noStrike" kern="1200" cap="none" spc="0" normalizeH="0" baseline="0" noProof="0" dirty="0">
+              <a:ln>
+                <a:noFill/>
+              </a:ln>
+              <a:solidFill>
+                <a:srgbClr val="FDCB34"/>
+              </a:solidFill>
+              <a:effectLst/>
+              <a:uLnTx/>
+              <a:uFillTx/>
+              <a:latin typeface="微软雅黑" pitchFamily="34" charset="-122"/>
+              <a:ea typeface="微软雅黑" pitchFamily="34" charset="-122"/>
+              <a:cs typeface="+mn-cs"/>
+            </a:endParaRPr>
           </a:p>
         </p:txBody>
       </p:sp>
@@ -17584,13 +17541,13 @@
   <p:clrMapOvr>
     <a:masterClrMapping/>
   </p:clrMapOvr>
-  <mc:AlternateContent xmlns:mc="http://schemas.openxmlformats.org/markup-compatibility/2006" xmlns:p14="http://schemas.microsoft.com/office/powerpoint/2010/main">
-    <mc:Choice Requires="p14">
+  <mc:AlternateContent xmlns:mc="http://schemas.openxmlformats.org/markup-compatibility/2006">
+    <mc:Choice xmlns:p14="http://schemas.microsoft.com/office/powerpoint/2010/main" Requires="p14">
       <p:transition p14:dur="100">
         <p:cut/>
       </p:transition>
     </mc:Choice>
-    <mc:Fallback xmlns="">
+    <mc:Fallback>
       <p:transition>
         <p:cut/>
       </p:transition>
@@ -17664,7 +17621,6 @@
                 <a:ea typeface="华文中宋" charset="0"/>
                 <a:cs typeface="+mn-cs"/>
               </a:rPr>
-              <a:t>15</a:t>
             </a:fld>
             <a:endParaRPr kumimoji="0" lang="en-US" altLang="zh-CN" sz="1200" b="1" i="0" u="none" strike="noStrike" kern="1200" cap="none" spc="0" normalizeH="0" baseline="0" noProof="0">
               <a:ln>
@@ -17704,18 +17660,13 @@
               <a:rPr lang="zh-CN" altLang="en-US" dirty="0"/>
               <a:t>优势和不足</a:t>
             </a:r>
+            <a:endParaRPr lang="zh-CN" altLang="en-US" dirty="0"/>
           </a:p>
         </p:txBody>
       </p:sp>
       <p:sp>
         <p:nvSpPr>
-          <p:cNvPr id="5" name="TextBox 2">
-            <a:extLst>
-              <a:ext uri="{FF2B5EF4-FFF2-40B4-BE49-F238E27FC236}">
-                <a16:creationId xmlns:a16="http://schemas.microsoft.com/office/drawing/2014/main" id="{DCD72707-B7A6-4ACC-BC84-DCFA6D07C649}"/>
-              </a:ext>
-            </a:extLst>
-          </p:cNvPr>
+          <p:cNvPr id="5" name="TextBox 2"/>
           <p:cNvSpPr txBox="1"/>
           <p:nvPr/>
         </p:nvSpPr>
@@ -17760,7 +17711,7 @@
           </a:p>
           <a:p>
             <a:pPr marL="685800" lvl="1" indent="-342900">
-              <a:buFont typeface="Wingdings" pitchFamily="2" charset="2"/>
+              <a:buFont typeface="Wingdings" panose="05000000000000000000" pitchFamily="2" charset="2"/>
               <a:buChar char="u"/>
             </a:pPr>
             <a:r>
@@ -17791,7 +17742,7 @@
           </a:p>
           <a:p>
             <a:pPr marL="685800" lvl="1" indent="-342900">
-              <a:buFont typeface="Wingdings" pitchFamily="2" charset="2"/>
+              <a:buFont typeface="Wingdings" panose="05000000000000000000" pitchFamily="2" charset="2"/>
               <a:buChar char="u"/>
             </a:pPr>
             <a:r>
@@ -17833,7 +17784,7 @@
           </a:p>
           <a:p>
             <a:pPr lvl="1">
-              <a:buFont typeface="Wingdings" pitchFamily="2" charset="2"/>
+              <a:buFont typeface="Wingdings" panose="05000000000000000000" pitchFamily="2" charset="2"/>
               <a:buChar char="u"/>
             </a:pPr>
             <a:r>
@@ -17848,7 +17799,7 @@
           </a:p>
           <a:p>
             <a:pPr lvl="1">
-              <a:buFont typeface="Wingdings" pitchFamily="2" charset="2"/>
+              <a:buFont typeface="Wingdings" panose="05000000000000000000" pitchFamily="2" charset="2"/>
               <a:buChar char="u"/>
             </a:pPr>
             <a:r>
@@ -17875,6 +17826,7 @@
               <a:rPr lang="zh-CN" altLang="en-US" sz="2400" dirty="0"/>
               <a:t>同步性问题。</a:t>
             </a:r>
+            <a:endParaRPr lang="zh-CN" altLang="en-US" sz="2400" dirty="0"/>
           </a:p>
         </p:txBody>
       </p:sp>
@@ -18011,18 +17963,13 @@
               <a:rPr lang="zh-CN" altLang="en-US" dirty="0"/>
               <a:t>总结</a:t>
             </a:r>
+            <a:endParaRPr lang="zh-CN" altLang="en-US" dirty="0"/>
           </a:p>
         </p:txBody>
       </p:sp>
       <p:sp>
         <p:nvSpPr>
-          <p:cNvPr id="5" name="椭圆 4">
-            <a:extLst>
-              <a:ext uri="{FF2B5EF4-FFF2-40B4-BE49-F238E27FC236}">
-                <a16:creationId xmlns:a16="http://schemas.microsoft.com/office/drawing/2014/main" id="{7B62FBBE-D7C4-40E4-9269-30697BDE13AF}"/>
-              </a:ext>
-            </a:extLst>
-          </p:cNvPr>
+          <p:cNvPr id="5" name="椭圆 4"/>
           <p:cNvSpPr/>
           <p:nvPr/>
         </p:nvSpPr>
@@ -18097,8 +18044,8 @@
                     <a:lumMod val="75000"/>
                   </a:schemeClr>
                 </a:solidFill>
-                <a:latin typeface="微软雅黑" panose="020B0503020204020204" charset="-122"/>
-                <a:ea typeface="微软雅黑" panose="020B0503020204020204" charset="-122"/>
+                <a:latin typeface="微软雅黑" pitchFamily="34" charset="-122"/>
+                <a:ea typeface="微软雅黑" pitchFamily="34" charset="-122"/>
               </a:rPr>
               <a:t>GAN</a:t>
             </a:r>
@@ -18108,21 +18055,15 @@
                   <a:lumMod val="75000"/>
                 </a:schemeClr>
               </a:solidFill>
-              <a:latin typeface="微软雅黑" panose="020B0503020204020204" charset="-122"/>
-              <a:ea typeface="微软雅黑" panose="020B0503020204020204" charset="-122"/>
+              <a:latin typeface="微软雅黑" pitchFamily="34" charset="-122"/>
+              <a:ea typeface="微软雅黑" pitchFamily="34" charset="-122"/>
             </a:endParaRPr>
           </a:p>
         </p:txBody>
       </p:sp>
       <p:grpSp>
         <p:nvGrpSpPr>
-          <p:cNvPr id="6" name="组合 5">
-            <a:extLst>
-              <a:ext uri="{FF2B5EF4-FFF2-40B4-BE49-F238E27FC236}">
-                <a16:creationId xmlns:a16="http://schemas.microsoft.com/office/drawing/2014/main" id="{726F67A5-5433-433B-BCFA-4B7A151949F4}"/>
-              </a:ext>
-            </a:extLst>
-          </p:cNvPr>
+          <p:cNvPr id="6" name="组合 5"/>
           <p:cNvGrpSpPr/>
           <p:nvPr/>
         </p:nvGrpSpPr>
@@ -18136,13 +18077,7 @@
         </p:grpSpPr>
         <p:grpSp>
           <p:nvGrpSpPr>
-            <p:cNvPr id="7" name="组合 6">
-              <a:extLst>
-                <a:ext uri="{FF2B5EF4-FFF2-40B4-BE49-F238E27FC236}">
-                  <a16:creationId xmlns:a16="http://schemas.microsoft.com/office/drawing/2014/main" id="{68348806-6951-4C0E-99DB-659EC144EE34}"/>
-                </a:ext>
-              </a:extLst>
-            </p:cNvPr>
+            <p:cNvPr id="7" name="组合 6"/>
             <p:cNvGrpSpPr/>
             <p:nvPr/>
           </p:nvGrpSpPr>
@@ -18156,13 +18091,7 @@
           </p:grpSpPr>
           <p:sp>
             <p:nvSpPr>
-              <p:cNvPr id="9" name="MH_SubTitle_1">
-                <a:extLst>
-                  <a:ext uri="{FF2B5EF4-FFF2-40B4-BE49-F238E27FC236}">
-                    <a16:creationId xmlns:a16="http://schemas.microsoft.com/office/drawing/2014/main" id="{B1167425-EF77-4DA3-88E5-FEE696CA36A1}"/>
-                  </a:ext>
-                </a:extLst>
-              </p:cNvPr>
+              <p:cNvPr id="9" name="MH_SubTitle_1"/>
               <p:cNvSpPr>
                 <a:spLocks noChangeArrowheads="1"/>
               </p:cNvSpPr>
@@ -18189,23 +18118,24 @@
                     <a:solidFill>
                       <a:schemeClr val="accent4"/>
                     </a:solidFill>
-                    <a:latin typeface="微软雅黑" panose="020B0503020204020204" charset="-122"/>
-                    <a:ea typeface="微软雅黑" panose="020B0503020204020204" charset="-122"/>
+                    <a:latin typeface="微软雅黑" pitchFamily="34" charset="-122"/>
+                    <a:ea typeface="微软雅黑" pitchFamily="34" charset="-122"/>
                   </a:rPr>
                   <a:t>是什么？</a:t>
                 </a:r>
+                <a:endParaRPr lang="zh-CN" altLang="en-US" dirty="0">
+                  <a:solidFill>
+                    <a:schemeClr val="accent4"/>
+                  </a:solidFill>
+                  <a:latin typeface="微软雅黑" pitchFamily="34" charset="-122"/>
+                  <a:ea typeface="微软雅黑" pitchFamily="34" charset="-122"/>
+                </a:endParaRPr>
               </a:p>
             </p:txBody>
           </p:sp>
           <p:sp>
             <p:nvSpPr>
-              <p:cNvPr id="10" name="Rectangle 5">
-                <a:extLst>
-                  <a:ext uri="{FF2B5EF4-FFF2-40B4-BE49-F238E27FC236}">
-                    <a16:creationId xmlns:a16="http://schemas.microsoft.com/office/drawing/2014/main" id="{39EA642B-29AF-4DC7-8BB9-033EF05F534D}"/>
-                  </a:ext>
-                </a:extLst>
-              </p:cNvPr>
+              <p:cNvPr id="10" name="Rectangle 5"/>
               <p:cNvSpPr/>
               <p:nvPr/>
             </p:nvSpPr>
@@ -18260,13 +18190,7 @@
         </p:grpSp>
         <p:cxnSp>
           <p:nvCxnSpPr>
-            <p:cNvPr id="8" name="直接连接符 7">
-              <a:extLst>
-                <a:ext uri="{FF2B5EF4-FFF2-40B4-BE49-F238E27FC236}">
-                  <a16:creationId xmlns:a16="http://schemas.microsoft.com/office/drawing/2014/main" id="{013C230C-73E7-4229-A051-09B6645CC169}"/>
-                </a:ext>
-              </a:extLst>
-            </p:cNvPr>
+            <p:cNvPr id="8" name="直接连接符 7"/>
             <p:cNvCxnSpPr/>
             <p:nvPr/>
           </p:nvCxnSpPr>
@@ -18306,13 +18230,7 @@
       </p:grpSp>
       <p:grpSp>
         <p:nvGrpSpPr>
-          <p:cNvPr id="12" name="组合 11">
-            <a:extLst>
-              <a:ext uri="{FF2B5EF4-FFF2-40B4-BE49-F238E27FC236}">
-                <a16:creationId xmlns:a16="http://schemas.microsoft.com/office/drawing/2014/main" id="{BB0F3CB7-780A-41EA-9FC4-CCD35C40618C}"/>
-              </a:ext>
-            </a:extLst>
-          </p:cNvPr>
+          <p:cNvPr id="12" name="组合 11"/>
           <p:cNvGrpSpPr/>
           <p:nvPr/>
         </p:nvGrpSpPr>
@@ -18326,13 +18244,7 @@
         </p:grpSpPr>
         <p:grpSp>
           <p:nvGrpSpPr>
-            <p:cNvPr id="13" name="组合 12">
-              <a:extLst>
-                <a:ext uri="{FF2B5EF4-FFF2-40B4-BE49-F238E27FC236}">
-                  <a16:creationId xmlns:a16="http://schemas.microsoft.com/office/drawing/2014/main" id="{BF83A38C-CA4D-448F-A99B-FF89BDF4490C}"/>
-                </a:ext>
-              </a:extLst>
-            </p:cNvPr>
+            <p:cNvPr id="13" name="组合 12"/>
             <p:cNvGrpSpPr/>
             <p:nvPr/>
           </p:nvGrpSpPr>
@@ -18346,13 +18258,7 @@
           </p:grpSpPr>
           <p:sp>
             <p:nvSpPr>
-              <p:cNvPr id="15" name="MH_SubTitle_1">
-                <a:extLst>
-                  <a:ext uri="{FF2B5EF4-FFF2-40B4-BE49-F238E27FC236}">
-                    <a16:creationId xmlns:a16="http://schemas.microsoft.com/office/drawing/2014/main" id="{7BB82BED-9ECD-45A4-95FE-CCED17718937}"/>
-                  </a:ext>
-                </a:extLst>
-              </p:cNvPr>
+              <p:cNvPr id="15" name="MH_SubTitle_1"/>
               <p:cNvSpPr>
                 <a:spLocks noChangeArrowheads="1"/>
               </p:cNvSpPr>
@@ -18376,23 +18282,21 @@
               <a:p>
                 <a:r>
                   <a:rPr lang="zh-CN" altLang="en-US" dirty="0">
-                    <a:latin typeface="微软雅黑" panose="020B0503020204020204" charset="-122"/>
-                    <a:ea typeface="微软雅黑" panose="020B0503020204020204" charset="-122"/>
+                    <a:latin typeface="微软雅黑" pitchFamily="34" charset="-122"/>
+                    <a:ea typeface="微软雅黑" pitchFamily="34" charset="-122"/>
                   </a:rPr>
                   <a:t>应用前景</a:t>
                 </a:r>
+                <a:endParaRPr lang="zh-CN" altLang="en-US" dirty="0">
+                  <a:latin typeface="微软雅黑" pitchFamily="34" charset="-122"/>
+                  <a:ea typeface="微软雅黑" pitchFamily="34" charset="-122"/>
+                </a:endParaRPr>
               </a:p>
             </p:txBody>
           </p:sp>
           <p:sp>
             <p:nvSpPr>
-              <p:cNvPr id="16" name="Rectangle 5">
-                <a:extLst>
-                  <a:ext uri="{FF2B5EF4-FFF2-40B4-BE49-F238E27FC236}">
-                    <a16:creationId xmlns:a16="http://schemas.microsoft.com/office/drawing/2014/main" id="{82958FE6-5B8B-4B2E-8AAB-DA739D393A87}"/>
-                  </a:ext>
-                </a:extLst>
-              </p:cNvPr>
+              <p:cNvPr id="16" name="Rectangle 5"/>
               <p:cNvSpPr/>
               <p:nvPr/>
             </p:nvSpPr>
@@ -18454,10 +18358,10 @@
                       <a:lumOff val="35000"/>
                     </a:schemeClr>
                   </a:solidFill>
-                  <a:latin typeface="微软雅黑" panose="020B0503020204020204" charset="-122"/>
-                  <a:ea typeface="微软雅黑" panose="020B0503020204020204" charset="-122"/>
-                  <a:cs typeface="Lato Light" charset="0"/>
-                  <a:sym typeface="Lato Light" charset="0"/>
+                  <a:latin typeface="微软雅黑" pitchFamily="34" charset="-122"/>
+                  <a:ea typeface="微软雅黑" pitchFamily="34" charset="-122"/>
+                  <a:cs typeface="Lato Light" panose="020F0402020204030203" charset="0"/>
+                  <a:sym typeface="Lato Light" panose="020F0402020204030203" charset="0"/>
                 </a:endParaRPr>
               </a:p>
             </p:txBody>
@@ -18465,13 +18369,7 @@
         </p:grpSp>
         <p:cxnSp>
           <p:nvCxnSpPr>
-            <p:cNvPr id="14" name="直接连接符 13">
-              <a:extLst>
-                <a:ext uri="{FF2B5EF4-FFF2-40B4-BE49-F238E27FC236}">
-                  <a16:creationId xmlns:a16="http://schemas.microsoft.com/office/drawing/2014/main" id="{EA657094-E9FA-401F-A2ED-C7829F494CEB}"/>
-                </a:ext>
-              </a:extLst>
-            </p:cNvPr>
+            <p:cNvPr id="14" name="直接连接符 13"/>
             <p:cNvCxnSpPr/>
             <p:nvPr/>
           </p:nvCxnSpPr>
@@ -18511,13 +18409,7 @@
       </p:grpSp>
       <p:grpSp>
         <p:nvGrpSpPr>
-          <p:cNvPr id="17" name="组合 16">
-            <a:extLst>
-              <a:ext uri="{FF2B5EF4-FFF2-40B4-BE49-F238E27FC236}">
-                <a16:creationId xmlns:a16="http://schemas.microsoft.com/office/drawing/2014/main" id="{84E98EF4-1A81-4B28-BA07-7DACD3717CB3}"/>
-              </a:ext>
-            </a:extLst>
-          </p:cNvPr>
+          <p:cNvPr id="17" name="组合 16"/>
           <p:cNvGrpSpPr/>
           <p:nvPr/>
         </p:nvGrpSpPr>
@@ -18531,13 +18423,7 @@
         </p:grpSpPr>
         <p:grpSp>
           <p:nvGrpSpPr>
-            <p:cNvPr id="18" name="组合 17">
-              <a:extLst>
-                <a:ext uri="{FF2B5EF4-FFF2-40B4-BE49-F238E27FC236}">
-                  <a16:creationId xmlns:a16="http://schemas.microsoft.com/office/drawing/2014/main" id="{7E5232DF-16E2-4D95-9C93-DC1FAB1D7DAE}"/>
-                </a:ext>
-              </a:extLst>
-            </p:cNvPr>
+            <p:cNvPr id="18" name="组合 17"/>
             <p:cNvGrpSpPr/>
             <p:nvPr/>
           </p:nvGrpSpPr>
@@ -18551,13 +18437,7 @@
           </p:grpSpPr>
           <p:sp>
             <p:nvSpPr>
-              <p:cNvPr id="20" name="MH_SubTitle_1">
-                <a:extLst>
-                  <a:ext uri="{FF2B5EF4-FFF2-40B4-BE49-F238E27FC236}">
-                    <a16:creationId xmlns:a16="http://schemas.microsoft.com/office/drawing/2014/main" id="{ED5A9B8D-AC01-43C7-B127-64BFFD560563}"/>
-                  </a:ext>
-                </a:extLst>
-              </p:cNvPr>
+              <p:cNvPr id="20" name="MH_SubTitle_1"/>
               <p:cNvSpPr>
                 <a:spLocks noChangeArrowheads="1"/>
               </p:cNvSpPr>
@@ -18581,23 +18461,21 @@
               <a:p>
                 <a:r>
                   <a:rPr lang="zh-CN" altLang="en-US" sz="1500" dirty="0">
-                    <a:latin typeface="微软雅黑" panose="020B0503020204020204" charset="-122"/>
-                    <a:ea typeface="微软雅黑" panose="020B0503020204020204" charset="-122"/>
+                    <a:latin typeface="微软雅黑" pitchFamily="34" charset="-122"/>
+                    <a:ea typeface="微软雅黑" pitchFamily="34" charset="-122"/>
                   </a:rPr>
                   <a:t>待提高</a:t>
                 </a:r>
+                <a:endParaRPr lang="zh-CN" altLang="en-US" sz="1500" dirty="0">
+                  <a:latin typeface="微软雅黑" pitchFamily="34" charset="-122"/>
+                  <a:ea typeface="微软雅黑" pitchFamily="34" charset="-122"/>
+                </a:endParaRPr>
               </a:p>
             </p:txBody>
           </p:sp>
           <p:sp>
             <p:nvSpPr>
-              <p:cNvPr id="21" name="Rectangle 5">
-                <a:extLst>
-                  <a:ext uri="{FF2B5EF4-FFF2-40B4-BE49-F238E27FC236}">
-                    <a16:creationId xmlns:a16="http://schemas.microsoft.com/office/drawing/2014/main" id="{7C0052A3-20F4-4DFB-BC04-613E6716ACB8}"/>
-                  </a:ext>
-                </a:extLst>
-              </p:cNvPr>
+              <p:cNvPr id="21" name="Rectangle 5"/>
               <p:cNvSpPr/>
               <p:nvPr/>
             </p:nvSpPr>
@@ -18659,10 +18537,10 @@
                       <a:lumOff val="35000"/>
                     </a:schemeClr>
                   </a:solidFill>
-                  <a:latin typeface="微软雅黑" panose="020B0503020204020204" charset="-122"/>
-                  <a:ea typeface="微软雅黑" panose="020B0503020204020204" charset="-122"/>
-                  <a:cs typeface="Lato Light" charset="0"/>
-                  <a:sym typeface="Lato Light" charset="0"/>
+                  <a:latin typeface="微软雅黑" pitchFamily="34" charset="-122"/>
+                  <a:ea typeface="微软雅黑" pitchFamily="34" charset="-122"/>
+                  <a:cs typeface="Lato Light" panose="020F0402020204030203" charset="0"/>
+                  <a:sym typeface="Lato Light" panose="020F0402020204030203" charset="0"/>
                 </a:endParaRPr>
               </a:p>
             </p:txBody>
@@ -18670,13 +18548,7 @@
         </p:grpSp>
         <p:cxnSp>
           <p:nvCxnSpPr>
-            <p:cNvPr id="19" name="直接连接符 18">
-              <a:extLst>
-                <a:ext uri="{FF2B5EF4-FFF2-40B4-BE49-F238E27FC236}">
-                  <a16:creationId xmlns:a16="http://schemas.microsoft.com/office/drawing/2014/main" id="{7DBBFF1C-1CE9-4EAF-AAA7-141E25D7C1C7}"/>
-                </a:ext>
-              </a:extLst>
-            </p:cNvPr>
+            <p:cNvPr id="19" name="直接连接符 18"/>
             <p:cNvCxnSpPr/>
             <p:nvPr/>
           </p:nvCxnSpPr>
@@ -18716,13 +18588,7 @@
       </p:grpSp>
       <p:grpSp>
         <p:nvGrpSpPr>
-          <p:cNvPr id="22" name="组合 21">
-            <a:extLst>
-              <a:ext uri="{FF2B5EF4-FFF2-40B4-BE49-F238E27FC236}">
-                <a16:creationId xmlns:a16="http://schemas.microsoft.com/office/drawing/2014/main" id="{1A752EAA-AE8A-4BD6-9438-E2D338B3FBE8}"/>
-              </a:ext>
-            </a:extLst>
-          </p:cNvPr>
+          <p:cNvPr id="22" name="组合 21"/>
           <p:cNvGrpSpPr/>
           <p:nvPr/>
         </p:nvGrpSpPr>
@@ -18736,13 +18602,7 @@
         </p:grpSpPr>
         <p:sp>
           <p:nvSpPr>
-            <p:cNvPr id="23" name="椭圆 22">
-              <a:extLst>
-                <a:ext uri="{FF2B5EF4-FFF2-40B4-BE49-F238E27FC236}">
-                  <a16:creationId xmlns:a16="http://schemas.microsoft.com/office/drawing/2014/main" id="{3F186125-63D1-43F6-9E99-77063F9D798A}"/>
-                </a:ext>
-              </a:extLst>
-            </p:cNvPr>
+            <p:cNvPr id="23" name="椭圆 22"/>
             <p:cNvSpPr/>
             <p:nvPr/>
           </p:nvSpPr>
@@ -18802,21 +18662,15 @@
                 <a:solidFill>
                   <a:prstClr val="black"/>
                 </a:solidFill>
-                <a:latin typeface="微软雅黑" panose="020B0503020204020204" charset="-122"/>
-                <a:ea typeface="微软雅黑" panose="020B0503020204020204" charset="-122"/>
+                <a:latin typeface="微软雅黑" pitchFamily="34" charset="-122"/>
+                <a:ea typeface="微软雅黑" pitchFamily="34" charset="-122"/>
               </a:endParaRPr>
             </a:p>
           </p:txBody>
         </p:sp>
         <p:sp>
           <p:nvSpPr>
-            <p:cNvPr id="24" name="KSO_Shape">
-              <a:extLst>
-                <a:ext uri="{FF2B5EF4-FFF2-40B4-BE49-F238E27FC236}">
-                  <a16:creationId xmlns:a16="http://schemas.microsoft.com/office/drawing/2014/main" id="{AC9A73F6-E701-46F2-8CF7-74863A9C60D6}"/>
-                </a:ext>
-              </a:extLst>
-            </p:cNvPr>
+            <p:cNvPr id="24" name="KSO_Shape"/>
             <p:cNvSpPr/>
             <p:nvPr/>
           </p:nvSpPr>
@@ -19216,7 +19070,7 @@
                     <a:schemeClr val="tx1"/>
                   </a:solidFill>
                   <a:latin typeface="Calibri" panose="020F0502020204030204" pitchFamily="34" charset="0"/>
-                  <a:ea typeface="宋体" panose="02010600030101010101" pitchFamily="2" charset="-122"/>
+                  <a:ea typeface="宋体" pitchFamily="2" charset="-122"/>
                   <a:cs typeface="+mn-cs"/>
                 </a:defRPr>
               </a:lvl1pPr>
@@ -19232,7 +19086,7 @@
                     <a:schemeClr val="tx1"/>
                   </a:solidFill>
                   <a:latin typeface="Calibri" panose="020F0502020204030204" pitchFamily="34" charset="0"/>
-                  <a:ea typeface="宋体" panose="02010600030101010101" pitchFamily="2" charset="-122"/>
+                  <a:ea typeface="宋体" pitchFamily="2" charset="-122"/>
                   <a:cs typeface="+mn-cs"/>
                 </a:defRPr>
               </a:lvl2pPr>
@@ -19248,7 +19102,7 @@
                     <a:schemeClr val="tx1"/>
                   </a:solidFill>
                   <a:latin typeface="Calibri" panose="020F0502020204030204" pitchFamily="34" charset="0"/>
-                  <a:ea typeface="宋体" panose="02010600030101010101" pitchFamily="2" charset="-122"/>
+                  <a:ea typeface="宋体" pitchFamily="2" charset="-122"/>
                   <a:cs typeface="+mn-cs"/>
                 </a:defRPr>
               </a:lvl3pPr>
@@ -19264,7 +19118,7 @@
                     <a:schemeClr val="tx1"/>
                   </a:solidFill>
                   <a:latin typeface="Calibri" panose="020F0502020204030204" pitchFamily="34" charset="0"/>
-                  <a:ea typeface="宋体" panose="02010600030101010101" pitchFamily="2" charset="-122"/>
+                  <a:ea typeface="宋体" pitchFamily="2" charset="-122"/>
                   <a:cs typeface="+mn-cs"/>
                 </a:defRPr>
               </a:lvl4pPr>
@@ -19280,7 +19134,7 @@
                     <a:schemeClr val="tx1"/>
                   </a:solidFill>
                   <a:latin typeface="Calibri" panose="020F0502020204030204" pitchFamily="34" charset="0"/>
-                  <a:ea typeface="宋体" panose="02010600030101010101" pitchFamily="2" charset="-122"/>
+                  <a:ea typeface="宋体" pitchFamily="2" charset="-122"/>
                   <a:cs typeface="+mn-cs"/>
                 </a:defRPr>
               </a:lvl5pPr>
@@ -19290,7 +19144,7 @@
                     <a:schemeClr val="tx1"/>
                   </a:solidFill>
                   <a:latin typeface="Calibri" panose="020F0502020204030204" pitchFamily="34" charset="0"/>
-                  <a:ea typeface="宋体" panose="02010600030101010101" pitchFamily="2" charset="-122"/>
+                  <a:ea typeface="宋体" pitchFamily="2" charset="-122"/>
                   <a:cs typeface="+mn-cs"/>
                 </a:defRPr>
               </a:lvl6pPr>
@@ -19300,7 +19154,7 @@
                     <a:schemeClr val="tx1"/>
                   </a:solidFill>
                   <a:latin typeface="Calibri" panose="020F0502020204030204" pitchFamily="34" charset="0"/>
-                  <a:ea typeface="宋体" panose="02010600030101010101" pitchFamily="2" charset="-122"/>
+                  <a:ea typeface="宋体" pitchFamily="2" charset="-122"/>
                   <a:cs typeface="+mn-cs"/>
                 </a:defRPr>
               </a:lvl7pPr>
@@ -19310,7 +19164,7 @@
                     <a:schemeClr val="tx1"/>
                   </a:solidFill>
                   <a:latin typeface="Calibri" panose="020F0502020204030204" pitchFamily="34" charset="0"/>
-                  <a:ea typeface="宋体" panose="02010600030101010101" pitchFamily="2" charset="-122"/>
+                  <a:ea typeface="宋体" pitchFamily="2" charset="-122"/>
                   <a:cs typeface="+mn-cs"/>
                 </a:defRPr>
               </a:lvl8pPr>
@@ -19320,15 +19174,15 @@
                     <a:schemeClr val="tx1"/>
                   </a:solidFill>
                   <a:latin typeface="Calibri" panose="020F0502020204030204" pitchFamily="34" charset="0"/>
-                  <a:ea typeface="宋体" panose="02010600030101010101" pitchFamily="2" charset="-122"/>
+                  <a:ea typeface="宋体" pitchFamily="2" charset="-122"/>
                   <a:cs typeface="+mn-cs"/>
                 </a:defRPr>
               </a:lvl9pPr>
             </a:lstStyle>
             <a:p>
               <a:endParaRPr lang="zh-CN" altLang="en-US">
-                <a:latin typeface="微软雅黑" panose="020B0503020204020204" charset="-122"/>
-                <a:ea typeface="微软雅黑" panose="020B0503020204020204" charset="-122"/>
+                <a:latin typeface="微软雅黑" pitchFamily="34" charset="-122"/>
+                <a:ea typeface="微软雅黑" pitchFamily="34" charset="-122"/>
               </a:endParaRPr>
             </a:p>
           </p:txBody>
@@ -19336,13 +19190,7 @@
       </p:grpSp>
       <p:grpSp>
         <p:nvGrpSpPr>
-          <p:cNvPr id="25" name="组合 24">
-            <a:extLst>
-              <a:ext uri="{FF2B5EF4-FFF2-40B4-BE49-F238E27FC236}">
-                <a16:creationId xmlns:a16="http://schemas.microsoft.com/office/drawing/2014/main" id="{E2D1D5FA-EA0B-4CCD-AB35-DD4DCAC9AAD4}"/>
-              </a:ext>
-            </a:extLst>
-          </p:cNvPr>
+          <p:cNvPr id="25" name="组合 24"/>
           <p:cNvGrpSpPr/>
           <p:nvPr/>
         </p:nvGrpSpPr>
@@ -19356,13 +19204,7 @@
         </p:grpSpPr>
         <p:sp>
           <p:nvSpPr>
-            <p:cNvPr id="26" name="椭圆 25">
-              <a:extLst>
-                <a:ext uri="{FF2B5EF4-FFF2-40B4-BE49-F238E27FC236}">
-                  <a16:creationId xmlns:a16="http://schemas.microsoft.com/office/drawing/2014/main" id="{79F0B1C5-2D3D-4FF4-BC4E-7B3C8475FA13}"/>
-                </a:ext>
-              </a:extLst>
-            </p:cNvPr>
+            <p:cNvPr id="26" name="椭圆 25"/>
             <p:cNvSpPr/>
             <p:nvPr/>
           </p:nvSpPr>
@@ -19422,21 +19264,15 @@
                 <a:solidFill>
                   <a:prstClr val="black"/>
                 </a:solidFill>
-                <a:latin typeface="微软雅黑" panose="020B0503020204020204" charset="-122"/>
-                <a:ea typeface="微软雅黑" panose="020B0503020204020204" charset="-122"/>
+                <a:latin typeface="微软雅黑" pitchFamily="34" charset="-122"/>
+                <a:ea typeface="微软雅黑" pitchFamily="34" charset="-122"/>
               </a:endParaRPr>
             </a:p>
           </p:txBody>
         </p:sp>
         <p:sp>
           <p:nvSpPr>
-            <p:cNvPr id="27" name="KSO_Shape">
-              <a:extLst>
-                <a:ext uri="{FF2B5EF4-FFF2-40B4-BE49-F238E27FC236}">
-                  <a16:creationId xmlns:a16="http://schemas.microsoft.com/office/drawing/2014/main" id="{F9C23AA8-82AA-4D85-A25C-6C1468FEC445}"/>
-                </a:ext>
-              </a:extLst>
-            </p:cNvPr>
+            <p:cNvPr id="27" name="KSO_Shape"/>
             <p:cNvSpPr/>
             <p:nvPr/>
           </p:nvSpPr>
@@ -23207,7 +23043,7 @@
                     <a:schemeClr val="tx1"/>
                   </a:solidFill>
                   <a:latin typeface="Calibri" panose="020F0502020204030204" pitchFamily="34" charset="0"/>
-                  <a:ea typeface="宋体" panose="02010600030101010101" pitchFamily="2" charset="-122"/>
+                  <a:ea typeface="宋体" pitchFamily="2" charset="-122"/>
                   <a:cs typeface="+mn-cs"/>
                 </a:defRPr>
               </a:lvl1pPr>
@@ -23223,7 +23059,7 @@
                     <a:schemeClr val="tx1"/>
                   </a:solidFill>
                   <a:latin typeface="Calibri" panose="020F0502020204030204" pitchFamily="34" charset="0"/>
-                  <a:ea typeface="宋体" panose="02010600030101010101" pitchFamily="2" charset="-122"/>
+                  <a:ea typeface="宋体" pitchFamily="2" charset="-122"/>
                   <a:cs typeface="+mn-cs"/>
                 </a:defRPr>
               </a:lvl2pPr>
@@ -23239,7 +23075,7 @@
                     <a:schemeClr val="tx1"/>
                   </a:solidFill>
                   <a:latin typeface="Calibri" panose="020F0502020204030204" pitchFamily="34" charset="0"/>
-                  <a:ea typeface="宋体" panose="02010600030101010101" pitchFamily="2" charset="-122"/>
+                  <a:ea typeface="宋体" pitchFamily="2" charset="-122"/>
                   <a:cs typeface="+mn-cs"/>
                 </a:defRPr>
               </a:lvl3pPr>
@@ -23255,7 +23091,7 @@
                     <a:schemeClr val="tx1"/>
                   </a:solidFill>
                   <a:latin typeface="Calibri" panose="020F0502020204030204" pitchFamily="34" charset="0"/>
-                  <a:ea typeface="宋体" panose="02010600030101010101" pitchFamily="2" charset="-122"/>
+                  <a:ea typeface="宋体" pitchFamily="2" charset="-122"/>
                   <a:cs typeface="+mn-cs"/>
                 </a:defRPr>
               </a:lvl4pPr>
@@ -23271,7 +23107,7 @@
                     <a:schemeClr val="tx1"/>
                   </a:solidFill>
                   <a:latin typeface="Calibri" panose="020F0502020204030204" pitchFamily="34" charset="0"/>
-                  <a:ea typeface="宋体" panose="02010600030101010101" pitchFamily="2" charset="-122"/>
+                  <a:ea typeface="宋体" pitchFamily="2" charset="-122"/>
                   <a:cs typeface="+mn-cs"/>
                 </a:defRPr>
               </a:lvl5pPr>
@@ -23281,7 +23117,7 @@
                     <a:schemeClr val="tx1"/>
                   </a:solidFill>
                   <a:latin typeface="Calibri" panose="020F0502020204030204" pitchFamily="34" charset="0"/>
-                  <a:ea typeface="宋体" panose="02010600030101010101" pitchFamily="2" charset="-122"/>
+                  <a:ea typeface="宋体" pitchFamily="2" charset="-122"/>
                   <a:cs typeface="+mn-cs"/>
                 </a:defRPr>
               </a:lvl6pPr>
@@ -23291,7 +23127,7 @@
                     <a:schemeClr val="tx1"/>
                   </a:solidFill>
                   <a:latin typeface="Calibri" panose="020F0502020204030204" pitchFamily="34" charset="0"/>
-                  <a:ea typeface="宋体" panose="02010600030101010101" pitchFamily="2" charset="-122"/>
+                  <a:ea typeface="宋体" pitchFamily="2" charset="-122"/>
                   <a:cs typeface="+mn-cs"/>
                 </a:defRPr>
               </a:lvl7pPr>
@@ -23301,7 +23137,7 @@
                     <a:schemeClr val="tx1"/>
                   </a:solidFill>
                   <a:latin typeface="Calibri" panose="020F0502020204030204" pitchFamily="34" charset="0"/>
-                  <a:ea typeface="宋体" panose="02010600030101010101" pitchFamily="2" charset="-122"/>
+                  <a:ea typeface="宋体" pitchFamily="2" charset="-122"/>
                   <a:cs typeface="+mn-cs"/>
                 </a:defRPr>
               </a:lvl8pPr>
@@ -23311,7 +23147,7 @@
                     <a:schemeClr val="tx1"/>
                   </a:solidFill>
                   <a:latin typeface="Calibri" panose="020F0502020204030204" pitchFamily="34" charset="0"/>
-                  <a:ea typeface="宋体" panose="02010600030101010101" pitchFamily="2" charset="-122"/>
+                  <a:ea typeface="宋体" pitchFamily="2" charset="-122"/>
                   <a:cs typeface="+mn-cs"/>
                 </a:defRPr>
               </a:lvl9pPr>
@@ -23324,8 +23160,8 @@
                 <a:solidFill>
                   <a:srgbClr val="FFFFFF"/>
                 </a:solidFill>
-                <a:latin typeface="微软雅黑" panose="020B0503020204020204" charset="-122"/>
-                <a:ea typeface="微软雅黑" panose="020B0503020204020204" charset="-122"/>
+                <a:latin typeface="微软雅黑" pitchFamily="34" charset="-122"/>
+                <a:ea typeface="微软雅黑" pitchFamily="34" charset="-122"/>
               </a:endParaRPr>
             </a:p>
           </p:txBody>
@@ -23333,13 +23169,7 @@
       </p:grpSp>
       <p:grpSp>
         <p:nvGrpSpPr>
-          <p:cNvPr id="28" name="组合 27">
-            <a:extLst>
-              <a:ext uri="{FF2B5EF4-FFF2-40B4-BE49-F238E27FC236}">
-                <a16:creationId xmlns:a16="http://schemas.microsoft.com/office/drawing/2014/main" id="{33B5B911-19DA-4D61-967A-4D052083D9F2}"/>
-              </a:ext>
-            </a:extLst>
-          </p:cNvPr>
+          <p:cNvPr id="28" name="组合 27"/>
           <p:cNvGrpSpPr/>
           <p:nvPr/>
         </p:nvGrpSpPr>
@@ -23353,13 +23183,7 @@
         </p:grpSpPr>
         <p:sp>
           <p:nvSpPr>
-            <p:cNvPr id="29" name="椭圆 28">
-              <a:extLst>
-                <a:ext uri="{FF2B5EF4-FFF2-40B4-BE49-F238E27FC236}">
-                  <a16:creationId xmlns:a16="http://schemas.microsoft.com/office/drawing/2014/main" id="{FEF63DF4-9104-4AA2-94D8-3613D03241AC}"/>
-                </a:ext>
-              </a:extLst>
-            </p:cNvPr>
+            <p:cNvPr id="29" name="椭圆 28"/>
             <p:cNvSpPr/>
             <p:nvPr/>
           </p:nvSpPr>
@@ -23419,21 +23243,15 @@
                 <a:solidFill>
                   <a:prstClr val="black"/>
                 </a:solidFill>
-                <a:latin typeface="微软雅黑" panose="020B0503020204020204" charset="-122"/>
-                <a:ea typeface="微软雅黑" panose="020B0503020204020204" charset="-122"/>
+                <a:latin typeface="微软雅黑" pitchFamily="34" charset="-122"/>
+                <a:ea typeface="微软雅黑" pitchFamily="34" charset="-122"/>
               </a:endParaRPr>
             </a:p>
           </p:txBody>
         </p:sp>
         <p:sp>
           <p:nvSpPr>
-            <p:cNvPr id="30" name="KSO_Shape">
-              <a:extLst>
-                <a:ext uri="{FF2B5EF4-FFF2-40B4-BE49-F238E27FC236}">
-                  <a16:creationId xmlns:a16="http://schemas.microsoft.com/office/drawing/2014/main" id="{F4D2865A-960A-4273-B9C4-F56C37E59598}"/>
-                </a:ext>
-              </a:extLst>
-            </p:cNvPr>
+            <p:cNvPr id="30" name="KSO_Shape"/>
             <p:cNvSpPr/>
             <p:nvPr/>
           </p:nvSpPr>
@@ -29850,7 +29668,7 @@
                     <a:schemeClr val="tx1"/>
                   </a:solidFill>
                   <a:latin typeface="Calibri" panose="020F0502020204030204" pitchFamily="34" charset="0"/>
-                  <a:ea typeface="宋体" panose="02010600030101010101" pitchFamily="2" charset="-122"/>
+                  <a:ea typeface="宋体" pitchFamily="2" charset="-122"/>
                   <a:cs typeface="+mn-cs"/>
                 </a:defRPr>
               </a:lvl1pPr>
@@ -29866,7 +29684,7 @@
                     <a:schemeClr val="tx1"/>
                   </a:solidFill>
                   <a:latin typeface="Calibri" panose="020F0502020204030204" pitchFamily="34" charset="0"/>
-                  <a:ea typeface="宋体" panose="02010600030101010101" pitchFamily="2" charset="-122"/>
+                  <a:ea typeface="宋体" pitchFamily="2" charset="-122"/>
                   <a:cs typeface="+mn-cs"/>
                 </a:defRPr>
               </a:lvl2pPr>
@@ -29882,7 +29700,7 @@
                     <a:schemeClr val="tx1"/>
                   </a:solidFill>
                   <a:latin typeface="Calibri" panose="020F0502020204030204" pitchFamily="34" charset="0"/>
-                  <a:ea typeface="宋体" panose="02010600030101010101" pitchFamily="2" charset="-122"/>
+                  <a:ea typeface="宋体" pitchFamily="2" charset="-122"/>
                   <a:cs typeface="+mn-cs"/>
                 </a:defRPr>
               </a:lvl3pPr>
@@ -29898,7 +29716,7 @@
                     <a:schemeClr val="tx1"/>
                   </a:solidFill>
                   <a:latin typeface="Calibri" panose="020F0502020204030204" pitchFamily="34" charset="0"/>
-                  <a:ea typeface="宋体" panose="02010600030101010101" pitchFamily="2" charset="-122"/>
+                  <a:ea typeface="宋体" pitchFamily="2" charset="-122"/>
                   <a:cs typeface="+mn-cs"/>
                 </a:defRPr>
               </a:lvl4pPr>
@@ -29914,7 +29732,7 @@
                     <a:schemeClr val="tx1"/>
                   </a:solidFill>
                   <a:latin typeface="Calibri" panose="020F0502020204030204" pitchFamily="34" charset="0"/>
-                  <a:ea typeface="宋体" panose="02010600030101010101" pitchFamily="2" charset="-122"/>
+                  <a:ea typeface="宋体" pitchFamily="2" charset="-122"/>
                   <a:cs typeface="+mn-cs"/>
                 </a:defRPr>
               </a:lvl5pPr>
@@ -29924,7 +29742,7 @@
                     <a:schemeClr val="tx1"/>
                   </a:solidFill>
                   <a:latin typeface="Calibri" panose="020F0502020204030204" pitchFamily="34" charset="0"/>
-                  <a:ea typeface="宋体" panose="02010600030101010101" pitchFamily="2" charset="-122"/>
+                  <a:ea typeface="宋体" pitchFamily="2" charset="-122"/>
                   <a:cs typeface="+mn-cs"/>
                 </a:defRPr>
               </a:lvl6pPr>
@@ -29934,7 +29752,7 @@
                     <a:schemeClr val="tx1"/>
                   </a:solidFill>
                   <a:latin typeface="Calibri" panose="020F0502020204030204" pitchFamily="34" charset="0"/>
-                  <a:ea typeface="宋体" panose="02010600030101010101" pitchFamily="2" charset="-122"/>
+                  <a:ea typeface="宋体" pitchFamily="2" charset="-122"/>
                   <a:cs typeface="+mn-cs"/>
                 </a:defRPr>
               </a:lvl7pPr>
@@ -29944,7 +29762,7 @@
                     <a:schemeClr val="tx1"/>
                   </a:solidFill>
                   <a:latin typeface="Calibri" panose="020F0502020204030204" pitchFamily="34" charset="0"/>
-                  <a:ea typeface="宋体" panose="02010600030101010101" pitchFamily="2" charset="-122"/>
+                  <a:ea typeface="宋体" pitchFamily="2" charset="-122"/>
                   <a:cs typeface="+mn-cs"/>
                 </a:defRPr>
               </a:lvl8pPr>
@@ -29954,7 +29772,7 @@
                     <a:schemeClr val="tx1"/>
                   </a:solidFill>
                   <a:latin typeface="Calibri" panose="020F0502020204030204" pitchFamily="34" charset="0"/>
-                  <a:ea typeface="宋体" panose="02010600030101010101" pitchFamily="2" charset="-122"/>
+                  <a:ea typeface="宋体" pitchFamily="2" charset="-122"/>
                   <a:cs typeface="+mn-cs"/>
                 </a:defRPr>
               </a:lvl9pPr>
@@ -29967,8 +29785,8 @@
                 <a:solidFill>
                   <a:srgbClr val="FFFFFF"/>
                 </a:solidFill>
-                <a:latin typeface="微软雅黑" panose="020B0503020204020204" charset="-122"/>
-                <a:ea typeface="微软雅黑" panose="020B0503020204020204" charset="-122"/>
+                <a:latin typeface="微软雅黑" pitchFamily="34" charset="-122"/>
+                <a:ea typeface="微软雅黑" pitchFamily="34" charset="-122"/>
               </a:endParaRPr>
             </a:p>
           </p:txBody>
@@ -30967,6 +30785,20 @@
               </a:rPr>
               <a:t>中英文术语对照</a:t>
             </a:r>
+            <a:endParaRPr kumimoji="0" lang="zh-CN" altLang="en-US" sz="4400" b="1" i="0" u="none" strike="noStrike" kern="1200" cap="none" spc="0" normalizeH="0" baseline="0" noProof="0" dirty="0">
+              <a:ln>
+                <a:noFill/>
+              </a:ln>
+              <a:solidFill>
+                <a:srgbClr val="FDCB34"/>
+              </a:solidFill>
+              <a:effectLst/>
+              <a:uLnTx/>
+              <a:uFillTx/>
+              <a:latin typeface="微软雅黑" pitchFamily="34" charset="-122"/>
+              <a:ea typeface="微软雅黑" pitchFamily="34" charset="-122"/>
+              <a:cs typeface="+mn-cs"/>
+            </a:endParaRPr>
           </a:p>
         </p:txBody>
       </p:sp>
@@ -31181,13 +31013,13 @@
   <p:clrMapOvr>
     <a:masterClrMapping/>
   </p:clrMapOvr>
-  <mc:AlternateContent xmlns:mc="http://schemas.openxmlformats.org/markup-compatibility/2006" xmlns:p14="http://schemas.microsoft.com/office/powerpoint/2010/main">
-    <mc:Choice Requires="p14">
+  <mc:AlternateContent xmlns:mc="http://schemas.openxmlformats.org/markup-compatibility/2006">
+    <mc:Choice xmlns:p14="http://schemas.microsoft.com/office/powerpoint/2010/main" Requires="p14">
       <p:transition p14:dur="100">
         <p:cut/>
       </p:transition>
     </mc:Choice>
-    <mc:Fallback xmlns="">
+    <mc:Fallback>
       <p:transition>
         <p:cut/>
       </p:transition>
@@ -31232,6 +31064,7 @@
               <a:rPr lang="zh-CN" altLang="en-US" dirty="0"/>
               <a:t>中英文术语对照</a:t>
             </a:r>
+            <a:endParaRPr lang="zh-CN" altLang="en-US" dirty="0"/>
           </a:p>
         </p:txBody>
       </p:sp>
@@ -31283,7 +31116,6 @@
                 <a:ea typeface="华文中宋" charset="0"/>
                 <a:cs typeface="+mn-cs"/>
               </a:rPr>
-              <a:t>18</a:t>
             </a:fld>
             <a:endParaRPr kumimoji="0" lang="en-US" altLang="zh-CN" sz="1200" b="1" i="0" u="none" strike="noStrike" kern="1200" cap="none" spc="0" normalizeH="0" baseline="0" noProof="0" dirty="0">
               <a:ln>
@@ -31350,6 +31182,7 @@
               <a:rPr lang="en-US" altLang="zh-CN" sz="3200" dirty="0"/>
               <a:t>Generative Adversarial Networks</a:t>
             </a:r>
+            <a:endParaRPr lang="en-US" altLang="zh-CN" sz="3200" dirty="0"/>
           </a:p>
           <a:p>
             <a:pPr>
@@ -31438,7 +31271,7 @@
     <p:bg>
       <p:bgPr>
         <a:blipFill dpi="0" rotWithShape="1">
-          <a:blip r:embed="rId3" cstate="screen">
+          <a:blip r:embed="rId1" cstate="screen">
             <a:lum/>
           </a:blip>
           <a:srcRect/>
@@ -31472,7 +31305,7 @@
           <p:nvPr/>
         </p:nvPicPr>
         <p:blipFill>
-          <a:blip r:embed="rId4" cstate="screen"/>
+          <a:blip r:embed="rId2" cstate="screen"/>
           <a:stretch>
             <a:fillRect/>
           </a:stretch>
@@ -31496,7 +31329,7 @@
           <p:nvPr/>
         </p:nvPicPr>
         <p:blipFill>
-          <a:blip r:embed="rId5"/>
+          <a:blip r:embed="rId3"/>
           <a:stretch>
             <a:fillRect/>
           </a:stretch>
@@ -31559,7 +31392,6 @@
                 <a:ea typeface="华文中宋" charset="0"/>
                 <a:cs typeface="+mn-cs"/>
               </a:rPr>
-              <a:t>19</a:t>
             </a:fld>
             <a:endParaRPr kumimoji="0" lang="en-US" altLang="zh-CN" sz="1200" b="1" i="0" u="none" strike="noStrike" kern="1200" cap="none" spc="0" normalizeH="0" baseline="0" noProof="0">
               <a:ln>
@@ -31585,13 +31417,13 @@
   <p:clrMapOvr>
     <a:masterClrMapping/>
   </p:clrMapOvr>
-  <mc:AlternateContent xmlns:mc="http://schemas.openxmlformats.org/markup-compatibility/2006" xmlns:p14="http://schemas.microsoft.com/office/powerpoint/2010/main">
-    <mc:Choice Requires="p14">
+  <mc:AlternateContent xmlns:mc="http://schemas.openxmlformats.org/markup-compatibility/2006">
+    <mc:Choice xmlns:p14="http://schemas.microsoft.com/office/powerpoint/2010/main" Requires="p14">
       <p:transition spd="slow" p14:dur="1500">
         <p:split orient="vert"/>
       </p:transition>
     </mc:Choice>
-    <mc:Fallback xmlns="">
+    <mc:Fallback>
       <p:transition spd="slow">
         <p:split orient="vert"/>
       </p:transition>
@@ -33423,6 +33255,20 @@
               </a:rPr>
               <a:t>的背景</a:t>
             </a:r>
+            <a:endParaRPr kumimoji="0" lang="zh-CN" altLang="en-US" sz="3000" b="1" i="0" u="none" strike="noStrike" kern="1200" cap="none" spc="0" normalizeH="0" baseline="0" noProof="0" dirty="0">
+              <a:ln>
+                <a:noFill/>
+              </a:ln>
+              <a:solidFill>
+                <a:srgbClr val="3C3C3C"/>
+              </a:solidFill>
+              <a:effectLst/>
+              <a:uLnTx/>
+              <a:uFillTx/>
+              <a:latin typeface="微软雅黑" pitchFamily="34" charset="-122"/>
+              <a:ea typeface="微软雅黑" pitchFamily="34" charset="-122"/>
+              <a:cs typeface="+mn-cs"/>
+            </a:endParaRPr>
           </a:p>
         </p:txBody>
       </p:sp>
@@ -35158,11 +35004,11 @@
             </a:pathLst>
           </a:custGeom>
           <a:blipFill dpi="0" rotWithShape="1">
-            <a:blip r:embed="rId3" cstate="screen">
+            <a:blip r:embed="rId1" cstate="screen">
               <a:extLst>
                 <a:ext uri="{BEBA8EAE-BF5A-486C-A8C5-ECC9F3942E4B}">
                   <a14:imgProps xmlns:a14="http://schemas.microsoft.com/office/drawing/2010/main">
-                    <a14:imgLayer r:embed="rId4">
+                    <a14:imgLayer r:embed="rId2">
                       <a14:imgEffect>
                         <a14:colorTemperature colorTemp="5900"/>
                       </a14:imgEffect>
@@ -35703,6 +35549,20 @@
               </a:rPr>
               <a:t>目录</a:t>
             </a:r>
+            <a:endParaRPr kumimoji="0" lang="zh-CN" altLang="en-US" sz="2800" b="0" i="0" u="none" strike="noStrike" kern="1200" cap="none" spc="0" normalizeH="0" baseline="0" noProof="0" dirty="0">
+              <a:ln>
+                <a:noFill/>
+              </a:ln>
+              <a:solidFill>
+                <a:srgbClr val="FFFFFF"/>
+              </a:solidFill>
+              <a:effectLst/>
+              <a:uLnTx/>
+              <a:uFillTx/>
+              <a:latin typeface="微软雅黑" pitchFamily="34" charset="-122"/>
+              <a:ea typeface="微软雅黑" pitchFamily="34" charset="-122"/>
+              <a:cs typeface="+mn-cs"/>
+            </a:endParaRPr>
           </a:p>
         </p:txBody>
       </p:sp>
@@ -35921,7 +35781,7 @@
           <p:nvPr/>
         </p:nvPicPr>
         <p:blipFill>
-          <a:blip r:embed="rId5" cstate="screen"/>
+          <a:blip r:embed="rId3" cstate="screen"/>
           <a:srcRect/>
           <a:stretch>
             <a:fillRect/>
@@ -36406,7 +36266,6 @@
                 <a:ea typeface="华文中宋" charset="0"/>
                 <a:cs typeface="+mn-cs"/>
               </a:rPr>
-              <a:t>2</a:t>
             </a:fld>
             <a:endParaRPr kumimoji="0" lang="en-US" altLang="zh-CN" sz="1200" b="1" i="0" u="none" strike="noStrike" kern="1200" cap="none" spc="0" normalizeH="0" baseline="0" noProof="0" dirty="0">
               <a:ln>
@@ -36432,13 +36291,13 @@
   <p:clrMapOvr>
     <a:masterClrMapping/>
   </p:clrMapOvr>
-  <mc:AlternateContent xmlns:mc="http://schemas.openxmlformats.org/markup-compatibility/2006" xmlns:p14="http://schemas.microsoft.com/office/powerpoint/2010/main">
-    <mc:Choice Requires="p14">
+  <mc:AlternateContent xmlns:mc="http://schemas.openxmlformats.org/markup-compatibility/2006">
+    <mc:Choice xmlns:p14="http://schemas.microsoft.com/office/powerpoint/2010/main" Requires="p14">
       <p:transition p14:dur="100">
         <p:cut/>
       </p:transition>
     </mc:Choice>
-    <mc:Fallback xmlns="">
+    <mc:Fallback>
       <p:transition>
         <p:cut/>
       </p:transition>
@@ -37126,6 +36985,20 @@
               </a:rPr>
               <a:t>生成式对抗网络的基本概念</a:t>
             </a:r>
+            <a:endParaRPr kumimoji="0" lang="zh-CN" altLang="en-US" sz="4400" b="1" i="0" u="none" strike="noStrike" kern="1200" cap="none" spc="0" normalizeH="0" baseline="0" noProof="0" dirty="0">
+              <a:ln>
+                <a:noFill/>
+              </a:ln>
+              <a:solidFill>
+                <a:srgbClr val="FDCB34"/>
+              </a:solidFill>
+              <a:effectLst/>
+              <a:uLnTx/>
+              <a:uFillTx/>
+              <a:latin typeface="微软雅黑" pitchFamily="34" charset="-122"/>
+              <a:ea typeface="微软雅黑" pitchFamily="34" charset="-122"/>
+              <a:cs typeface="+mn-cs"/>
+            </a:endParaRPr>
           </a:p>
         </p:txBody>
       </p:sp>
@@ -37340,13 +37213,13 @@
   <p:clrMapOvr>
     <a:masterClrMapping/>
   </p:clrMapOvr>
-  <mc:AlternateContent xmlns:mc="http://schemas.openxmlformats.org/markup-compatibility/2006" xmlns:p14="http://schemas.microsoft.com/office/powerpoint/2010/main">
-    <mc:Choice Requires="p14">
+  <mc:AlternateContent xmlns:mc="http://schemas.openxmlformats.org/markup-compatibility/2006">
+    <mc:Choice xmlns:p14="http://schemas.microsoft.com/office/powerpoint/2010/main" Requires="p14">
       <p:transition p14:dur="100">
         <p:cut/>
       </p:transition>
     </mc:Choice>
-    <mc:Fallback xmlns="">
+    <mc:Fallback>
       <p:transition>
         <p:cut/>
       </p:transition>
@@ -37450,7 +37323,6 @@
                 <a:ea typeface="华文中宋" charset="0"/>
                 <a:cs typeface="+mn-cs"/>
               </a:rPr>
-              <a:t>4</a:t>
             </a:fld>
             <a:endParaRPr kumimoji="0" lang="en-US" altLang="zh-CN" sz="1200" b="1" i="0" u="none" strike="noStrike" kern="1200" cap="none" spc="0" normalizeH="0" baseline="0" noProof="0">
               <a:ln>
@@ -37473,20 +37345,14 @@
       </p:sp>
       <p:pic>
         <p:nvPicPr>
-          <p:cNvPr id="4" name="Picture 4">
-            <a:extLst>
-              <a:ext uri="{FF2B5EF4-FFF2-40B4-BE49-F238E27FC236}">
-                <a16:creationId xmlns:a16="http://schemas.microsoft.com/office/drawing/2014/main" id="{68C88870-1013-4E89-97A8-8462DB05BFBF}"/>
-              </a:ext>
-            </a:extLst>
-          </p:cNvPr>
+          <p:cNvPr id="4" name="Picture 4"/>
           <p:cNvPicPr>
             <a:picLocks noChangeAspect="1" noChangeArrowheads="1"/>
           </p:cNvPicPr>
           <p:nvPr/>
         </p:nvPicPr>
         <p:blipFill>
-          <a:blip r:embed="rId3" cstate="print"/>
+          <a:blip r:embed="rId1" cstate="print"/>
           <a:srcRect/>
           <a:stretch>
             <a:fillRect/>
@@ -37500,10 +37366,6 @@
           <a:prstGeom prst="rect">
             <a:avLst/>
           </a:prstGeom>
-          <a:ln>
-            <a:headEnd/>
-            <a:tailEnd/>
-          </a:ln>
           <a:scene3d>
             <a:camera prst="perspectiveRight"/>
             <a:lightRig rig="threePt" dir="t"/>
@@ -37526,13 +37388,7 @@
       </p:pic>
       <p:sp>
         <p:nvSpPr>
-          <p:cNvPr id="5" name="TextBox 8">
-            <a:extLst>
-              <a:ext uri="{FF2B5EF4-FFF2-40B4-BE49-F238E27FC236}">
-                <a16:creationId xmlns:a16="http://schemas.microsoft.com/office/drawing/2014/main" id="{C93DFE7D-9E8F-4411-A230-B599EAA31275}"/>
-              </a:ext>
-            </a:extLst>
-          </p:cNvPr>
+          <p:cNvPr id="5" name="TextBox 8"/>
           <p:cNvSpPr txBox="1"/>
           <p:nvPr/>
         </p:nvSpPr>
@@ -37752,18 +37608,17 @@
               </a:rPr>
               <a:t>年来机器学习领域最酷的想法”。</a:t>
             </a:r>
+            <a:endParaRPr lang="zh-CN" altLang="en-US" sz="2400" b="1" dirty="0">
+              <a:solidFill>
+                <a:srgbClr val="C00000"/>
+              </a:solidFill>
+            </a:endParaRPr>
           </a:p>
         </p:txBody>
       </p:sp>
       <p:sp>
         <p:nvSpPr>
-          <p:cNvPr id="6" name="TextBox 9">
-            <a:extLst>
-              <a:ext uri="{FF2B5EF4-FFF2-40B4-BE49-F238E27FC236}">
-                <a16:creationId xmlns:a16="http://schemas.microsoft.com/office/drawing/2014/main" id="{2579D61D-FEAC-40DB-B74A-44F0653FD60A}"/>
-              </a:ext>
-            </a:extLst>
-          </p:cNvPr>
+          <p:cNvPr id="6" name="TextBox 9"/>
           <p:cNvSpPr txBox="1"/>
           <p:nvPr/>
         </p:nvSpPr>
@@ -37954,7 +37809,6 @@
                 <a:ea typeface="华文中宋" charset="0"/>
                 <a:cs typeface="+mn-cs"/>
               </a:rPr>
-              <a:t>5</a:t>
             </a:fld>
             <a:endParaRPr kumimoji="0" lang="en-US" altLang="zh-CN" sz="1200" b="1" i="0" u="none" strike="noStrike" kern="1200" cap="none" spc="0" normalizeH="0" baseline="0" noProof="0">
               <a:ln>
@@ -37977,13 +37831,7 @@
       </p:sp>
       <p:sp>
         <p:nvSpPr>
-          <p:cNvPr id="4" name="TextBox 2">
-            <a:extLst>
-              <a:ext uri="{FF2B5EF4-FFF2-40B4-BE49-F238E27FC236}">
-                <a16:creationId xmlns:a16="http://schemas.microsoft.com/office/drawing/2014/main" id="{5FD7E343-5CEA-4412-9ED8-9B1A395BF7A0}"/>
-              </a:ext>
-            </a:extLst>
-          </p:cNvPr>
+          <p:cNvPr id="4" name="TextBox 2"/>
           <p:cNvSpPr txBox="1"/>
           <p:nvPr/>
         </p:nvSpPr>
@@ -38135,25 +37983,20 @@
               <a:rPr lang="zh-CN" altLang="en-US" sz="2400" dirty="0"/>
               <a:t>，我们认为，沿着这条路走下去，有不小的成功的机会能开发出更智慧的ＡＩ。“</a:t>
             </a:r>
+            <a:endParaRPr lang="zh-CN" altLang="en-US" sz="2400" dirty="0"/>
           </a:p>
         </p:txBody>
       </p:sp>
       <p:pic>
         <p:nvPicPr>
-          <p:cNvPr id="5" name="Picture 2">
-            <a:extLst>
-              <a:ext uri="{FF2B5EF4-FFF2-40B4-BE49-F238E27FC236}">
-                <a16:creationId xmlns:a16="http://schemas.microsoft.com/office/drawing/2014/main" id="{4F9ADB4A-70C0-45DA-A95A-C0906982B28E}"/>
-              </a:ext>
-            </a:extLst>
-          </p:cNvPr>
+          <p:cNvPr id="5" name="Picture 2"/>
           <p:cNvPicPr>
             <a:picLocks noChangeAspect="1" noChangeArrowheads="1"/>
           </p:cNvPicPr>
           <p:nvPr/>
         </p:nvPicPr>
         <p:blipFill>
-          <a:blip r:embed="rId3" cstate="print"/>
+          <a:blip r:embed="rId1" cstate="print"/>
           <a:srcRect/>
           <a:stretch>
             <a:fillRect/>
@@ -38178,13 +38021,7 @@
       </p:pic>
       <p:sp>
         <p:nvSpPr>
-          <p:cNvPr id="6" name="TextBox 6">
-            <a:extLst>
-              <a:ext uri="{FF2B5EF4-FFF2-40B4-BE49-F238E27FC236}">
-                <a16:creationId xmlns:a16="http://schemas.microsoft.com/office/drawing/2014/main" id="{E20467FC-E145-4855-B551-F2E64FA10C5F}"/>
-              </a:ext>
-            </a:extLst>
-          </p:cNvPr>
+          <p:cNvPr id="6" name="TextBox 6"/>
           <p:cNvSpPr txBox="1"/>
           <p:nvPr/>
         </p:nvSpPr>
@@ -39182,13 +39019,13 @@
   <p:clrMapOvr>
     <a:masterClrMapping/>
   </p:clrMapOvr>
-  <mc:AlternateContent xmlns:mc="http://schemas.openxmlformats.org/markup-compatibility/2006" xmlns:p14="http://schemas.microsoft.com/office/powerpoint/2010/main">
-    <mc:Choice Requires="p14">
+  <mc:AlternateContent xmlns:mc="http://schemas.openxmlformats.org/markup-compatibility/2006">
+    <mc:Choice xmlns:p14="http://schemas.microsoft.com/office/powerpoint/2010/main" Requires="p14">
       <p:transition p14:dur="100">
         <p:cut/>
       </p:transition>
     </mc:Choice>
-    <mc:Fallback xmlns="">
+    <mc:Fallback>
       <p:transition>
         <p:cut/>
       </p:transition>
@@ -39242,6 +39079,7 @@
               <a:rPr lang="zh-CN" altLang="en-US" dirty="0"/>
               <a:t>模型</a:t>
             </a:r>
+            <a:endParaRPr lang="zh-CN" altLang="en-US" dirty="0"/>
           </a:p>
         </p:txBody>
       </p:sp>
@@ -39293,7 +39131,6 @@
                 <a:ea typeface="华文中宋" charset="0"/>
                 <a:cs typeface="+mn-cs"/>
               </a:rPr>
-              <a:t>7</a:t>
             </a:fld>
             <a:endParaRPr kumimoji="0" lang="en-US" altLang="zh-CN" sz="1200" b="1" i="0" u="none" strike="noStrike" kern="1200" cap="none" spc="0" normalizeH="0" baseline="0" noProof="0">
               <a:ln>
@@ -39316,13 +39153,7 @@
       </p:sp>
       <p:sp>
         <p:nvSpPr>
-          <p:cNvPr id="23" name="流程图: 磁盘 22">
-            <a:extLst>
-              <a:ext uri="{FF2B5EF4-FFF2-40B4-BE49-F238E27FC236}">
-                <a16:creationId xmlns:a16="http://schemas.microsoft.com/office/drawing/2014/main" id="{3D3E0650-5929-437A-AEF9-FCCBC98EDD93}"/>
-              </a:ext>
-            </a:extLst>
-          </p:cNvPr>
+          <p:cNvPr id="23" name="流程图: 磁盘 22"/>
           <p:cNvSpPr/>
           <p:nvPr/>
         </p:nvSpPr>
@@ -39334,7 +39165,6 @@
           <a:prstGeom prst="flowChartMagneticDisk">
             <a:avLst/>
           </a:prstGeom>
-          <a:ln/>
         </p:spPr>
         <p:style>
           <a:lnRef idx="2">
@@ -39377,7 +39207,7 @@
                   <a:schemeClr val="tx1"/>
                 </a:solidFill>
                 <a:latin typeface="Arial" panose="020B0604020202020204"/>
-                <a:ea typeface="微软雅黑" panose="020B0503020204020204" charset="-122"/>
+                <a:ea typeface="微软雅黑" pitchFamily="34" charset="-122"/>
               </a:rPr>
               <a:t>真实世界数据</a:t>
             </a:r>
@@ -39387,7 +39217,7 @@
                   <a:schemeClr val="tx1"/>
                 </a:solidFill>
                 <a:latin typeface="Arial" panose="020B0604020202020204"/>
-                <a:ea typeface="微软雅黑" panose="020B0503020204020204" charset="-122"/>
+                <a:ea typeface="微软雅黑" pitchFamily="34" charset="-122"/>
               </a:rPr>
               <a:t>(x)</a:t>
             </a:r>
@@ -39396,20 +39226,14 @@
                 <a:schemeClr val="tx1"/>
               </a:solidFill>
               <a:latin typeface="Arial" panose="020B0604020202020204"/>
-              <a:ea typeface="微软雅黑" panose="020B0503020204020204" charset="-122"/>
+              <a:ea typeface="微软雅黑" pitchFamily="34" charset="-122"/>
             </a:endParaRPr>
           </a:p>
         </p:txBody>
       </p:sp>
       <p:sp>
         <p:nvSpPr>
-          <p:cNvPr id="24" name="椭圆 23">
-            <a:extLst>
-              <a:ext uri="{FF2B5EF4-FFF2-40B4-BE49-F238E27FC236}">
-                <a16:creationId xmlns:a16="http://schemas.microsoft.com/office/drawing/2014/main" id="{2AA72BA9-2993-401B-8CF6-83BFDC6AE9AC}"/>
-              </a:ext>
-            </a:extLst>
-          </p:cNvPr>
+          <p:cNvPr id="24" name="椭圆 23"/>
           <p:cNvSpPr/>
           <p:nvPr/>
         </p:nvSpPr>
@@ -39421,7 +39245,6 @@
           <a:prstGeom prst="ellipse">
             <a:avLst/>
           </a:prstGeom>
-          <a:ln/>
         </p:spPr>
         <p:style>
           <a:lnRef idx="0">
@@ -39459,7 +39282,7 @@
             <a:r>
               <a:rPr lang="zh-CN" altLang="en-US" kern="0" dirty="0">
                 <a:latin typeface="Arial" panose="020B0604020202020204"/>
-                <a:ea typeface="微软雅黑" panose="020B0503020204020204" charset="-122"/>
+                <a:ea typeface="微软雅黑" pitchFamily="34" charset="-122"/>
               </a:rPr>
               <a:t>采样</a:t>
             </a:r>
@@ -39471,20 +39294,14 @@
               <a:uLnTx/>
               <a:uFillTx/>
               <a:latin typeface="Arial" panose="020B0604020202020204"/>
-              <a:ea typeface="微软雅黑" panose="020B0503020204020204" charset="-122"/>
+              <a:ea typeface="微软雅黑" pitchFamily="34" charset="-122"/>
             </a:endParaRPr>
           </a:p>
         </p:txBody>
       </p:sp>
       <p:sp>
         <p:nvSpPr>
-          <p:cNvPr id="25" name="矩形 24">
-            <a:extLst>
-              <a:ext uri="{FF2B5EF4-FFF2-40B4-BE49-F238E27FC236}">
-                <a16:creationId xmlns:a16="http://schemas.microsoft.com/office/drawing/2014/main" id="{EE9EE436-4AF3-4A6A-8714-F809D5EC75FA}"/>
-              </a:ext>
-            </a:extLst>
-          </p:cNvPr>
+          <p:cNvPr id="25" name="矩形 24"/>
           <p:cNvSpPr/>
           <p:nvPr/>
         </p:nvSpPr>
@@ -39496,7 +39313,6 @@
           <a:prstGeom prst="rect">
             <a:avLst/>
           </a:prstGeom>
-          <a:ln/>
         </p:spPr>
         <p:style>
           <a:lnRef idx="1">
@@ -39543,7 +39359,7 @@
                 <a:uLnTx/>
                 <a:uFillTx/>
                 <a:latin typeface="Arial" panose="020B0604020202020204"/>
-                <a:ea typeface="微软雅黑" panose="020B0503020204020204" charset="-122"/>
+                <a:ea typeface="微软雅黑" pitchFamily="34" charset="-122"/>
               </a:rPr>
               <a:t>判别模型</a:t>
             </a:r>
@@ -39559,7 +39375,7 @@
                 <a:uLnTx/>
                 <a:uFillTx/>
                 <a:latin typeface="Arial" panose="020B0604020202020204"/>
-                <a:ea typeface="微软雅黑" panose="020B0503020204020204" charset="-122"/>
+                <a:ea typeface="微软雅黑" pitchFamily="34" charset="-122"/>
               </a:rPr>
               <a:t>(D)</a:t>
             </a:r>
@@ -39574,20 +39390,14 @@
               <a:uLnTx/>
               <a:uFillTx/>
               <a:latin typeface="Arial" panose="020B0604020202020204"/>
-              <a:ea typeface="微软雅黑" panose="020B0503020204020204" charset="-122"/>
+              <a:ea typeface="微软雅黑" pitchFamily="34" charset="-122"/>
             </a:endParaRPr>
           </a:p>
         </p:txBody>
       </p:sp>
       <p:sp>
         <p:nvSpPr>
-          <p:cNvPr id="26" name="单圆角矩形 6">
-            <a:extLst>
-              <a:ext uri="{FF2B5EF4-FFF2-40B4-BE49-F238E27FC236}">
-                <a16:creationId xmlns:a16="http://schemas.microsoft.com/office/drawing/2014/main" id="{EF5D671F-88A1-4244-856B-00FB04A5B32A}"/>
-              </a:ext>
-            </a:extLst>
-          </p:cNvPr>
+          <p:cNvPr id="26" name="单圆角矩形 6"/>
           <p:cNvSpPr/>
           <p:nvPr/>
         </p:nvSpPr>
@@ -39645,7 +39455,7 @@
                 <a:uLnTx/>
                 <a:uFillTx/>
                 <a:latin typeface="Arial" panose="020B0604020202020204"/>
-                <a:ea typeface="微软雅黑" panose="020B0503020204020204" charset="-122"/>
+                <a:ea typeface="微软雅黑" pitchFamily="34" charset="-122"/>
               </a:rPr>
               <a:t>随机噪声</a:t>
             </a:r>
@@ -39658,7 +39468,7 @@
                 <a:uLnTx/>
                 <a:uFillTx/>
                 <a:latin typeface="Arial" panose="020B0604020202020204"/>
-                <a:ea typeface="微软雅黑" panose="020B0503020204020204" charset="-122"/>
+                <a:ea typeface="微软雅黑" pitchFamily="34" charset="-122"/>
               </a:rPr>
               <a:t>(z)</a:t>
             </a:r>
@@ -39670,20 +39480,14 @@
               <a:uLnTx/>
               <a:uFillTx/>
               <a:latin typeface="Arial" panose="020B0604020202020204"/>
-              <a:ea typeface="微软雅黑" panose="020B0503020204020204" charset="-122"/>
+              <a:ea typeface="微软雅黑" pitchFamily="34" charset="-122"/>
             </a:endParaRPr>
           </a:p>
         </p:txBody>
       </p:sp>
       <p:sp>
         <p:nvSpPr>
-          <p:cNvPr id="27" name="矩形 26">
-            <a:extLst>
-              <a:ext uri="{FF2B5EF4-FFF2-40B4-BE49-F238E27FC236}">
-                <a16:creationId xmlns:a16="http://schemas.microsoft.com/office/drawing/2014/main" id="{D56CF2C0-BCD2-49E0-BB2E-71C175B61CAE}"/>
-              </a:ext>
-            </a:extLst>
-          </p:cNvPr>
+          <p:cNvPr id="27" name="矩形 26"/>
           <p:cNvSpPr/>
           <p:nvPr/>
         </p:nvSpPr>
@@ -39695,7 +39499,6 @@
           <a:prstGeom prst="rect">
             <a:avLst/>
           </a:prstGeom>
-          <a:ln/>
         </p:spPr>
         <p:style>
           <a:lnRef idx="1">
@@ -39719,7 +39522,7 @@
             <a:r>
               <a:rPr lang="zh-CN" altLang="en-US" kern="0" dirty="0">
                 <a:latin typeface="Arial" panose="020B0604020202020204"/>
-                <a:ea typeface="微软雅黑" panose="020B0503020204020204" charset="-122"/>
+                <a:ea typeface="微软雅黑" pitchFamily="34" charset="-122"/>
                 <a:cs typeface="+mn-cs"/>
               </a:rPr>
               <a:t>生成模型</a:t>
@@ -39727,14 +39530,14 @@
             <a:r>
               <a:rPr lang="en-US" altLang="zh-CN" kern="0" dirty="0">
                 <a:latin typeface="Arial" panose="020B0604020202020204"/>
-                <a:ea typeface="微软雅黑" panose="020B0503020204020204" charset="-122"/>
+                <a:ea typeface="微软雅黑" pitchFamily="34" charset="-122"/>
                 <a:cs typeface="+mn-cs"/>
               </a:rPr>
               <a:t>(G)</a:t>
             </a:r>
             <a:endParaRPr lang="zh-CN" altLang="en-US" kern="0" dirty="0">
               <a:latin typeface="Arial" panose="020B0604020202020204"/>
-              <a:ea typeface="微软雅黑" panose="020B0503020204020204" charset="-122"/>
+              <a:ea typeface="微软雅黑" pitchFamily="34" charset="-122"/>
               <a:cs typeface="+mn-cs"/>
             </a:endParaRPr>
           </a:p>
@@ -39742,13 +39545,7 @@
       </p:sp>
       <p:sp>
         <p:nvSpPr>
-          <p:cNvPr id="28" name="矩形 27">
-            <a:extLst>
-              <a:ext uri="{FF2B5EF4-FFF2-40B4-BE49-F238E27FC236}">
-                <a16:creationId xmlns:a16="http://schemas.microsoft.com/office/drawing/2014/main" id="{7FD42090-93AA-4F82-922B-38E998693743}"/>
-              </a:ext>
-            </a:extLst>
-          </p:cNvPr>
+          <p:cNvPr id="28" name="矩形 27"/>
           <p:cNvSpPr/>
           <p:nvPr/>
         </p:nvSpPr>
@@ -39786,7 +39583,7 @@
             <a:r>
               <a:rPr lang="zh-CN" altLang="en-US" kern="0" dirty="0">
                 <a:latin typeface="Arial" panose="020B0604020202020204"/>
-                <a:ea typeface="微软雅黑" panose="020B0503020204020204" charset="-122"/>
+                <a:ea typeface="微软雅黑" pitchFamily="34" charset="-122"/>
                 <a:cs typeface="+mn-cs"/>
               </a:rPr>
               <a:t>真</a:t>
@@ -39794,7 +39591,7 @@
             <a:r>
               <a:rPr lang="en-US" altLang="zh-CN" kern="0" dirty="0">
                 <a:latin typeface="Arial" panose="020B0604020202020204"/>
-                <a:ea typeface="微软雅黑" panose="020B0503020204020204" charset="-122"/>
+                <a:ea typeface="微软雅黑" pitchFamily="34" charset="-122"/>
                 <a:cs typeface="+mn-cs"/>
               </a:rPr>
               <a:t>/</a:t>
@@ -39802,7 +39599,7 @@
             <a:r>
               <a:rPr lang="zh-CN" altLang="en-US" kern="0" dirty="0">
                 <a:latin typeface="Arial" panose="020B0604020202020204"/>
-                <a:ea typeface="微软雅黑" panose="020B0503020204020204" charset="-122"/>
+                <a:ea typeface="微软雅黑" pitchFamily="34" charset="-122"/>
                 <a:cs typeface="+mn-cs"/>
               </a:rPr>
               <a:t>伪</a:t>
@@ -39810,14 +39607,14 @@
             <a:r>
               <a:rPr lang="en-US" altLang="zh-CN" kern="0" dirty="0">
                 <a:latin typeface="Arial" panose="020B0604020202020204"/>
-                <a:ea typeface="微软雅黑" panose="020B0503020204020204" charset="-122"/>
+                <a:ea typeface="微软雅黑" pitchFamily="34" charset="-122"/>
                 <a:cs typeface="+mn-cs"/>
               </a:rPr>
               <a:t>?</a:t>
             </a:r>
             <a:endParaRPr lang="zh-CN" altLang="en-US" kern="0" dirty="0">
               <a:latin typeface="Arial" panose="020B0604020202020204"/>
-              <a:ea typeface="微软雅黑" panose="020B0503020204020204" charset="-122"/>
+              <a:ea typeface="微软雅黑" pitchFamily="34" charset="-122"/>
               <a:cs typeface="+mn-cs"/>
             </a:endParaRPr>
           </a:p>
@@ -39825,13 +39622,7 @@
       </p:sp>
       <p:sp>
         <p:nvSpPr>
-          <p:cNvPr id="29" name="椭圆 28">
-            <a:extLst>
-              <a:ext uri="{FF2B5EF4-FFF2-40B4-BE49-F238E27FC236}">
-                <a16:creationId xmlns:a16="http://schemas.microsoft.com/office/drawing/2014/main" id="{95E7BD77-08D6-42FE-83BE-BDB33BF03640}"/>
-              </a:ext>
-            </a:extLst>
-          </p:cNvPr>
+          <p:cNvPr id="29" name="椭圆 28"/>
           <p:cNvSpPr/>
           <p:nvPr/>
         </p:nvSpPr>
@@ -39843,7 +39634,6 @@
           <a:prstGeom prst="ellipse">
             <a:avLst/>
           </a:prstGeom>
-          <a:ln/>
         </p:spPr>
         <p:style>
           <a:lnRef idx="0">
@@ -39870,22 +39660,23 @@
                   <a:schemeClr val="bg1"/>
                 </a:solidFill>
                 <a:latin typeface="Arial" panose="020B0604020202020204"/>
-                <a:ea typeface="微软雅黑" panose="020B0503020204020204" charset="-122"/>
+                <a:ea typeface="微软雅黑" pitchFamily="34" charset="-122"/>
               </a:rPr>
               <a:t>采样</a:t>
             </a:r>
+            <a:endParaRPr lang="zh-CN" altLang="en-US" kern="0" dirty="0">
+              <a:solidFill>
+                <a:schemeClr val="bg1"/>
+              </a:solidFill>
+              <a:latin typeface="Arial" panose="020B0604020202020204"/>
+              <a:ea typeface="微软雅黑" pitchFamily="34" charset="-122"/>
+            </a:endParaRPr>
           </a:p>
         </p:txBody>
       </p:sp>
       <p:sp>
         <p:nvSpPr>
-          <p:cNvPr id="30" name="丁字箭头 11">
-            <a:extLst>
-              <a:ext uri="{FF2B5EF4-FFF2-40B4-BE49-F238E27FC236}">
-                <a16:creationId xmlns:a16="http://schemas.microsoft.com/office/drawing/2014/main" id="{DB46ACE1-EA40-492D-836E-8E6246CBC4B6}"/>
-              </a:ext>
-            </a:extLst>
-          </p:cNvPr>
+          <p:cNvPr id="30" name="丁字箭头 11"/>
           <p:cNvSpPr/>
           <p:nvPr/>
         </p:nvSpPr>
@@ -39901,7 +39692,6 @@
               <a:gd name="adj3" fmla="val 25000"/>
             </a:avLst>
           </a:prstGeom>
-          <a:ln/>
         </p:spPr>
         <p:style>
           <a:lnRef idx="2">
@@ -39927,20 +39717,14 @@
                 <a:prstClr val="white"/>
               </a:solidFill>
               <a:latin typeface="Arial" panose="020B0604020202020204"/>
-              <a:ea typeface="微软雅黑" panose="020B0503020204020204" charset="-122"/>
+              <a:ea typeface="微软雅黑" pitchFamily="34" charset="-122"/>
             </a:endParaRPr>
           </a:p>
         </p:txBody>
       </p:sp>
       <p:sp>
         <p:nvSpPr>
-          <p:cNvPr id="31" name="虚尾箭头 13">
-            <a:extLst>
-              <a:ext uri="{FF2B5EF4-FFF2-40B4-BE49-F238E27FC236}">
-                <a16:creationId xmlns:a16="http://schemas.microsoft.com/office/drawing/2014/main" id="{DE66104D-18FD-4C89-A27A-D37B38DC0E7C}"/>
-              </a:ext>
-            </a:extLst>
-          </p:cNvPr>
+          <p:cNvPr id="31" name="虚尾箭头 13"/>
           <p:cNvSpPr/>
           <p:nvPr/>
         </p:nvSpPr>
@@ -39955,7 +39739,6 @@
               <a:gd name="adj2" fmla="val 52096"/>
             </a:avLst>
           </a:prstGeom>
-          <a:ln/>
         </p:spPr>
         <p:style>
           <a:lnRef idx="2">
@@ -39981,20 +39764,14 @@
                 <a:prstClr val="white"/>
               </a:solidFill>
               <a:latin typeface="Arial" panose="020B0604020202020204"/>
-              <a:ea typeface="微软雅黑" panose="020B0503020204020204" charset="-122"/>
+              <a:ea typeface="微软雅黑" pitchFamily="34" charset="-122"/>
             </a:endParaRPr>
           </a:p>
         </p:txBody>
       </p:sp>
       <p:sp>
         <p:nvSpPr>
-          <p:cNvPr id="32" name="虚尾箭头 14">
-            <a:extLst>
-              <a:ext uri="{FF2B5EF4-FFF2-40B4-BE49-F238E27FC236}">
-                <a16:creationId xmlns:a16="http://schemas.microsoft.com/office/drawing/2014/main" id="{D158A388-F991-40F2-ADF1-D4AF2655BD81}"/>
-              </a:ext>
-            </a:extLst>
-          </p:cNvPr>
+          <p:cNvPr id="32" name="虚尾箭头 14"/>
           <p:cNvSpPr/>
           <p:nvPr/>
         </p:nvSpPr>
@@ -40009,7 +39786,6 @@
               <a:gd name="adj2" fmla="val 52096"/>
             </a:avLst>
           </a:prstGeom>
-          <a:ln/>
         </p:spPr>
         <p:style>
           <a:lnRef idx="2">
@@ -40035,20 +39811,14 @@
                 <a:prstClr val="white"/>
               </a:solidFill>
               <a:latin typeface="Arial" panose="020B0604020202020204"/>
-              <a:ea typeface="微软雅黑" panose="020B0503020204020204" charset="-122"/>
+              <a:ea typeface="微软雅黑" pitchFamily="34" charset="-122"/>
             </a:endParaRPr>
           </a:p>
         </p:txBody>
       </p:sp>
       <p:sp>
         <p:nvSpPr>
-          <p:cNvPr id="33" name="右箭头 15">
-            <a:extLst>
-              <a:ext uri="{FF2B5EF4-FFF2-40B4-BE49-F238E27FC236}">
-                <a16:creationId xmlns:a16="http://schemas.microsoft.com/office/drawing/2014/main" id="{600E1A1B-4E14-4130-971E-6E255060746F}"/>
-              </a:ext>
-            </a:extLst>
-          </p:cNvPr>
+          <p:cNvPr id="33" name="右箭头 15"/>
           <p:cNvSpPr/>
           <p:nvPr/>
         </p:nvSpPr>
@@ -40063,7 +39833,6 @@
               <a:gd name="adj2" fmla="val 50000"/>
             </a:avLst>
           </a:prstGeom>
-          <a:ln/>
         </p:spPr>
         <p:style>
           <a:lnRef idx="2">
@@ -40089,20 +39858,14 @@
                 <a:prstClr val="white"/>
               </a:solidFill>
               <a:latin typeface="Arial" panose="020B0604020202020204"/>
-              <a:ea typeface="微软雅黑" panose="020B0503020204020204" charset="-122"/>
+              <a:ea typeface="微软雅黑" pitchFamily="34" charset="-122"/>
             </a:endParaRPr>
           </a:p>
         </p:txBody>
       </p:sp>
       <p:sp>
         <p:nvSpPr>
-          <p:cNvPr id="34" name="右箭头 16">
-            <a:extLst>
-              <a:ext uri="{FF2B5EF4-FFF2-40B4-BE49-F238E27FC236}">
-                <a16:creationId xmlns:a16="http://schemas.microsoft.com/office/drawing/2014/main" id="{BF47A1B5-46A2-4356-95D0-3DC564302B01}"/>
-              </a:ext>
-            </a:extLst>
-          </p:cNvPr>
+          <p:cNvPr id="34" name="右箭头 16"/>
           <p:cNvSpPr/>
           <p:nvPr/>
         </p:nvSpPr>
@@ -40117,7 +39880,6 @@
               <a:gd name="adj2" fmla="val 50000"/>
             </a:avLst>
           </a:prstGeom>
-          <a:ln/>
         </p:spPr>
         <p:style>
           <a:lnRef idx="2">
@@ -40143,20 +39905,14 @@
                 <a:prstClr val="white"/>
               </a:solidFill>
               <a:latin typeface="Arial" panose="020B0604020202020204"/>
-              <a:ea typeface="微软雅黑" panose="020B0503020204020204" charset="-122"/>
+              <a:ea typeface="微软雅黑" pitchFamily="34" charset="-122"/>
             </a:endParaRPr>
           </a:p>
         </p:txBody>
       </p:sp>
       <p:sp>
         <p:nvSpPr>
-          <p:cNvPr id="35" name="TextBox 17">
-            <a:extLst>
-              <a:ext uri="{FF2B5EF4-FFF2-40B4-BE49-F238E27FC236}">
-                <a16:creationId xmlns:a16="http://schemas.microsoft.com/office/drawing/2014/main" id="{CDD05FB5-6FE4-429F-A517-170FABDA1C27}"/>
-              </a:ext>
-            </a:extLst>
-          </p:cNvPr>
+          <p:cNvPr id="35" name="TextBox 17"/>
           <p:cNvSpPr txBox="1"/>
           <p:nvPr/>
         </p:nvSpPr>
@@ -40186,13 +39942,7 @@
       </p:sp>
       <p:sp>
         <p:nvSpPr>
-          <p:cNvPr id="36" name="TextBox 18">
-            <a:extLst>
-              <a:ext uri="{FF2B5EF4-FFF2-40B4-BE49-F238E27FC236}">
-                <a16:creationId xmlns:a16="http://schemas.microsoft.com/office/drawing/2014/main" id="{AEC8D851-610C-418E-B15A-81E9DC84A491}"/>
-              </a:ext>
-            </a:extLst>
-          </p:cNvPr>
+          <p:cNvPr id="36" name="TextBox 18"/>
           <p:cNvSpPr txBox="1"/>
           <p:nvPr/>
         </p:nvSpPr>
@@ -40222,13 +39972,7 @@
       </p:sp>
       <p:cxnSp>
         <p:nvCxnSpPr>
-          <p:cNvPr id="37" name="肘形连接符 36">
-            <a:extLst>
-              <a:ext uri="{FF2B5EF4-FFF2-40B4-BE49-F238E27FC236}">
-                <a16:creationId xmlns:a16="http://schemas.microsoft.com/office/drawing/2014/main" id="{B918C256-6D5B-43B3-80BE-BF9A85E929DC}"/>
-              </a:ext>
-            </a:extLst>
-          </p:cNvPr>
+          <p:cNvPr id="37" name="肘形连接符 36"/>
           <p:cNvCxnSpPr>
             <a:stCxn id="28" idx="2"/>
           </p:cNvCxnSpPr>
@@ -40266,13 +40010,7 @@
       </p:cxnSp>
       <p:cxnSp>
         <p:nvCxnSpPr>
-          <p:cNvPr id="38" name="直接箭头连接符 37">
-            <a:extLst>
-              <a:ext uri="{FF2B5EF4-FFF2-40B4-BE49-F238E27FC236}">
-                <a16:creationId xmlns:a16="http://schemas.microsoft.com/office/drawing/2014/main" id="{5AAAC884-DBA0-424E-A326-09B038088C3A}"/>
-              </a:ext>
-            </a:extLst>
-          </p:cNvPr>
+          <p:cNvPr id="38" name="直接箭头连接符 37"/>
           <p:cNvCxnSpPr/>
           <p:nvPr/>
         </p:nvCxnSpPr>
@@ -40309,13 +40047,7 @@
       </p:cxnSp>
       <p:cxnSp>
         <p:nvCxnSpPr>
-          <p:cNvPr id="39" name="直接箭头连接符 38">
-            <a:extLst>
-              <a:ext uri="{FF2B5EF4-FFF2-40B4-BE49-F238E27FC236}">
-                <a16:creationId xmlns:a16="http://schemas.microsoft.com/office/drawing/2014/main" id="{1ECBF07D-C918-49A5-B32D-A74FA74AD8C4}"/>
-              </a:ext>
-            </a:extLst>
-          </p:cNvPr>
+          <p:cNvPr id="39" name="直接箭头连接符 38"/>
           <p:cNvCxnSpPr/>
           <p:nvPr/>
         </p:nvCxnSpPr>
@@ -41071,6 +40803,7 @@
               <a:rPr lang="zh-CN" altLang="en-US" dirty="0"/>
               <a:t>基本原理</a:t>
             </a:r>
+            <a:endParaRPr lang="zh-CN" altLang="en-US" dirty="0"/>
           </a:p>
         </p:txBody>
       </p:sp>
@@ -41122,7 +40855,6 @@
                 <a:ea typeface="华文中宋" charset="0"/>
                 <a:cs typeface="+mn-cs"/>
               </a:rPr>
-              <a:t>8</a:t>
             </a:fld>
             <a:endParaRPr kumimoji="0" lang="en-US" altLang="zh-CN" sz="1200" b="1" i="0" u="none" strike="noStrike" kern="1200" cap="none" spc="0" normalizeH="0" baseline="0" noProof="0">
               <a:ln>
@@ -41145,13 +40877,7 @@
       </p:sp>
       <p:sp>
         <p:nvSpPr>
-          <p:cNvPr id="15" name="TextBox 2">
-            <a:extLst>
-              <a:ext uri="{FF2B5EF4-FFF2-40B4-BE49-F238E27FC236}">
-                <a16:creationId xmlns:a16="http://schemas.microsoft.com/office/drawing/2014/main" id="{717A6805-9305-46FD-AF03-C1181FE487A0}"/>
-              </a:ext>
-            </a:extLst>
-          </p:cNvPr>
+          <p:cNvPr id="15" name="TextBox 2"/>
           <p:cNvSpPr txBox="1"/>
           <p:nvPr/>
         </p:nvSpPr>
@@ -41326,20 +41052,14 @@
       </p:sp>
       <p:pic>
         <p:nvPicPr>
-          <p:cNvPr id="16" name="Picture 2">
-            <a:extLst>
-              <a:ext uri="{FF2B5EF4-FFF2-40B4-BE49-F238E27FC236}">
-                <a16:creationId xmlns:a16="http://schemas.microsoft.com/office/drawing/2014/main" id="{70BCCFD2-52BD-4F42-A889-950EDF9C7CD3}"/>
-              </a:ext>
-            </a:extLst>
-          </p:cNvPr>
+          <p:cNvPr id="16" name="Picture 2"/>
           <p:cNvPicPr>
             <a:picLocks noChangeAspect="1" noChangeArrowheads="1"/>
           </p:cNvPicPr>
           <p:nvPr/>
         </p:nvPicPr>
         <p:blipFill>
-          <a:blip r:embed="rId3" cstate="print"/>
+          <a:blip r:embed="rId1" cstate="print"/>
           <a:srcRect/>
           <a:stretch>
             <a:fillRect/>
@@ -41548,6 +41268,7 @@
               <a:rPr lang="zh-CN" altLang="en-US" dirty="0"/>
               <a:t>基本原理</a:t>
             </a:r>
+            <a:endParaRPr lang="zh-CN" altLang="en-US" dirty="0"/>
           </a:p>
         </p:txBody>
       </p:sp>
@@ -41599,7 +41320,6 @@
                 <a:ea typeface="华文中宋" charset="0"/>
                 <a:cs typeface="+mn-cs"/>
               </a:rPr>
-              <a:t>9</a:t>
             </a:fld>
             <a:endParaRPr kumimoji="0" lang="en-US" altLang="zh-CN" sz="1200" b="1" i="0" u="none" strike="noStrike" kern="1200" cap="none" spc="0" normalizeH="0" baseline="0" noProof="0">
               <a:ln>
@@ -41622,13 +41342,7 @@
       </p:sp>
       <p:sp>
         <p:nvSpPr>
-          <p:cNvPr id="6" name="流程图: 过程 5">
-            <a:extLst>
-              <a:ext uri="{FF2B5EF4-FFF2-40B4-BE49-F238E27FC236}">
-                <a16:creationId xmlns:a16="http://schemas.microsoft.com/office/drawing/2014/main" id="{8FDBACB0-E7F8-478A-B616-40EAF460F927}"/>
-              </a:ext>
-            </a:extLst>
-          </p:cNvPr>
+          <p:cNvPr id="6" name="流程图: 过程 5"/>
           <p:cNvSpPr/>
           <p:nvPr/>
         </p:nvSpPr>
@@ -41640,7 +41354,6 @@
           <a:prstGeom prst="flowChartProcess">
             <a:avLst/>
           </a:prstGeom>
-          <a:ln/>
         </p:spPr>
         <p:style>
           <a:lnRef idx="3">
@@ -41687,7 +41400,7 @@
                 <a:uLnTx/>
                 <a:uFillTx/>
                 <a:latin typeface="Arial" panose="020B0604020202020204"/>
-                <a:ea typeface="微软雅黑" panose="020B0503020204020204" charset="-122"/>
+                <a:ea typeface="微软雅黑" pitchFamily="34" charset="-122"/>
               </a:rPr>
               <a:t>生成器（</a:t>
             </a:r>
@@ -41703,7 +41416,7 @@
                 <a:uLnTx/>
                 <a:uFillTx/>
                 <a:latin typeface="Arial" panose="020B0604020202020204"/>
-                <a:ea typeface="微软雅黑" panose="020B0503020204020204" charset="-122"/>
+                <a:ea typeface="微软雅黑" pitchFamily="34" charset="-122"/>
               </a:rPr>
               <a:t>G</a:t>
             </a:r>
@@ -41719,22 +41432,29 @@
                 <a:uLnTx/>
                 <a:uFillTx/>
                 <a:latin typeface="Arial" panose="020B0604020202020204"/>
-                <a:ea typeface="微软雅黑" panose="020B0503020204020204" charset="-122"/>
+                <a:ea typeface="微软雅黑" pitchFamily="34" charset="-122"/>
               </a:rPr>
               <a:t>）</a:t>
             </a:r>
+            <a:endParaRPr kumimoji="0" lang="zh-CN" altLang="en-US" sz="1800" b="0" i="0" u="none" strike="noStrike" kern="0" cap="none" spc="0" normalizeH="0" baseline="0" noProof="0" dirty="0">
+              <a:ln>
+                <a:noFill/>
+              </a:ln>
+              <a:solidFill>
+                <a:prstClr val="white"/>
+              </a:solidFill>
+              <a:effectLst/>
+              <a:uLnTx/>
+              <a:uFillTx/>
+              <a:latin typeface="Arial" panose="020B0604020202020204"/>
+              <a:ea typeface="微软雅黑" pitchFamily="34" charset="-122"/>
+            </a:endParaRPr>
           </a:p>
         </p:txBody>
       </p:sp>
       <p:sp>
         <p:nvSpPr>
-          <p:cNvPr id="7" name="流程图: 过程 6">
-            <a:extLst>
-              <a:ext uri="{FF2B5EF4-FFF2-40B4-BE49-F238E27FC236}">
-                <a16:creationId xmlns:a16="http://schemas.microsoft.com/office/drawing/2014/main" id="{4BCE4FE6-1E19-41C9-BF0C-6B56A5CA54E4}"/>
-              </a:ext>
-            </a:extLst>
-          </p:cNvPr>
+          <p:cNvPr id="7" name="流程图: 过程 6"/>
           <p:cNvSpPr/>
           <p:nvPr/>
         </p:nvSpPr>
@@ -41746,7 +41466,6 @@
           <a:prstGeom prst="flowChartProcess">
             <a:avLst/>
           </a:prstGeom>
-          <a:ln/>
         </p:spPr>
         <p:style>
           <a:lnRef idx="3">
@@ -41793,7 +41512,7 @@
                 <a:uLnTx/>
                 <a:uFillTx/>
                 <a:latin typeface="Arial" panose="020B0604020202020204"/>
-                <a:ea typeface="微软雅黑" panose="020B0503020204020204" charset="-122"/>
+                <a:ea typeface="微软雅黑" pitchFamily="34" charset="-122"/>
               </a:rPr>
               <a:t>判别器</a:t>
             </a:r>
@@ -41803,7 +41522,7 @@
                   <a:prstClr val="white"/>
                 </a:solidFill>
                 <a:latin typeface="Arial" panose="020B0604020202020204"/>
-                <a:ea typeface="微软雅黑" panose="020B0503020204020204" charset="-122"/>
+                <a:ea typeface="微软雅黑" pitchFamily="34" charset="-122"/>
               </a:rPr>
               <a:t>（</a:t>
             </a:r>
@@ -41813,7 +41532,7 @@
                   <a:prstClr val="white"/>
                 </a:solidFill>
                 <a:latin typeface="Arial" panose="020B0604020202020204"/>
-                <a:ea typeface="微软雅黑" panose="020B0503020204020204" charset="-122"/>
+                <a:ea typeface="微软雅黑" pitchFamily="34" charset="-122"/>
               </a:rPr>
               <a:t>D</a:t>
             </a:r>
@@ -41823,7 +41542,7 @@
                   <a:prstClr val="white"/>
                 </a:solidFill>
                 <a:latin typeface="Arial" panose="020B0604020202020204"/>
-                <a:ea typeface="微软雅黑" panose="020B0503020204020204" charset="-122"/>
+                <a:ea typeface="微软雅黑" pitchFamily="34" charset="-122"/>
               </a:rPr>
               <a:t>）</a:t>
             </a:r>
@@ -41838,20 +41557,14 @@
               <a:uLnTx/>
               <a:uFillTx/>
               <a:latin typeface="Arial" panose="020B0604020202020204"/>
-              <a:ea typeface="微软雅黑" panose="020B0503020204020204" charset="-122"/>
+              <a:ea typeface="微软雅黑" pitchFamily="34" charset="-122"/>
             </a:endParaRPr>
           </a:p>
         </p:txBody>
       </p:sp>
       <p:sp>
         <p:nvSpPr>
-          <p:cNvPr id="8" name="左右箭头 8">
-            <a:extLst>
-              <a:ext uri="{FF2B5EF4-FFF2-40B4-BE49-F238E27FC236}">
-                <a16:creationId xmlns:a16="http://schemas.microsoft.com/office/drawing/2014/main" id="{63BECDFD-D853-4FBC-BB69-AC6B0A9AF7C4}"/>
-              </a:ext>
-            </a:extLst>
-          </p:cNvPr>
+          <p:cNvPr id="8" name="左右箭头 8"/>
           <p:cNvSpPr/>
           <p:nvPr/>
         </p:nvSpPr>
@@ -41906,7 +41619,7 @@
             <a:r>
               <a:rPr lang="zh-CN" altLang="en-US" b="1" kern="0" dirty="0">
                 <a:latin typeface="Arial" panose="020B0604020202020204"/>
-                <a:ea typeface="微软雅黑" panose="020B0503020204020204" charset="-122"/>
+                <a:ea typeface="微软雅黑" pitchFamily="34" charset="-122"/>
               </a:rPr>
               <a:t>交替优化</a:t>
             </a:r>
@@ -41918,20 +41631,14 @@
               <a:uLnTx/>
               <a:uFillTx/>
               <a:latin typeface="Arial" panose="020B0604020202020204"/>
-              <a:ea typeface="微软雅黑" panose="020B0503020204020204" charset="-122"/>
+              <a:ea typeface="微软雅黑" pitchFamily="34" charset="-122"/>
             </a:endParaRPr>
           </a:p>
         </p:txBody>
       </p:sp>
       <p:sp>
         <p:nvSpPr>
-          <p:cNvPr id="9" name="TextBox 10">
-            <a:extLst>
-              <a:ext uri="{FF2B5EF4-FFF2-40B4-BE49-F238E27FC236}">
-                <a16:creationId xmlns:a16="http://schemas.microsoft.com/office/drawing/2014/main" id="{49872688-32EF-405D-B7D7-50823F8DC4E1}"/>
-              </a:ext>
-            </a:extLst>
-          </p:cNvPr>
+          <p:cNvPr id="9" name="TextBox 10"/>
           <p:cNvSpPr txBox="1"/>
           <p:nvPr/>
         </p:nvSpPr>
@@ -41975,18 +41682,13 @@
               <a:rPr lang="zh-CN" altLang="en-US" dirty="0"/>
               <a:t>。</a:t>
             </a:r>
+            <a:endParaRPr lang="zh-CN" altLang="en-US" dirty="0"/>
           </a:p>
         </p:txBody>
       </p:sp>
       <p:sp>
         <p:nvSpPr>
-          <p:cNvPr id="10" name="TextBox 11">
-            <a:extLst>
-              <a:ext uri="{FF2B5EF4-FFF2-40B4-BE49-F238E27FC236}">
-                <a16:creationId xmlns:a16="http://schemas.microsoft.com/office/drawing/2014/main" id="{D93C404F-7E96-47D6-B95C-AD1DF4E1DF6F}"/>
-              </a:ext>
-            </a:extLst>
-          </p:cNvPr>
+          <p:cNvPr id="10" name="TextBox 11"/>
           <p:cNvSpPr txBox="1"/>
           <p:nvPr/>
         </p:nvSpPr>
@@ -42030,18 +41732,13 @@
               <a:rPr lang="zh-CN" altLang="en-US" dirty="0"/>
               <a:t>正确标签的概率。</a:t>
             </a:r>
+            <a:endParaRPr lang="zh-CN" altLang="en-US" dirty="0"/>
           </a:p>
         </p:txBody>
       </p:sp>
       <p:sp>
         <p:nvSpPr>
-          <p:cNvPr id="11" name="椭圆形标注 5">
-            <a:extLst>
-              <a:ext uri="{FF2B5EF4-FFF2-40B4-BE49-F238E27FC236}">
-                <a16:creationId xmlns:a16="http://schemas.microsoft.com/office/drawing/2014/main" id="{6C201668-BDA1-49E3-86B3-535F1680FC1E}"/>
-              </a:ext>
-            </a:extLst>
-          </p:cNvPr>
+          <p:cNvPr id="11" name="椭圆形标注 5"/>
           <p:cNvSpPr/>
           <p:nvPr/>
         </p:nvSpPr>
@@ -42053,7 +41750,6 @@
           <a:prstGeom prst="wedgeEllipseCallout">
             <a:avLst/>
           </a:prstGeom>
-          <a:ln/>
         </p:spPr>
         <p:style>
           <a:lnRef idx="2">
@@ -42100,22 +41796,29 @@
                 <a:uLnTx/>
                 <a:uFillTx/>
                 <a:latin typeface="Arial" panose="020B0604020202020204"/>
-                <a:ea typeface="微软雅黑" panose="020B0503020204020204" charset="-122"/>
+                <a:ea typeface="微软雅黑" pitchFamily="34" charset="-122"/>
               </a:rPr>
               <a:t>魔高一丈</a:t>
             </a:r>
+            <a:endParaRPr kumimoji="0" lang="zh-CN" altLang="en-US" b="0" i="0" u="none" strike="noStrike" kern="0" cap="none" spc="0" normalizeH="0" baseline="0" noProof="0" dirty="0">
+              <a:ln>
+                <a:noFill/>
+              </a:ln>
+              <a:solidFill>
+                <a:schemeClr val="tx1"/>
+              </a:solidFill>
+              <a:effectLst/>
+              <a:uLnTx/>
+              <a:uFillTx/>
+              <a:latin typeface="Arial" panose="020B0604020202020204"/>
+              <a:ea typeface="微软雅黑" pitchFamily="34" charset="-122"/>
+            </a:endParaRPr>
           </a:p>
         </p:txBody>
       </p:sp>
       <p:sp>
         <p:nvSpPr>
-          <p:cNvPr id="12" name="椭圆形标注 12">
-            <a:extLst>
-              <a:ext uri="{FF2B5EF4-FFF2-40B4-BE49-F238E27FC236}">
-                <a16:creationId xmlns:a16="http://schemas.microsoft.com/office/drawing/2014/main" id="{88F5BAD4-FA28-478B-BEBE-94CFA37E3332}"/>
-              </a:ext>
-            </a:extLst>
-          </p:cNvPr>
+          <p:cNvPr id="12" name="椭圆形标注 12"/>
           <p:cNvSpPr/>
           <p:nvPr/>
         </p:nvSpPr>
@@ -42127,7 +41830,6 @@
           <a:prstGeom prst="wedgeEllipseCallout">
             <a:avLst/>
           </a:prstGeom>
-          <a:ln/>
         </p:spPr>
         <p:style>
           <a:lnRef idx="2">
@@ -42174,19 +41876,27 @@
                 <a:uLnTx/>
                 <a:uFillTx/>
                 <a:latin typeface="Arial" panose="020B0604020202020204"/>
-                <a:ea typeface="微软雅黑" panose="020B0503020204020204" charset="-122"/>
+                <a:ea typeface="微软雅黑" pitchFamily="34" charset="-122"/>
               </a:rPr>
               <a:t>道高一尺</a:t>
             </a:r>
+            <a:endParaRPr kumimoji="0" lang="zh-CN" altLang="en-US" b="0" i="0" u="none" strike="noStrike" kern="0" cap="none" spc="0" normalizeH="0" baseline="0" noProof="0" dirty="0">
+              <a:ln>
+                <a:noFill/>
+              </a:ln>
+              <a:solidFill>
+                <a:schemeClr val="tx1"/>
+              </a:solidFill>
+              <a:effectLst/>
+              <a:uLnTx/>
+              <a:uFillTx/>
+              <a:latin typeface="Arial" panose="020B0604020202020204"/>
+              <a:ea typeface="微软雅黑" pitchFamily="34" charset="-122"/>
+            </a:endParaRPr>
           </a:p>
         </p:txBody>
       </p:sp>
     </p:spTree>
-    <p:extLst>
-      <p:ext uri="{BB962C8B-B14F-4D97-AF65-F5344CB8AC3E}">
-        <p14:creationId xmlns:p14="http://schemas.microsoft.com/office/powerpoint/2010/main" val="1353556971"/>
-      </p:ext>
-    </p:extLst>
   </p:cSld>
   <p:clrMapOvr>
     <a:masterClrMapping/>
@@ -42953,8 +42663,6 @@
       </a:bgFillStyleLst>
     </a:fmtScheme>
   </a:themeElements>
-  <a:objectDefaults/>
-  <a:extraClrSchemeLst/>
   <a:extLst>
     <a:ext uri="{05A4C25C-085E-4340-85A3-A5531E510DB2}">
       <thm15:themeFamily xmlns:thm15="http://schemas.microsoft.com/office/thememl/2012/main" name="Office Theme" id="{62F939B6-93AF-4DB8-9C6B-D6C7DFDC589F}" vid="{4A3C46E8-61CC-4603-A589-7422A47A8E4A}"/>
@@ -43290,8 +42998,6 @@
       </a:bgFillStyleLst>
     </a:fmtScheme>
   </a:themeElements>
-  <a:objectDefaults/>
-  <a:extraClrSchemeLst/>
   <a:extLst>
     <a:ext uri="{05A4C25C-085E-4340-85A3-A5531E510DB2}">
       <thm15:themeFamily xmlns:thm15="http://schemas.microsoft.com/office/thememl/2012/main" name="Office Theme" id="{62F939B6-93AF-4DB8-9C6B-D6C7DFDC589F}" vid="{4A3C46E8-61CC-4603-A589-7422A47A8E4A}"/>
@@ -43491,8 +43197,6 @@
       </a:bgFillStyleLst>
     </a:fmtScheme>
   </a:themeElements>
-  <a:objectDefaults/>
-  <a:extraClrSchemeLst/>
   <a:extLst>
     <a:ext uri="{05A4C25C-085E-4340-85A3-A5531E510DB2}">
       <thm15:themeFamily xmlns:thm15="http://schemas.microsoft.com/office/thememl/2012/main" name="Office Theme" id="{62F939B6-93AF-4DB8-9C6B-D6C7DFDC589F}" vid="{4A3C46E8-61CC-4603-A589-7422A47A8E4A}"/>
@@ -43752,8 +43456,6 @@
       </a:bgFillStyleLst>
     </a:fmtScheme>
   </a:themeElements>
-  <a:objectDefaults/>
-  <a:extraClrSchemeLst/>
   <a:extLst>
     <a:ext uri="{05A4C25C-085E-4340-85A3-A5531E510DB2}">
       <thm15:themeFamily xmlns:thm15="http://schemas.microsoft.com/office/thememl/2012/main" name="Office Theme" id="{62F939B6-93AF-4DB8-9C6B-D6C7DFDC589F}" vid="{4A3C46E8-61CC-4603-A589-7422A47A8E4A}"/>
